--- a/deliverables/cs7810_medical_kg_presentation.pptx
+++ b/deliverables/cs7810_medical_kg_presentation.pptx
@@ -5,7 +5,7 @@
     <p:sldMasterId id="2147483660" r:id="rId1"/>
   </p:sldMasterIdLst>
   <p:notesMasterIdLst>
-    <p:notesMasterId r:id="rId29"/>
+    <p:notesMasterId r:id="rId30"/>
   </p:notesMasterIdLst>
   <p:sldIdLst>
     <p:sldId id="274" r:id="rId2"/>
@@ -27,14 +27,15 @@
     <p:sldId id="267" r:id="rId18"/>
     <p:sldId id="279" r:id="rId19"/>
     <p:sldId id="281" r:id="rId20"/>
-    <p:sldId id="282" r:id="rId21"/>
-    <p:sldId id="283" r:id="rId22"/>
-    <p:sldId id="280" r:id="rId23"/>
-    <p:sldId id="273" r:id="rId24"/>
-    <p:sldId id="284" r:id="rId25"/>
-    <p:sldId id="269" r:id="rId26"/>
-    <p:sldId id="287" r:id="rId27"/>
+    <p:sldId id="283" r:id="rId21"/>
+    <p:sldId id="280" r:id="rId22"/>
+    <p:sldId id="273" r:id="rId23"/>
+    <p:sldId id="284" r:id="rId24"/>
+    <p:sldId id="269" r:id="rId25"/>
+    <p:sldId id="287" r:id="rId26"/>
+    <p:sldId id="288" r:id="rId27"/>
     <p:sldId id="286" r:id="rId28"/>
+    <p:sldId id="282" r:id="rId29"/>
   </p:sldIdLst>
   <p:sldSz cx="12192000" cy="6858000"/>
   <p:notesSz cx="6858000" cy="9144000"/>
@@ -144,15 +145,11 @@
 <file path=ppt/revisionInfo.xml><?xml version="1.0" encoding="utf-8"?>
 <p1510:revInfo xmlns:a="http://schemas.openxmlformats.org/drawingml/2006/main" xmlns:r="http://schemas.openxmlformats.org/officeDocument/2006/relationships" xmlns:p1510="http://schemas.microsoft.com/office/powerpoint/2015/10/main">
   <p1510:revLst>
-    <p1510:client id="{0C97D8CF-13F0-549C-C5BC-96B13F22601F}" v="185" dt="2024-12-03T18:05:46.890"/>
-    <p1510:client id="{15A73E3E-4355-3AE7-97C4-66A6F565082A}" v="116" dt="2024-12-04T05:03:50.778"/>
     <p1510:client id="{194E5AB2-424D-A1A6-CE84-0937DB24C3FD}" v="152" dt="2024-12-05T06:35:49.044"/>
-    <p1510:client id="{2A5732BF-6AD0-10B4-E205-3DD85D716244}" v="60" dt="2024-12-04T03:41:50.617"/>
     <p1510:client id="{33754035-085B-2EC7-4335-0A0579F7A5AA}" v="6" dt="2024-12-05T15:13:51.735"/>
     <p1510:client id="{6AC206ED-BD32-5A9D-FCED-C87C18C2F7AA}" v="38" dt="2024-12-05T04:18:02.532"/>
     <p1510:client id="{A50E7F2A-7EF6-888A-B8E1-C20FCB15EEC5}" v="879" dt="2024-12-04T16:51:37.152"/>
     <p1510:client id="{F99318B7-C1B8-6B7D-84DD-4A98B55E729C}" v="117" dt="2024-12-05T06:12:24.458"/>
-    <p1510:client id="{FBBEFE9D-1D04-3A94-71CE-185B137C31B7}" v="816" dt="2024-12-03T22:07:08.311"/>
   </p1510:revLst>
 </p1510:revInfo>
 </file>
@@ -4184,10 +4181,10 @@
       </p:sp>
       <p:sp>
         <p:nvSpPr>
-          <p:cNvPr id="6" name="TextBox 5">
+          <p:cNvPr id="8" name="TextBox 7">
             <a:extLst>
               <a:ext uri="{FF2B5EF4-FFF2-40B4-BE49-F238E27FC236}">
-                <a16:creationId xmlns:a16="http://schemas.microsoft.com/office/drawing/2014/main" id="{3ACE0133-C34A-E622-0153-DAD3C34AE045}"/>
+                <a16:creationId xmlns:a16="http://schemas.microsoft.com/office/drawing/2014/main" id="{9BB3ED0F-EB89-A1E4-DB7F-35632CAACB71}"/>
               </a:ext>
             </a:extLst>
           </p:cNvPr>
@@ -4196,1013 +4193,1324 @@
         </p:nvSpPr>
         <p:spPr>
           <a:xfrm>
-            <a:off x="307692" y="1831016"/>
-            <a:ext cx="2743200" cy="4524315"/>
+            <a:off x="107066" y="2168729"/>
+            <a:ext cx="2749410" cy="3416320"/>
           </a:xfrm>
           <a:prstGeom prst="rect">
             <a:avLst/>
           </a:prstGeom>
-          <a:noFill/>
+          <a:solidFill>
+            <a:schemeClr val="tx1"/>
+          </a:solidFill>
         </p:spPr>
         <p:txBody>
-          <a:bodyPr rot="0" spcFirstLastPara="0" vertOverflow="overflow" horzOverflow="overflow" vert="horz" wrap="square" lIns="91440" tIns="45720" rIns="91440" bIns="45720" numCol="1" spcCol="0" rtlCol="0" fromWordArt="0" anchor="t" anchorCtr="0" forceAA="0" compatLnSpc="1">
-            <a:prstTxWarp prst="textNoShape">
-              <a:avLst/>
-            </a:prstTxWarp>
+          <a:bodyPr wrap="square">
             <a:spAutoFit/>
           </a:bodyPr>
           <a:lstStyle/>
           <a:p>
             <a:r>
-              <a:rPr lang="en-US" sz="1000" err="1">
+              <a:rPr lang="en-US" sz="800" b="0" dirty="0" err="1">
+                <a:solidFill>
+                  <a:srgbClr val="9CDCFE"/>
+                </a:solidFill>
+                <a:effectLst/>
+                <a:latin typeface="Consolas" panose="020B0609020204030204" pitchFamily="49" charset="0"/>
+              </a:rPr>
+              <a:t>gd</a:t>
+            </a:r>
+            <a:r>
+              <a:rPr lang="en-US" sz="800" b="0" dirty="0">
                 <a:solidFill>
                   <a:srgbClr val="CCCCCC"/>
                 </a:solidFill>
-                <a:latin typeface="Droid Sans Mono"/>
-              </a:rPr>
-              <a:t>gd</a:t>
-            </a:r>
-            <a:r>
-              <a:rPr lang="en-US" sz="1000">
+                <a:effectLst/>
+                <a:latin typeface="Consolas" panose="020B0609020204030204" pitchFamily="49" charset="0"/>
+              </a:rPr>
+              <a:t> </a:t>
+            </a:r>
+            <a:r>
+              <a:rPr lang="en-US" sz="800" b="0" dirty="0">
+                <a:solidFill>
+                  <a:srgbClr val="D4D4D4"/>
+                </a:solidFill>
+                <a:effectLst/>
+                <a:latin typeface="Consolas" panose="020B0609020204030204" pitchFamily="49" charset="0"/>
+              </a:rPr>
+              <a:t>=</a:t>
+            </a:r>
+            <a:r>
+              <a:rPr lang="en-US" sz="800" b="0" dirty="0">
                 <a:solidFill>
                   <a:srgbClr val="CCCCCC"/>
                 </a:solidFill>
-                <a:latin typeface="Droid Sans Mono"/>
+                <a:effectLst/>
+                <a:latin typeface="Consolas" panose="020B0609020204030204" pitchFamily="49" charset="0"/>
+              </a:rPr>
+              <a:t> [</a:t>
+            </a:r>
+          </a:p>
+          <a:p>
+            <a:r>
+              <a:rPr lang="en-US" sz="800" b="0" dirty="0">
+                <a:solidFill>
+                  <a:srgbClr val="CCCCCC"/>
+                </a:solidFill>
+                <a:effectLst/>
+                <a:latin typeface="Consolas" panose="020B0609020204030204" pitchFamily="49" charset="0"/>
+              </a:rPr>
+              <a:t>    </a:t>
+            </a:r>
+            <a:r>
+              <a:rPr lang="en-US" sz="800" b="0" dirty="0">
+                <a:solidFill>
+                  <a:srgbClr val="CE9178"/>
+                </a:solidFill>
+                <a:effectLst/>
+                <a:latin typeface="Consolas" panose="020B0609020204030204" pitchFamily="49" charset="0"/>
+              </a:rPr>
+              <a:t>"Drug </a:t>
+            </a:r>
+            <a:r>
+              <a:rPr lang="en-US" sz="800" b="0" dirty="0" err="1">
+                <a:solidFill>
+                  <a:srgbClr val="CE9178"/>
+                </a:solidFill>
+                <a:effectLst/>
+                <a:latin typeface="Consolas" panose="020B0609020204030204" pitchFamily="49" charset="0"/>
+              </a:rPr>
+              <a:t>hasDosage</a:t>
+            </a:r>
+            <a:r>
+              <a:rPr lang="en-US" sz="800" b="0" dirty="0">
+                <a:solidFill>
+                  <a:srgbClr val="CE9178"/>
+                </a:solidFill>
+                <a:effectLst/>
+                <a:latin typeface="Consolas" panose="020B0609020204030204" pitchFamily="49" charset="0"/>
+              </a:rPr>
+              <a:t> Dosage"</a:t>
+            </a:r>
+            <a:r>
+              <a:rPr lang="en-US" sz="800" b="0" dirty="0">
+                <a:solidFill>
+                  <a:srgbClr val="CCCCCC"/>
+                </a:solidFill>
+                <a:effectLst/>
+                <a:latin typeface="Consolas" panose="020B0609020204030204" pitchFamily="49" charset="0"/>
+              </a:rPr>
+              <a:t>,</a:t>
+            </a:r>
+          </a:p>
+          <a:p>
+            <a:r>
+              <a:rPr lang="en-US" sz="800" b="0" dirty="0">
+                <a:solidFill>
+                  <a:srgbClr val="CCCCCC"/>
+                </a:solidFill>
+                <a:effectLst/>
+                <a:latin typeface="Consolas" panose="020B0609020204030204" pitchFamily="49" charset="0"/>
+              </a:rPr>
+              <a:t>    </a:t>
+            </a:r>
+            <a:r>
+              <a:rPr lang="en-US" sz="800" b="0" dirty="0">
+                <a:solidFill>
+                  <a:srgbClr val="CE9178"/>
+                </a:solidFill>
+                <a:effectLst/>
+                <a:latin typeface="Consolas" panose="020B0609020204030204" pitchFamily="49" charset="0"/>
+              </a:rPr>
+              <a:t>"Drug </a:t>
+            </a:r>
+            <a:r>
+              <a:rPr lang="en-US" sz="800" b="0" dirty="0" err="1">
+                <a:solidFill>
+                  <a:srgbClr val="CE9178"/>
+                </a:solidFill>
+                <a:effectLst/>
+                <a:latin typeface="Consolas" panose="020B0609020204030204" pitchFamily="49" charset="0"/>
+              </a:rPr>
+              <a:t>hasRouteOfAdministration</a:t>
+            </a:r>
+            <a:r>
+              <a:rPr lang="en-US" sz="800" b="0" dirty="0">
+                <a:solidFill>
+                  <a:srgbClr val="CE9178"/>
+                </a:solidFill>
+                <a:effectLst/>
+                <a:latin typeface="Consolas" panose="020B0609020204030204" pitchFamily="49" charset="0"/>
               </a:rPr>
               <a:t> </a:t>
             </a:r>
             <a:r>
-              <a:rPr lang="en-US" sz="1000">
-                <a:solidFill>
-                  <a:srgbClr val="D4D4D4"/>
-                </a:solidFill>
-                <a:latin typeface="Droid Sans Mono"/>
-              </a:rPr>
-              <a:t>=</a:t>
-            </a:r>
-            <a:r>
-              <a:rPr lang="en-US" sz="1000">
+              <a:rPr lang="en-US" sz="800" b="0" dirty="0" err="1">
+                <a:solidFill>
+                  <a:srgbClr val="CE9178"/>
+                </a:solidFill>
+                <a:effectLst/>
+                <a:latin typeface="Consolas" panose="020B0609020204030204" pitchFamily="49" charset="0"/>
+              </a:rPr>
+              <a:t>RouteOfAdministration</a:t>
+            </a:r>
+            <a:r>
+              <a:rPr lang="en-US" sz="800" b="0" dirty="0">
+                <a:solidFill>
+                  <a:srgbClr val="CE9178"/>
+                </a:solidFill>
+                <a:effectLst/>
+                <a:latin typeface="Consolas" panose="020B0609020204030204" pitchFamily="49" charset="0"/>
+              </a:rPr>
+              <a:t>"</a:t>
+            </a:r>
+            <a:r>
+              <a:rPr lang="en-US" sz="800" b="0" dirty="0">
                 <a:solidFill>
                   <a:srgbClr val="CCCCCC"/>
                 </a:solidFill>
-                <a:latin typeface="Droid Sans Mono"/>
-              </a:rPr>
-              <a:t> [</a:t>
-            </a:r>
-          </a:p>
-          <a:p>
-            <a:r>
-              <a:rPr lang="en-US" sz="1000">
-                <a:solidFill>
-                  <a:srgbClr val="CE9178"/>
-                </a:solidFill>
-                <a:latin typeface="Droid Sans Mono"/>
+                <a:effectLst/>
+                <a:latin typeface="Consolas" panose="020B0609020204030204" pitchFamily="49" charset="0"/>
+              </a:rPr>
+              <a:t>,</a:t>
+            </a:r>
+          </a:p>
+          <a:p>
+            <a:r>
+              <a:rPr lang="en-US" sz="800" b="0" dirty="0">
+                <a:solidFill>
+                  <a:srgbClr val="CCCCCC"/>
+                </a:solidFill>
+                <a:effectLst/>
+                <a:latin typeface="Consolas" panose="020B0609020204030204" pitchFamily="49" charset="0"/>
+              </a:rPr>
+              <a:t>    </a:t>
+            </a:r>
+            <a:r>
+              <a:rPr lang="en-US" sz="800" b="0" dirty="0">
+                <a:solidFill>
+                  <a:srgbClr val="CE9178"/>
+                </a:solidFill>
+                <a:effectLst/>
+                <a:latin typeface="Consolas" panose="020B0609020204030204" pitchFamily="49" charset="0"/>
+              </a:rPr>
+              <a:t>"patient </a:t>
+            </a:r>
+            <a:r>
+              <a:rPr lang="en-US" sz="800" b="0" dirty="0" err="1">
+                <a:solidFill>
+                  <a:srgbClr val="CE9178"/>
+                </a:solidFill>
+                <a:effectLst/>
+                <a:latin typeface="Consolas" panose="020B0609020204030204" pitchFamily="49" charset="0"/>
+              </a:rPr>
+              <a:t>isAdministered</a:t>
+            </a:r>
+            <a:r>
+              <a:rPr lang="en-US" sz="800" b="0" dirty="0">
+                <a:solidFill>
+                  <a:srgbClr val="CE9178"/>
+                </a:solidFill>
+                <a:effectLst/>
+                <a:latin typeface="Consolas" panose="020B0609020204030204" pitchFamily="49" charset="0"/>
+              </a:rPr>
+              <a:t> Dosage"</a:t>
+            </a:r>
+            <a:r>
+              <a:rPr lang="en-US" sz="800" b="0" dirty="0">
+                <a:solidFill>
+                  <a:srgbClr val="CCCCCC"/>
+                </a:solidFill>
+                <a:effectLst/>
+                <a:latin typeface="Consolas" panose="020B0609020204030204" pitchFamily="49" charset="0"/>
+              </a:rPr>
+              <a:t>,</a:t>
+            </a:r>
+          </a:p>
+          <a:p>
+            <a:r>
+              <a:rPr lang="en-US" sz="800" b="0" dirty="0">
+                <a:solidFill>
+                  <a:srgbClr val="CCCCCC"/>
+                </a:solidFill>
+                <a:effectLst/>
+                <a:latin typeface="Consolas" panose="020B0609020204030204" pitchFamily="49" charset="0"/>
+              </a:rPr>
+              <a:t>    </a:t>
+            </a:r>
+            <a:r>
+              <a:rPr lang="en-US" sz="800" b="0" dirty="0">
+                <a:solidFill>
+                  <a:srgbClr val="CE9178"/>
+                </a:solidFill>
+                <a:effectLst/>
+                <a:latin typeface="Consolas" panose="020B0609020204030204" pitchFamily="49" charset="0"/>
+              </a:rPr>
+              <a:t>"Dosage </a:t>
+            </a:r>
+            <a:r>
+              <a:rPr lang="en-US" sz="800" b="0" dirty="0" err="1">
+                <a:solidFill>
+                  <a:srgbClr val="CE9178"/>
+                </a:solidFill>
+                <a:effectLst/>
+                <a:latin typeface="Consolas" panose="020B0609020204030204" pitchFamily="49" charset="0"/>
+              </a:rPr>
+              <a:t>hasDosageStrength</a:t>
+            </a:r>
+            <a:r>
+              <a:rPr lang="en-US" sz="800" b="0" dirty="0">
+                <a:solidFill>
+                  <a:srgbClr val="CE9178"/>
+                </a:solidFill>
+                <a:effectLst/>
+                <a:latin typeface="Consolas" panose="020B0609020204030204" pitchFamily="49" charset="0"/>
+              </a:rPr>
+              <a:t> </a:t>
+            </a:r>
+            <a:r>
+              <a:rPr lang="en-US" sz="800" b="0" dirty="0" err="1">
+                <a:solidFill>
+                  <a:srgbClr val="CE9178"/>
+                </a:solidFill>
+                <a:effectLst/>
+                <a:latin typeface="Consolas" panose="020B0609020204030204" pitchFamily="49" charset="0"/>
+              </a:rPr>
+              <a:t>DosageStrength</a:t>
+            </a:r>
+            <a:r>
+              <a:rPr lang="en-US" sz="800" b="0" dirty="0">
+                <a:solidFill>
+                  <a:srgbClr val="CE9178"/>
+                </a:solidFill>
+                <a:effectLst/>
+                <a:latin typeface="Consolas" panose="020B0609020204030204" pitchFamily="49" charset="0"/>
+              </a:rPr>
+              <a:t>"</a:t>
+            </a:r>
+            <a:r>
+              <a:rPr lang="en-US" sz="800" b="0" dirty="0">
+                <a:solidFill>
+                  <a:srgbClr val="CCCCCC"/>
+                </a:solidFill>
+                <a:effectLst/>
+                <a:latin typeface="Consolas" panose="020B0609020204030204" pitchFamily="49" charset="0"/>
+              </a:rPr>
+              <a:t>,</a:t>
+            </a:r>
+          </a:p>
+          <a:p>
+            <a:r>
+              <a:rPr lang="en-US" sz="800" b="0" dirty="0">
+                <a:solidFill>
+                  <a:srgbClr val="CCCCCC"/>
+                </a:solidFill>
+                <a:effectLst/>
+                <a:latin typeface="Consolas" panose="020B0609020204030204" pitchFamily="49" charset="0"/>
+              </a:rPr>
+              <a:t>    </a:t>
+            </a:r>
+            <a:r>
+              <a:rPr lang="en-US" sz="800" b="0" dirty="0">
+                <a:solidFill>
+                  <a:srgbClr val="CE9178"/>
+                </a:solidFill>
+                <a:effectLst/>
+                <a:latin typeface="Consolas" panose="020B0609020204030204" pitchFamily="49" charset="0"/>
               </a:rPr>
               <a:t>"Drug </a:t>
             </a:r>
             <a:r>
-              <a:rPr lang="en-US" sz="1000" err="1">
-                <a:solidFill>
-                  <a:srgbClr val="CE9178"/>
-                </a:solidFill>
-                <a:latin typeface="Droid Sans Mono"/>
-              </a:rPr>
-              <a:t>hasDosage</a:t>
-            </a:r>
-            <a:r>
-              <a:rPr lang="en-US" sz="1000">
-                <a:solidFill>
-                  <a:srgbClr val="CE9178"/>
-                </a:solidFill>
-                <a:latin typeface="Droid Sans Mono"/>
-              </a:rPr>
-              <a:t> Dosage"</a:t>
-            </a:r>
-            <a:r>
-              <a:rPr lang="en-US" sz="1000">
+              <a:rPr lang="en-US" sz="800" b="0" dirty="0" err="1">
+                <a:solidFill>
+                  <a:srgbClr val="CE9178"/>
+                </a:solidFill>
+                <a:effectLst/>
+                <a:latin typeface="Consolas" panose="020B0609020204030204" pitchFamily="49" charset="0"/>
+              </a:rPr>
+              <a:t>hasSideEffect</a:t>
+            </a:r>
+            <a:r>
+              <a:rPr lang="en-US" sz="800" b="0" dirty="0">
+                <a:solidFill>
+                  <a:srgbClr val="CE9178"/>
+                </a:solidFill>
+                <a:effectLst/>
+                <a:latin typeface="Consolas" panose="020B0609020204030204" pitchFamily="49" charset="0"/>
+              </a:rPr>
+              <a:t> </a:t>
+            </a:r>
+            <a:r>
+              <a:rPr lang="en-US" sz="800" b="0" dirty="0" err="1">
+                <a:solidFill>
+                  <a:srgbClr val="CE9178"/>
+                </a:solidFill>
+                <a:effectLst/>
+                <a:latin typeface="Consolas" panose="020B0609020204030204" pitchFamily="49" charset="0"/>
+              </a:rPr>
+              <a:t>SideEffect</a:t>
+            </a:r>
+            <a:r>
+              <a:rPr lang="en-US" sz="800" b="0" dirty="0">
+                <a:solidFill>
+                  <a:srgbClr val="CE9178"/>
+                </a:solidFill>
+                <a:effectLst/>
+                <a:latin typeface="Consolas" panose="020B0609020204030204" pitchFamily="49" charset="0"/>
+              </a:rPr>
+              <a:t>"</a:t>
+            </a:r>
+            <a:r>
+              <a:rPr lang="en-US" sz="800" b="0" dirty="0">
                 <a:solidFill>
                   <a:srgbClr val="CCCCCC"/>
                 </a:solidFill>
-                <a:latin typeface="Droid Sans Mono"/>
+                <a:effectLst/>
+                <a:latin typeface="Consolas" panose="020B0609020204030204" pitchFamily="49" charset="0"/>
               </a:rPr>
               <a:t>,</a:t>
             </a:r>
           </a:p>
           <a:p>
             <a:r>
-              <a:rPr lang="en-US" sz="1000">
-                <a:solidFill>
-                  <a:srgbClr val="CE9178"/>
-                </a:solidFill>
-                <a:latin typeface="Droid Sans Mono"/>
+              <a:rPr lang="en-US" sz="800" b="0" dirty="0">
+                <a:solidFill>
+                  <a:srgbClr val="CCCCCC"/>
+                </a:solidFill>
+                <a:effectLst/>
+                <a:latin typeface="Consolas" panose="020B0609020204030204" pitchFamily="49" charset="0"/>
+              </a:rPr>
+              <a:t>    </a:t>
+            </a:r>
+            <a:r>
+              <a:rPr lang="en-US" sz="800" b="0" dirty="0">
+                <a:solidFill>
+                  <a:srgbClr val="CE9178"/>
+                </a:solidFill>
+                <a:effectLst/>
+                <a:latin typeface="Consolas" panose="020B0609020204030204" pitchFamily="49" charset="0"/>
+              </a:rPr>
+              <a:t>"Dosage </a:t>
+            </a:r>
+            <a:r>
+              <a:rPr lang="en-US" sz="800" b="0" dirty="0" err="1">
+                <a:solidFill>
+                  <a:srgbClr val="CE9178"/>
+                </a:solidFill>
+                <a:effectLst/>
+                <a:latin typeface="Consolas" panose="020B0609020204030204" pitchFamily="49" charset="0"/>
+              </a:rPr>
+              <a:t>hasDosageForm</a:t>
+            </a:r>
+            <a:r>
+              <a:rPr lang="en-US" sz="800" b="0" dirty="0">
+                <a:solidFill>
+                  <a:srgbClr val="CE9178"/>
+                </a:solidFill>
+                <a:effectLst/>
+                <a:latin typeface="Consolas" panose="020B0609020204030204" pitchFamily="49" charset="0"/>
+              </a:rPr>
+              <a:t> </a:t>
+            </a:r>
+            <a:r>
+              <a:rPr lang="en-US" sz="800" b="0" dirty="0" err="1">
+                <a:solidFill>
+                  <a:srgbClr val="CE9178"/>
+                </a:solidFill>
+                <a:effectLst/>
+                <a:latin typeface="Consolas" panose="020B0609020204030204" pitchFamily="49" charset="0"/>
+              </a:rPr>
+              <a:t>DosageForm</a:t>
+            </a:r>
+            <a:r>
+              <a:rPr lang="en-US" sz="800" b="0" dirty="0">
+                <a:solidFill>
+                  <a:srgbClr val="CE9178"/>
+                </a:solidFill>
+                <a:effectLst/>
+                <a:latin typeface="Consolas" panose="020B0609020204030204" pitchFamily="49" charset="0"/>
+              </a:rPr>
+              <a:t>"</a:t>
+            </a:r>
+            <a:r>
+              <a:rPr lang="en-US" sz="800" b="0" dirty="0">
+                <a:solidFill>
+                  <a:srgbClr val="CCCCCC"/>
+                </a:solidFill>
+                <a:effectLst/>
+                <a:latin typeface="Consolas" panose="020B0609020204030204" pitchFamily="49" charset="0"/>
+              </a:rPr>
+              <a:t>,</a:t>
+            </a:r>
+          </a:p>
+          <a:p>
+            <a:r>
+              <a:rPr lang="en-US" sz="800" b="0" dirty="0">
+                <a:solidFill>
+                  <a:srgbClr val="CCCCCC"/>
+                </a:solidFill>
+                <a:effectLst/>
+                <a:latin typeface="Consolas" panose="020B0609020204030204" pitchFamily="49" charset="0"/>
+              </a:rPr>
+              <a:t>    </a:t>
+            </a:r>
+            <a:r>
+              <a:rPr lang="en-US" sz="800" b="0" dirty="0">
+                <a:solidFill>
+                  <a:srgbClr val="CE9178"/>
+                </a:solidFill>
+                <a:effectLst/>
+                <a:latin typeface="Consolas" panose="020B0609020204030204" pitchFamily="49" charset="0"/>
               </a:rPr>
               <a:t>"Drug </a:t>
             </a:r>
             <a:r>
-              <a:rPr lang="en-US" sz="1000" err="1">
-                <a:solidFill>
-                  <a:srgbClr val="CE9178"/>
-                </a:solidFill>
-                <a:latin typeface="Droid Sans Mono"/>
-              </a:rPr>
-              <a:t>hasRouteOfAdministration</a:t>
-            </a:r>
-            <a:r>
-              <a:rPr lang="en-US" sz="1000">
-                <a:solidFill>
-                  <a:srgbClr val="CE9178"/>
-                </a:solidFill>
-                <a:latin typeface="Droid Sans Mono"/>
+              <a:rPr lang="en-US" sz="800" b="0" dirty="0" err="1">
+                <a:solidFill>
+                  <a:srgbClr val="CE9178"/>
+                </a:solidFill>
+                <a:effectLst/>
+                <a:latin typeface="Consolas" panose="020B0609020204030204" pitchFamily="49" charset="0"/>
+              </a:rPr>
+              <a:t>hasName</a:t>
+            </a:r>
+            <a:r>
+              <a:rPr lang="en-US" sz="800" b="0" dirty="0">
+                <a:solidFill>
+                  <a:srgbClr val="CE9178"/>
+                </a:solidFill>
+                <a:effectLst/>
+                <a:latin typeface="Consolas" panose="020B0609020204030204" pitchFamily="49" charset="0"/>
               </a:rPr>
               <a:t> </a:t>
             </a:r>
             <a:r>
-              <a:rPr lang="en-US" sz="1000" err="1">
-                <a:solidFill>
-                  <a:srgbClr val="CE9178"/>
-                </a:solidFill>
-                <a:latin typeface="Droid Sans Mono"/>
-              </a:rPr>
-              <a:t>RouteOfAdministration</a:t>
-            </a:r>
-            <a:r>
-              <a:rPr lang="en-US" sz="1000">
-                <a:solidFill>
-                  <a:srgbClr val="CE9178"/>
-                </a:solidFill>
-                <a:latin typeface="Droid Sans Mono"/>
+              <a:rPr lang="en-US" sz="800" b="0" dirty="0" err="1">
+                <a:solidFill>
+                  <a:srgbClr val="CE9178"/>
+                </a:solidFill>
+                <a:effectLst/>
+                <a:latin typeface="Consolas" panose="020B0609020204030204" pitchFamily="49" charset="0"/>
+              </a:rPr>
+              <a:t>DrugName</a:t>
+            </a:r>
+            <a:r>
+              <a:rPr lang="en-US" sz="800" b="0" dirty="0">
+                <a:solidFill>
+                  <a:srgbClr val="CE9178"/>
+                </a:solidFill>
+                <a:effectLst/>
+                <a:latin typeface="Consolas" panose="020B0609020204030204" pitchFamily="49" charset="0"/>
               </a:rPr>
               <a:t>"</a:t>
             </a:r>
             <a:r>
-              <a:rPr lang="en-US" sz="1000">
+              <a:rPr lang="en-US" sz="800" b="0" dirty="0">
                 <a:solidFill>
                   <a:srgbClr val="CCCCCC"/>
                 </a:solidFill>
-                <a:latin typeface="Droid Sans Mono"/>
+                <a:effectLst/>
+                <a:latin typeface="Consolas" panose="020B0609020204030204" pitchFamily="49" charset="0"/>
               </a:rPr>
               <a:t>,</a:t>
             </a:r>
           </a:p>
           <a:p>
             <a:r>
-              <a:rPr lang="en-US" sz="1000">
-                <a:solidFill>
-                  <a:srgbClr val="CE9178"/>
-                </a:solidFill>
-                <a:latin typeface="Droid Sans Mono"/>
-              </a:rPr>
-              <a:t>"patient </a:t>
-            </a:r>
-            <a:r>
-              <a:rPr lang="en-US" sz="1000" err="1">
-                <a:solidFill>
-                  <a:srgbClr val="CE9178"/>
-                </a:solidFill>
-                <a:latin typeface="Droid Sans Mono"/>
-              </a:rPr>
-              <a:t>isAdministered</a:t>
-            </a:r>
-            <a:r>
-              <a:rPr lang="en-US" sz="1000">
-                <a:solidFill>
-                  <a:srgbClr val="CE9178"/>
-                </a:solidFill>
-                <a:latin typeface="Droid Sans Mono"/>
-              </a:rPr>
-              <a:t> Dosage"</a:t>
-            </a:r>
-            <a:r>
-              <a:rPr lang="en-US" sz="1000">
+              <a:rPr lang="en-US" sz="800" b="0" dirty="0">
                 <a:solidFill>
                   <a:srgbClr val="CCCCCC"/>
                 </a:solidFill>
-                <a:latin typeface="Droid Sans Mono"/>
-              </a:rPr>
-              <a:t>,</a:t>
-            </a:r>
-          </a:p>
-          <a:p>
-            <a:r>
-              <a:rPr lang="en-US" sz="1000">
-                <a:solidFill>
-                  <a:srgbClr val="CE9178"/>
-                </a:solidFill>
-                <a:latin typeface="Droid Sans Mono"/>
-              </a:rPr>
-              <a:t>"Dosage </a:t>
-            </a:r>
-            <a:r>
-              <a:rPr lang="en-US" sz="1000" err="1">
-                <a:solidFill>
-                  <a:srgbClr val="CE9178"/>
-                </a:solidFill>
-                <a:latin typeface="Droid Sans Mono"/>
-              </a:rPr>
-              <a:t>hasDosageStrength</a:t>
-            </a:r>
-            <a:r>
-              <a:rPr lang="en-US" sz="1000">
-                <a:solidFill>
-                  <a:srgbClr val="CE9178"/>
-                </a:solidFill>
-                <a:latin typeface="Droid Sans Mono"/>
+                <a:effectLst/>
+                <a:latin typeface="Consolas" panose="020B0609020204030204" pitchFamily="49" charset="0"/>
+              </a:rPr>
+              <a:t>    </a:t>
+            </a:r>
+            <a:r>
+              <a:rPr lang="en-US" sz="800" b="0" dirty="0">
+                <a:solidFill>
+                  <a:srgbClr val="CE9178"/>
+                </a:solidFill>
+                <a:effectLst/>
+                <a:latin typeface="Consolas" panose="020B0609020204030204" pitchFamily="49" charset="0"/>
+              </a:rPr>
+              <a:t>"Drug </a:t>
+            </a:r>
+            <a:r>
+              <a:rPr lang="en-US" sz="800" b="0" dirty="0" err="1">
+                <a:solidFill>
+                  <a:srgbClr val="CE9178"/>
+                </a:solidFill>
+                <a:effectLst/>
+                <a:latin typeface="Consolas" panose="020B0609020204030204" pitchFamily="49" charset="0"/>
+              </a:rPr>
+              <a:t>hasDrugClass</a:t>
+            </a:r>
+            <a:r>
+              <a:rPr lang="en-US" sz="800" b="0" dirty="0">
+                <a:solidFill>
+                  <a:srgbClr val="CE9178"/>
+                </a:solidFill>
+                <a:effectLst/>
+                <a:latin typeface="Consolas" panose="020B0609020204030204" pitchFamily="49" charset="0"/>
               </a:rPr>
               <a:t> </a:t>
             </a:r>
             <a:r>
-              <a:rPr lang="en-US" sz="1000" err="1">
-                <a:solidFill>
-                  <a:srgbClr val="CE9178"/>
-                </a:solidFill>
-                <a:latin typeface="Droid Sans Mono"/>
-              </a:rPr>
-              <a:t>DosageStrength</a:t>
-            </a:r>
-            <a:r>
-              <a:rPr lang="en-US" sz="1000">
-                <a:solidFill>
-                  <a:srgbClr val="CE9178"/>
-                </a:solidFill>
-                <a:latin typeface="Droid Sans Mono"/>
+              <a:rPr lang="en-US" sz="800" b="0" dirty="0" err="1">
+                <a:solidFill>
+                  <a:srgbClr val="CE9178"/>
+                </a:solidFill>
+                <a:effectLst/>
+                <a:latin typeface="Consolas" panose="020B0609020204030204" pitchFamily="49" charset="0"/>
+              </a:rPr>
+              <a:t>DrugClass</a:t>
+            </a:r>
+            <a:r>
+              <a:rPr lang="en-US" sz="800" b="0" dirty="0">
+                <a:solidFill>
+                  <a:srgbClr val="CE9178"/>
+                </a:solidFill>
+                <a:effectLst/>
+                <a:latin typeface="Consolas" panose="020B0609020204030204" pitchFamily="49" charset="0"/>
               </a:rPr>
               <a:t>"</a:t>
             </a:r>
-            <a:r>
-              <a:rPr lang="en-US" sz="1000">
-                <a:solidFill>
-                  <a:srgbClr val="CCCCCC"/>
-                </a:solidFill>
-                <a:latin typeface="Droid Sans Mono"/>
-              </a:rPr>
-              <a:t>,</a:t>
-            </a:r>
-          </a:p>
-          <a:p>
-            <a:r>
-              <a:rPr lang="en-US" sz="1000">
-                <a:solidFill>
-                  <a:srgbClr val="CE9178"/>
-                </a:solidFill>
-                <a:latin typeface="Droid Sans Mono"/>
-              </a:rPr>
-              <a:t>"Drug </a:t>
-            </a:r>
-            <a:r>
-              <a:rPr lang="en-US" sz="1000" err="1">
-                <a:solidFill>
-                  <a:srgbClr val="CE9178"/>
-                </a:solidFill>
-                <a:latin typeface="Droid Sans Mono"/>
-              </a:rPr>
-              <a:t>hasSideEffect</a:t>
-            </a:r>
-            <a:r>
-              <a:rPr lang="en-US" sz="1000">
-                <a:solidFill>
-                  <a:srgbClr val="CE9178"/>
-                </a:solidFill>
-                <a:latin typeface="Droid Sans Mono"/>
-              </a:rPr>
-              <a:t> </a:t>
-            </a:r>
-            <a:r>
-              <a:rPr lang="en-US" sz="1000" err="1">
-                <a:solidFill>
-                  <a:srgbClr val="CE9178"/>
-                </a:solidFill>
-                <a:latin typeface="Droid Sans Mono"/>
-              </a:rPr>
-              <a:t>SideEffect</a:t>
-            </a:r>
-            <a:r>
-              <a:rPr lang="en-US" sz="1000">
-                <a:solidFill>
-                  <a:srgbClr val="CE9178"/>
-                </a:solidFill>
-                <a:latin typeface="Droid Sans Mono"/>
-              </a:rPr>
-              <a:t>"</a:t>
-            </a:r>
-            <a:r>
-              <a:rPr lang="en-US" sz="1000">
-                <a:solidFill>
-                  <a:srgbClr val="CCCCCC"/>
-                </a:solidFill>
-                <a:latin typeface="Droid Sans Mono"/>
-              </a:rPr>
-              <a:t>,</a:t>
-            </a:r>
-          </a:p>
-          <a:p>
-            <a:r>
-              <a:rPr lang="en-US" sz="1000">
-                <a:solidFill>
-                  <a:srgbClr val="CE9178"/>
-                </a:solidFill>
-                <a:latin typeface="Droid Sans Mono"/>
-              </a:rPr>
-              <a:t>"Dosage </a:t>
-            </a:r>
-            <a:r>
-              <a:rPr lang="en-US" sz="1000" err="1">
-                <a:solidFill>
-                  <a:srgbClr val="CE9178"/>
-                </a:solidFill>
-                <a:latin typeface="Droid Sans Mono"/>
-              </a:rPr>
-              <a:t>hasDosageForm</a:t>
-            </a:r>
-            <a:r>
-              <a:rPr lang="en-US" sz="1000">
-                <a:solidFill>
-                  <a:srgbClr val="CE9178"/>
-                </a:solidFill>
-                <a:latin typeface="Droid Sans Mono"/>
-              </a:rPr>
-              <a:t> </a:t>
-            </a:r>
-            <a:r>
-              <a:rPr lang="en-US" sz="1000" err="1">
-                <a:solidFill>
-                  <a:srgbClr val="CE9178"/>
-                </a:solidFill>
-                <a:latin typeface="Droid Sans Mono"/>
-              </a:rPr>
-              <a:t>DosageForm</a:t>
-            </a:r>
-            <a:r>
-              <a:rPr lang="en-US" sz="1000">
-                <a:solidFill>
-                  <a:srgbClr val="CE9178"/>
-                </a:solidFill>
-                <a:latin typeface="Droid Sans Mono"/>
-              </a:rPr>
-              <a:t>"</a:t>
-            </a:r>
-            <a:r>
-              <a:rPr lang="en-US" sz="1000">
-                <a:solidFill>
-                  <a:srgbClr val="CCCCCC"/>
-                </a:solidFill>
-                <a:latin typeface="Droid Sans Mono"/>
-              </a:rPr>
-              <a:t>,</a:t>
-            </a:r>
-          </a:p>
-          <a:p>
-            <a:r>
-              <a:rPr lang="en-US" sz="1000">
-                <a:solidFill>
-                  <a:srgbClr val="CE9178"/>
-                </a:solidFill>
-                <a:latin typeface="Droid Sans Mono"/>
-              </a:rPr>
-              <a:t>"Drug </a:t>
-            </a:r>
-            <a:r>
-              <a:rPr lang="en-US" sz="1000" err="1">
-                <a:solidFill>
-                  <a:srgbClr val="CE9178"/>
-                </a:solidFill>
-                <a:latin typeface="Droid Sans Mono"/>
-              </a:rPr>
-              <a:t>hasName</a:t>
-            </a:r>
-            <a:r>
-              <a:rPr lang="en-US" sz="1000">
-                <a:solidFill>
-                  <a:srgbClr val="CE9178"/>
-                </a:solidFill>
-                <a:latin typeface="Droid Sans Mono"/>
-              </a:rPr>
-              <a:t> </a:t>
-            </a:r>
-            <a:r>
-              <a:rPr lang="en-US" sz="1000" err="1">
-                <a:solidFill>
-                  <a:srgbClr val="CE9178"/>
-                </a:solidFill>
-                <a:latin typeface="Droid Sans Mono"/>
-              </a:rPr>
-              <a:t>DrugName</a:t>
-            </a:r>
-            <a:r>
-              <a:rPr lang="en-US" sz="1000">
-                <a:solidFill>
-                  <a:srgbClr val="CE9178"/>
-                </a:solidFill>
-                <a:latin typeface="Droid Sans Mono"/>
-              </a:rPr>
-              <a:t>"</a:t>
-            </a:r>
-            <a:r>
-              <a:rPr lang="en-US" sz="1000">
-                <a:solidFill>
-                  <a:srgbClr val="CCCCCC"/>
-                </a:solidFill>
-                <a:latin typeface="Droid Sans Mono"/>
-              </a:rPr>
-              <a:t>,</a:t>
-            </a:r>
-          </a:p>
-          <a:p>
-            <a:r>
-              <a:rPr lang="en-US" sz="1000">
-                <a:solidFill>
-                  <a:srgbClr val="CE9178"/>
-                </a:solidFill>
-                <a:latin typeface="Droid Sans Mono"/>
-              </a:rPr>
-              <a:t>"Drug </a:t>
-            </a:r>
-            <a:r>
-              <a:rPr lang="en-US" sz="1000" err="1">
-                <a:solidFill>
-                  <a:srgbClr val="CE9178"/>
-                </a:solidFill>
-                <a:latin typeface="Droid Sans Mono"/>
-              </a:rPr>
-              <a:t>hasDrugClass</a:t>
-            </a:r>
-            <a:r>
-              <a:rPr lang="en-US" sz="1000">
-                <a:solidFill>
-                  <a:srgbClr val="CE9178"/>
-                </a:solidFill>
-                <a:latin typeface="Droid Sans Mono"/>
-              </a:rPr>
-              <a:t> </a:t>
-            </a:r>
-            <a:r>
-              <a:rPr lang="en-US" sz="1000" err="1">
-                <a:solidFill>
-                  <a:srgbClr val="CE9178"/>
-                </a:solidFill>
-                <a:latin typeface="Droid Sans Mono"/>
-              </a:rPr>
-              <a:t>DrugClass</a:t>
-            </a:r>
-            <a:r>
-              <a:rPr lang="en-US" sz="1000">
-                <a:solidFill>
-                  <a:srgbClr val="CE9178"/>
-                </a:solidFill>
-                <a:latin typeface="Droid Sans Mono"/>
-              </a:rPr>
-              <a:t>"</a:t>
-            </a:r>
-          </a:p>
-          <a:p>
-            <a:r>
-              <a:rPr lang="en-US" sz="1000">
-                <a:solidFill>
-                  <a:srgbClr val="CCCCCC"/>
-                </a:solidFill>
-                <a:latin typeface="Droid Sans Mono"/>
-              </a:rPr>
-              <a:t>]</a:t>
-            </a:r>
-          </a:p>
-          <a:p>
-            <a:br>
-              <a:rPr lang="en-US" sz="1000">
-                <a:latin typeface="Droid Sans Mono"/>
-              </a:rPr>
-            </a:br>
-            <a:r>
-              <a:rPr lang="en-US" sz="1000" err="1">
-                <a:solidFill>
-                  <a:srgbClr val="CCCCCC"/>
-                </a:solidFill>
-                <a:latin typeface="Droid Sans Mono"/>
-              </a:rPr>
-              <a:t>sr</a:t>
-            </a:r>
-            <a:r>
-              <a:rPr lang="en-US" sz="1000">
-                <a:solidFill>
-                  <a:srgbClr val="CCCCCC"/>
-                </a:solidFill>
-                <a:latin typeface="Droid Sans Mono"/>
-              </a:rPr>
-              <a:t> </a:t>
-            </a:r>
-            <a:r>
-              <a:rPr lang="en-US" sz="1000">
-                <a:solidFill>
-                  <a:srgbClr val="D4D4D4"/>
-                </a:solidFill>
-                <a:latin typeface="Droid Sans Mono"/>
-              </a:rPr>
-              <a:t>=</a:t>
-            </a:r>
-            <a:r>
-              <a:rPr lang="en-US" sz="1000">
-                <a:solidFill>
-                  <a:srgbClr val="CCCCCC"/>
-                </a:solidFill>
-                <a:latin typeface="Droid Sans Mono"/>
-              </a:rPr>
-              <a:t> [</a:t>
-            </a:r>
-          </a:p>
-          <a:p>
-            <a:r>
-              <a:rPr lang="en-US" sz="1000">
-                <a:solidFill>
-                  <a:srgbClr val="CE9178"/>
-                </a:solidFill>
-                <a:latin typeface="Droid Sans Mono"/>
-              </a:rPr>
-              <a:t>"Dosage </a:t>
-            </a:r>
-            <a:r>
-              <a:rPr lang="en-US" sz="1000" err="1">
-                <a:solidFill>
-                  <a:srgbClr val="CE9178"/>
-                </a:solidFill>
-                <a:latin typeface="Droid Sans Mono"/>
-              </a:rPr>
-              <a:t>hasDosageStrength</a:t>
-            </a:r>
-            <a:r>
-              <a:rPr lang="en-US" sz="1000">
-                <a:solidFill>
-                  <a:srgbClr val="CE9178"/>
-                </a:solidFill>
-                <a:latin typeface="Droid Sans Mono"/>
-              </a:rPr>
-              <a:t> </a:t>
-            </a:r>
-            <a:r>
-              <a:rPr lang="en-US" sz="1000" err="1">
-                <a:solidFill>
-                  <a:srgbClr val="CE9178"/>
-                </a:solidFill>
-                <a:latin typeface="Droid Sans Mono"/>
-              </a:rPr>
-              <a:t>DosageStrength</a:t>
-            </a:r>
-            <a:r>
-              <a:rPr lang="en-US" sz="1000">
-                <a:solidFill>
-                  <a:srgbClr val="CE9178"/>
-                </a:solidFill>
-                <a:latin typeface="Droid Sans Mono"/>
-              </a:rPr>
-              <a:t>"</a:t>
-            </a:r>
-            <a:r>
-              <a:rPr lang="en-US" sz="1000">
-                <a:solidFill>
-                  <a:srgbClr val="CCCCCC"/>
-                </a:solidFill>
-                <a:latin typeface="Droid Sans Mono"/>
-              </a:rPr>
-              <a:t>,</a:t>
-            </a:r>
-          </a:p>
-          <a:p>
-            <a:r>
-              <a:rPr lang="en-US" sz="1000">
-                <a:solidFill>
-                  <a:srgbClr val="CE9178"/>
-                </a:solidFill>
-                <a:latin typeface="Droid Sans Mono"/>
-              </a:rPr>
-              <a:t>"Dosage </a:t>
-            </a:r>
-            <a:r>
-              <a:rPr lang="en-US" sz="1000" err="1">
-                <a:solidFill>
-                  <a:srgbClr val="CE9178"/>
-                </a:solidFill>
-                <a:latin typeface="Droid Sans Mono"/>
-              </a:rPr>
-              <a:t>hasDosageForm</a:t>
-            </a:r>
-            <a:r>
-              <a:rPr lang="en-US" sz="1000">
-                <a:solidFill>
-                  <a:srgbClr val="CE9178"/>
-                </a:solidFill>
-                <a:latin typeface="Droid Sans Mono"/>
-              </a:rPr>
-              <a:t> </a:t>
-            </a:r>
-            <a:r>
-              <a:rPr lang="en-US" sz="1000" err="1">
-                <a:solidFill>
-                  <a:srgbClr val="CE9178"/>
-                </a:solidFill>
-                <a:latin typeface="Droid Sans Mono"/>
-              </a:rPr>
-              <a:t>DosageForm</a:t>
-            </a:r>
-            <a:r>
-              <a:rPr lang="en-US" sz="1000">
-                <a:solidFill>
-                  <a:srgbClr val="CE9178"/>
-                </a:solidFill>
-                <a:latin typeface="Droid Sans Mono"/>
-              </a:rPr>
-              <a:t>"</a:t>
-            </a:r>
-            <a:r>
-              <a:rPr lang="en-US" sz="1000">
-                <a:solidFill>
-                  <a:srgbClr val="CCCCCC"/>
-                </a:solidFill>
-                <a:latin typeface="Droid Sans Mono"/>
-              </a:rPr>
-              <a:t>,</a:t>
-            </a:r>
-          </a:p>
-          <a:p>
-            <a:r>
-              <a:rPr lang="en-US" sz="1000">
-                <a:solidFill>
-                  <a:srgbClr val="CE9178"/>
-                </a:solidFill>
-                <a:latin typeface="Droid Sans Mono"/>
-              </a:rPr>
-              <a:t>"Drug </a:t>
-            </a:r>
-            <a:r>
-              <a:rPr lang="en-US" sz="1000" err="1">
-                <a:solidFill>
-                  <a:srgbClr val="CE9178"/>
-                </a:solidFill>
-                <a:latin typeface="Droid Sans Mono"/>
-              </a:rPr>
-              <a:t>hasDosage</a:t>
-            </a:r>
-            <a:r>
-              <a:rPr lang="en-US" sz="1000">
-                <a:solidFill>
-                  <a:srgbClr val="CE9178"/>
-                </a:solidFill>
-                <a:latin typeface="Droid Sans Mono"/>
-              </a:rPr>
-              <a:t> Dosage"</a:t>
-            </a:r>
-            <a:r>
-              <a:rPr lang="en-US" sz="1000">
-                <a:solidFill>
-                  <a:srgbClr val="CCCCCC"/>
-                </a:solidFill>
-                <a:latin typeface="Droid Sans Mono"/>
-              </a:rPr>
-              <a:t>,</a:t>
-            </a:r>
-          </a:p>
-          <a:p>
-            <a:r>
-              <a:rPr lang="en-US" sz="1000">
-                <a:solidFill>
-                  <a:srgbClr val="CE9178"/>
-                </a:solidFill>
-                <a:latin typeface="Droid Sans Mono"/>
-              </a:rPr>
-              <a:t>"Drug </a:t>
-            </a:r>
-            <a:r>
-              <a:rPr lang="en-US" sz="1000" err="1">
-                <a:solidFill>
-                  <a:srgbClr val="CE9178"/>
-                </a:solidFill>
-                <a:latin typeface="Droid Sans Mono"/>
-              </a:rPr>
-              <a:t>hasRouteOfAdministration</a:t>
-            </a:r>
-            <a:r>
-              <a:rPr lang="en-US" sz="1000">
-                <a:solidFill>
-                  <a:srgbClr val="CE9178"/>
-                </a:solidFill>
-                <a:latin typeface="Droid Sans Mono"/>
-              </a:rPr>
-              <a:t> </a:t>
-            </a:r>
-            <a:r>
-              <a:rPr lang="en-US" sz="1000" err="1">
-                <a:solidFill>
-                  <a:srgbClr val="CE9178"/>
-                </a:solidFill>
-                <a:latin typeface="Droid Sans Mono"/>
-              </a:rPr>
-              <a:t>RouteOfAdministration</a:t>
-            </a:r>
-            <a:r>
-              <a:rPr lang="en-US" sz="1000">
-                <a:solidFill>
-                  <a:srgbClr val="CE9178"/>
-                </a:solidFill>
-                <a:latin typeface="Droid Sans Mono"/>
-              </a:rPr>
-              <a:t>"</a:t>
-            </a:r>
-            <a:r>
-              <a:rPr lang="en-US" sz="1000">
-                <a:solidFill>
-                  <a:srgbClr val="CCCCCC"/>
-                </a:solidFill>
-                <a:latin typeface="Droid Sans Mono"/>
-              </a:rPr>
-              <a:t>,</a:t>
-            </a:r>
-          </a:p>
-          <a:p>
-            <a:r>
-              <a:rPr lang="en-US" sz="1000">
-                <a:solidFill>
-                  <a:srgbClr val="CE9178"/>
-                </a:solidFill>
-                <a:latin typeface="Droid Sans Mono"/>
-              </a:rPr>
-              <a:t>"Drug affects </a:t>
-            </a:r>
-            <a:r>
-              <a:rPr lang="en-US" sz="1000" err="1">
-                <a:solidFill>
-                  <a:srgbClr val="CE9178"/>
-                </a:solidFill>
-                <a:latin typeface="Droid Sans Mono"/>
-              </a:rPr>
-              <a:t>Body_or_Health</a:t>
-            </a:r>
-            <a:r>
-              <a:rPr lang="en-US" sz="1000">
-                <a:solidFill>
-                  <a:srgbClr val="CE9178"/>
-                </a:solidFill>
-                <a:latin typeface="Droid Sans Mono"/>
-              </a:rPr>
-              <a:t>"</a:t>
-            </a:r>
-            <a:r>
-              <a:rPr lang="en-US" sz="1000">
-                <a:solidFill>
-                  <a:srgbClr val="CCCCCC"/>
-                </a:solidFill>
-                <a:latin typeface="Droid Sans Mono"/>
-              </a:rPr>
-              <a:t>,</a:t>
-            </a:r>
-          </a:p>
-          <a:p>
-            <a:r>
-              <a:rPr lang="en-US" sz="1000">
-                <a:solidFill>
-                  <a:srgbClr val="CE9178"/>
-                </a:solidFill>
-                <a:latin typeface="Droid Sans Mono"/>
-              </a:rPr>
-              <a:t>"Drug </a:t>
-            </a:r>
-            <a:r>
-              <a:rPr lang="en-US" sz="1000" err="1">
-                <a:solidFill>
-                  <a:srgbClr val="CE9178"/>
-                </a:solidFill>
-                <a:latin typeface="Droid Sans Mono"/>
-              </a:rPr>
-              <a:t>hasSideEffect</a:t>
-            </a:r>
-            <a:r>
-              <a:rPr lang="en-US" sz="1000">
-                <a:solidFill>
-                  <a:srgbClr val="CE9178"/>
-                </a:solidFill>
-                <a:latin typeface="Droid Sans Mono"/>
-              </a:rPr>
-              <a:t> </a:t>
-            </a:r>
-            <a:r>
-              <a:rPr lang="en-US" sz="1000" err="1">
-                <a:solidFill>
-                  <a:srgbClr val="CE9178"/>
-                </a:solidFill>
-                <a:latin typeface="Droid Sans Mono"/>
-              </a:rPr>
-              <a:t>SideEffect</a:t>
-            </a:r>
-            <a:r>
-              <a:rPr lang="en-US" sz="1000">
-                <a:solidFill>
-                  <a:srgbClr val="CE9178"/>
-                </a:solidFill>
-                <a:latin typeface="Droid Sans Mono"/>
-              </a:rPr>
-              <a:t>"</a:t>
-            </a:r>
-            <a:r>
-              <a:rPr lang="en-US" sz="1000">
-                <a:solidFill>
-                  <a:srgbClr val="CCCCCC"/>
-                </a:solidFill>
-                <a:latin typeface="Droid Sans Mono"/>
-              </a:rPr>
-              <a:t>,</a:t>
-            </a:r>
-          </a:p>
-          <a:p>
-            <a:r>
-              <a:rPr lang="en-US" sz="1000">
-                <a:solidFill>
-                  <a:srgbClr val="CE9178"/>
-                </a:solidFill>
-                <a:latin typeface="Droid Sans Mono"/>
-              </a:rPr>
-              <a:t>"Drug </a:t>
-            </a:r>
-            <a:r>
-              <a:rPr lang="en-US" sz="1000" err="1">
-                <a:solidFill>
-                  <a:srgbClr val="CE9178"/>
-                </a:solidFill>
-                <a:latin typeface="Droid Sans Mono"/>
-              </a:rPr>
-              <a:t>hasDrugName</a:t>
-            </a:r>
-            <a:r>
-              <a:rPr lang="en-US" sz="1000">
-                <a:solidFill>
-                  <a:srgbClr val="CE9178"/>
-                </a:solidFill>
-                <a:latin typeface="Droid Sans Mono"/>
-              </a:rPr>
-              <a:t> </a:t>
-            </a:r>
-            <a:r>
-              <a:rPr lang="en-US" sz="1000" err="1">
-                <a:solidFill>
-                  <a:srgbClr val="CE9178"/>
-                </a:solidFill>
-                <a:latin typeface="Droid Sans Mono"/>
-              </a:rPr>
-              <a:t>DrugName</a:t>
-            </a:r>
-            <a:r>
-              <a:rPr lang="en-US" sz="1000">
-                <a:solidFill>
-                  <a:srgbClr val="CE9178"/>
-                </a:solidFill>
-                <a:latin typeface="Droid Sans Mono"/>
-              </a:rPr>
-              <a:t>"</a:t>
-            </a:r>
-            <a:r>
-              <a:rPr lang="en-US" sz="1000">
-                <a:solidFill>
-                  <a:srgbClr val="CCCCCC"/>
-                </a:solidFill>
-                <a:latin typeface="Droid Sans Mono"/>
-              </a:rPr>
-              <a:t>,</a:t>
-            </a:r>
-          </a:p>
-          <a:p>
-            <a:r>
-              <a:rPr lang="en-US" sz="1000">
-                <a:solidFill>
-                  <a:srgbClr val="CE9178"/>
-                </a:solidFill>
-                <a:latin typeface="Droid Sans Mono"/>
-              </a:rPr>
-              <a:t>"Drug </a:t>
-            </a:r>
-            <a:r>
-              <a:rPr lang="en-US" sz="1000" err="1">
-                <a:solidFill>
-                  <a:srgbClr val="CE9178"/>
-                </a:solidFill>
-                <a:latin typeface="Droid Sans Mono"/>
-              </a:rPr>
-              <a:t>hasDrugClass</a:t>
-            </a:r>
-            <a:r>
-              <a:rPr lang="en-US" sz="1000">
-                <a:solidFill>
-                  <a:srgbClr val="CE9178"/>
-                </a:solidFill>
-                <a:latin typeface="Droid Sans Mono"/>
-              </a:rPr>
-              <a:t> </a:t>
-            </a:r>
-            <a:r>
-              <a:rPr lang="en-US" sz="1000" err="1">
-                <a:solidFill>
-                  <a:srgbClr val="CE9178"/>
-                </a:solidFill>
-                <a:latin typeface="Droid Sans Mono"/>
-              </a:rPr>
-              <a:t>DrugClass</a:t>
-            </a:r>
-            <a:r>
-              <a:rPr lang="en-US" sz="1000">
-                <a:solidFill>
-                  <a:srgbClr val="CE9178"/>
-                </a:solidFill>
-                <a:latin typeface="Droid Sans Mono"/>
-              </a:rPr>
-              <a:t>"</a:t>
-            </a:r>
-            <a:r>
-              <a:rPr lang="en-US" sz="1000">
-                <a:solidFill>
-                  <a:srgbClr val="CCCCCC"/>
-                </a:solidFill>
-                <a:latin typeface="Droid Sans Mono"/>
-              </a:rPr>
-              <a:t>,</a:t>
-            </a:r>
-          </a:p>
-          <a:p>
-            <a:r>
-              <a:rPr lang="en-US" sz="1000">
-                <a:solidFill>
-                  <a:srgbClr val="CE9178"/>
-                </a:solidFill>
-                <a:latin typeface="Droid Sans Mono"/>
-              </a:rPr>
-              <a:t>"</a:t>
-            </a:r>
-            <a:r>
-              <a:rPr lang="en-US" sz="1000" err="1">
-                <a:solidFill>
-                  <a:srgbClr val="CE9178"/>
-                </a:solidFill>
-                <a:latin typeface="Droid Sans Mono"/>
-              </a:rPr>
-              <a:t>SideEffect</a:t>
-            </a:r>
-            <a:r>
-              <a:rPr lang="en-US" sz="1000">
-                <a:solidFill>
-                  <a:srgbClr val="CE9178"/>
-                </a:solidFill>
-                <a:latin typeface="Droid Sans Mono"/>
-              </a:rPr>
-              <a:t> affects Health"</a:t>
-            </a:r>
-            <a:r>
-              <a:rPr lang="en-US" sz="1000">
-                <a:solidFill>
-                  <a:srgbClr val="CCCCCC"/>
-                </a:solidFill>
-                <a:latin typeface="Droid Sans Mono"/>
-              </a:rPr>
-              <a:t>,</a:t>
-            </a:r>
-          </a:p>
-          <a:p>
-            <a:r>
-              <a:rPr lang="en-US" sz="1000">
-                <a:solidFill>
-                  <a:srgbClr val="CE9178"/>
-                </a:solidFill>
-                <a:latin typeface="Droid Sans Mono"/>
-              </a:rPr>
-              <a:t>"Dosage </a:t>
-            </a:r>
-            <a:r>
-              <a:rPr lang="en-US" sz="1000" err="1">
-                <a:solidFill>
-                  <a:srgbClr val="CE9178"/>
-                </a:solidFill>
-                <a:latin typeface="Droid Sans Mono"/>
-              </a:rPr>
-              <a:t>hasQuantity</a:t>
-            </a:r>
-            <a:r>
-              <a:rPr lang="en-US" sz="1000">
-                <a:solidFill>
-                  <a:srgbClr val="CE9178"/>
-                </a:solidFill>
-                <a:latin typeface="Droid Sans Mono"/>
-              </a:rPr>
-              <a:t> Quantity"</a:t>
-            </a:r>
-          </a:p>
-          <a:p>
-            <a:r>
-              <a:rPr lang="en-US" sz="1000">
-                <a:solidFill>
-                  <a:srgbClr val="CCCCCC"/>
-                </a:solidFill>
-                <a:latin typeface="Droid Sans Mono"/>
-              </a:rPr>
-              <a:t>]</a:t>
-            </a:r>
-          </a:p>
-          <a:p>
-            <a:endParaRPr lang="en-US">
+            <a:endParaRPr lang="en-US" sz="800" b="0" dirty="0">
               <a:solidFill>
                 <a:srgbClr val="CCCCCC"/>
               </a:solidFill>
-              <a:latin typeface="Droid Sans Mono"/>
+              <a:effectLst/>
+              <a:latin typeface="Consolas" panose="020B0609020204030204" pitchFamily="49" charset="0"/>
+            </a:endParaRPr>
+          </a:p>
+          <a:p>
+            <a:r>
+              <a:rPr lang="en-US" sz="800" b="0" dirty="0">
+                <a:solidFill>
+                  <a:srgbClr val="CCCCCC"/>
+                </a:solidFill>
+                <a:effectLst/>
+                <a:latin typeface="Consolas" panose="020B0609020204030204" pitchFamily="49" charset="0"/>
+              </a:rPr>
+              <a:t>]</a:t>
+            </a:r>
+          </a:p>
+          <a:p>
+            <a:br>
+              <a:rPr lang="en-US" sz="800" b="0" dirty="0">
+                <a:solidFill>
+                  <a:srgbClr val="CCCCCC"/>
+                </a:solidFill>
+                <a:effectLst/>
+                <a:latin typeface="Consolas" panose="020B0609020204030204" pitchFamily="49" charset="0"/>
+              </a:rPr>
+            </a:br>
+            <a:r>
+              <a:rPr lang="en-US" sz="800" b="0" dirty="0" err="1">
+                <a:solidFill>
+                  <a:srgbClr val="9CDCFE"/>
+                </a:solidFill>
+                <a:effectLst/>
+                <a:latin typeface="Consolas" panose="020B0609020204030204" pitchFamily="49" charset="0"/>
+              </a:rPr>
+              <a:t>sr</a:t>
+            </a:r>
+            <a:r>
+              <a:rPr lang="en-US" sz="800" b="0" dirty="0">
+                <a:solidFill>
+                  <a:srgbClr val="CCCCCC"/>
+                </a:solidFill>
+                <a:effectLst/>
+                <a:latin typeface="Consolas" panose="020B0609020204030204" pitchFamily="49" charset="0"/>
+              </a:rPr>
+              <a:t> </a:t>
+            </a:r>
+            <a:r>
+              <a:rPr lang="en-US" sz="800" b="0" dirty="0">
+                <a:solidFill>
+                  <a:srgbClr val="D4D4D4"/>
+                </a:solidFill>
+                <a:effectLst/>
+                <a:latin typeface="Consolas" panose="020B0609020204030204" pitchFamily="49" charset="0"/>
+              </a:rPr>
+              <a:t>=</a:t>
+            </a:r>
+            <a:r>
+              <a:rPr lang="en-US" sz="800" b="0" dirty="0">
+                <a:solidFill>
+                  <a:srgbClr val="CCCCCC"/>
+                </a:solidFill>
+                <a:effectLst/>
+                <a:latin typeface="Consolas" panose="020B0609020204030204" pitchFamily="49" charset="0"/>
+              </a:rPr>
+              <a:t> [</a:t>
+            </a:r>
+          </a:p>
+          <a:p>
+            <a:r>
+              <a:rPr lang="en-US" sz="800" b="0" dirty="0">
+                <a:solidFill>
+                  <a:srgbClr val="CCCCCC"/>
+                </a:solidFill>
+                <a:effectLst/>
+                <a:latin typeface="Consolas" panose="020B0609020204030204" pitchFamily="49" charset="0"/>
+              </a:rPr>
+              <a:t>    </a:t>
+            </a:r>
+            <a:r>
+              <a:rPr lang="en-US" sz="800" b="0" dirty="0">
+                <a:solidFill>
+                  <a:srgbClr val="CE9178"/>
+                </a:solidFill>
+                <a:effectLst/>
+                <a:latin typeface="Consolas" panose="020B0609020204030204" pitchFamily="49" charset="0"/>
+              </a:rPr>
+              <a:t>"Dosage </a:t>
+            </a:r>
+            <a:r>
+              <a:rPr lang="en-US" sz="800" b="0" dirty="0" err="1">
+                <a:solidFill>
+                  <a:srgbClr val="CE9178"/>
+                </a:solidFill>
+                <a:effectLst/>
+                <a:latin typeface="Consolas" panose="020B0609020204030204" pitchFamily="49" charset="0"/>
+              </a:rPr>
+              <a:t>hasDosageStrength</a:t>
+            </a:r>
+            <a:r>
+              <a:rPr lang="en-US" sz="800" b="0" dirty="0">
+                <a:solidFill>
+                  <a:srgbClr val="CE9178"/>
+                </a:solidFill>
+                <a:effectLst/>
+                <a:latin typeface="Consolas" panose="020B0609020204030204" pitchFamily="49" charset="0"/>
+              </a:rPr>
+              <a:t> </a:t>
+            </a:r>
+            <a:r>
+              <a:rPr lang="en-US" sz="800" b="0" dirty="0" err="1">
+                <a:solidFill>
+                  <a:srgbClr val="CE9178"/>
+                </a:solidFill>
+                <a:effectLst/>
+                <a:latin typeface="Consolas" panose="020B0609020204030204" pitchFamily="49" charset="0"/>
+              </a:rPr>
+              <a:t>DosageStrength</a:t>
+            </a:r>
+            <a:r>
+              <a:rPr lang="en-US" sz="800" b="0" dirty="0">
+                <a:solidFill>
+                  <a:srgbClr val="CE9178"/>
+                </a:solidFill>
+                <a:effectLst/>
+                <a:latin typeface="Consolas" panose="020B0609020204030204" pitchFamily="49" charset="0"/>
+              </a:rPr>
+              <a:t>"</a:t>
+            </a:r>
+            <a:r>
+              <a:rPr lang="en-US" sz="800" b="0" dirty="0">
+                <a:solidFill>
+                  <a:srgbClr val="CCCCCC"/>
+                </a:solidFill>
+                <a:effectLst/>
+                <a:latin typeface="Consolas" panose="020B0609020204030204" pitchFamily="49" charset="0"/>
+              </a:rPr>
+              <a:t>,</a:t>
+            </a:r>
+          </a:p>
+          <a:p>
+            <a:r>
+              <a:rPr lang="en-US" sz="800" b="0" dirty="0">
+                <a:solidFill>
+                  <a:srgbClr val="CCCCCC"/>
+                </a:solidFill>
+                <a:effectLst/>
+                <a:latin typeface="Consolas" panose="020B0609020204030204" pitchFamily="49" charset="0"/>
+              </a:rPr>
+              <a:t>    </a:t>
+            </a:r>
+            <a:r>
+              <a:rPr lang="en-US" sz="800" b="0" dirty="0">
+                <a:solidFill>
+                  <a:srgbClr val="CE9178"/>
+                </a:solidFill>
+                <a:effectLst/>
+                <a:latin typeface="Consolas" panose="020B0609020204030204" pitchFamily="49" charset="0"/>
+              </a:rPr>
+              <a:t>"Dosage </a:t>
+            </a:r>
+            <a:r>
+              <a:rPr lang="en-US" sz="800" b="0" dirty="0" err="1">
+                <a:solidFill>
+                  <a:srgbClr val="CE9178"/>
+                </a:solidFill>
+                <a:effectLst/>
+                <a:latin typeface="Consolas" panose="020B0609020204030204" pitchFamily="49" charset="0"/>
+              </a:rPr>
+              <a:t>hasDosageForm</a:t>
+            </a:r>
+            <a:r>
+              <a:rPr lang="en-US" sz="800" b="0" dirty="0">
+                <a:solidFill>
+                  <a:srgbClr val="CE9178"/>
+                </a:solidFill>
+                <a:effectLst/>
+                <a:latin typeface="Consolas" panose="020B0609020204030204" pitchFamily="49" charset="0"/>
+              </a:rPr>
+              <a:t> </a:t>
+            </a:r>
+            <a:r>
+              <a:rPr lang="en-US" sz="800" b="0" dirty="0" err="1">
+                <a:solidFill>
+                  <a:srgbClr val="CE9178"/>
+                </a:solidFill>
+                <a:effectLst/>
+                <a:latin typeface="Consolas" panose="020B0609020204030204" pitchFamily="49" charset="0"/>
+              </a:rPr>
+              <a:t>DosageForm</a:t>
+            </a:r>
+            <a:r>
+              <a:rPr lang="en-US" sz="800" b="0" dirty="0">
+                <a:solidFill>
+                  <a:srgbClr val="CE9178"/>
+                </a:solidFill>
+                <a:effectLst/>
+                <a:latin typeface="Consolas" panose="020B0609020204030204" pitchFamily="49" charset="0"/>
+              </a:rPr>
+              <a:t>"</a:t>
+            </a:r>
+            <a:r>
+              <a:rPr lang="en-US" sz="800" b="0" dirty="0">
+                <a:solidFill>
+                  <a:srgbClr val="CCCCCC"/>
+                </a:solidFill>
+                <a:effectLst/>
+                <a:latin typeface="Consolas" panose="020B0609020204030204" pitchFamily="49" charset="0"/>
+              </a:rPr>
+              <a:t>,</a:t>
+            </a:r>
+          </a:p>
+          <a:p>
+            <a:r>
+              <a:rPr lang="en-US" sz="800" b="0" dirty="0">
+                <a:solidFill>
+                  <a:srgbClr val="CCCCCC"/>
+                </a:solidFill>
+                <a:effectLst/>
+                <a:latin typeface="Consolas" panose="020B0609020204030204" pitchFamily="49" charset="0"/>
+              </a:rPr>
+              <a:t>    </a:t>
+            </a:r>
+            <a:r>
+              <a:rPr lang="en-US" sz="800" b="0" dirty="0">
+                <a:solidFill>
+                  <a:srgbClr val="CE9178"/>
+                </a:solidFill>
+                <a:effectLst/>
+                <a:latin typeface="Consolas" panose="020B0609020204030204" pitchFamily="49" charset="0"/>
+              </a:rPr>
+              <a:t>"Drug </a:t>
+            </a:r>
+            <a:r>
+              <a:rPr lang="en-US" sz="800" b="0" dirty="0" err="1">
+                <a:solidFill>
+                  <a:srgbClr val="CE9178"/>
+                </a:solidFill>
+                <a:effectLst/>
+                <a:latin typeface="Consolas" panose="020B0609020204030204" pitchFamily="49" charset="0"/>
+              </a:rPr>
+              <a:t>hasDosage</a:t>
+            </a:r>
+            <a:r>
+              <a:rPr lang="en-US" sz="800" b="0" dirty="0">
+                <a:solidFill>
+                  <a:srgbClr val="CE9178"/>
+                </a:solidFill>
+                <a:effectLst/>
+                <a:latin typeface="Consolas" panose="020B0609020204030204" pitchFamily="49" charset="0"/>
+              </a:rPr>
+              <a:t> Dosage"</a:t>
+            </a:r>
+            <a:r>
+              <a:rPr lang="en-US" sz="800" b="0" dirty="0">
+                <a:solidFill>
+                  <a:srgbClr val="CCCCCC"/>
+                </a:solidFill>
+                <a:effectLst/>
+                <a:latin typeface="Consolas" panose="020B0609020204030204" pitchFamily="49" charset="0"/>
+              </a:rPr>
+              <a:t>,</a:t>
+            </a:r>
+          </a:p>
+          <a:p>
+            <a:r>
+              <a:rPr lang="en-US" sz="800" b="0" dirty="0">
+                <a:solidFill>
+                  <a:srgbClr val="CCCCCC"/>
+                </a:solidFill>
+                <a:effectLst/>
+                <a:latin typeface="Consolas" panose="020B0609020204030204" pitchFamily="49" charset="0"/>
+              </a:rPr>
+              <a:t>    </a:t>
+            </a:r>
+            <a:r>
+              <a:rPr lang="en-US" sz="800" b="0" dirty="0">
+                <a:solidFill>
+                  <a:srgbClr val="CE9178"/>
+                </a:solidFill>
+                <a:effectLst/>
+                <a:latin typeface="Consolas" panose="020B0609020204030204" pitchFamily="49" charset="0"/>
+              </a:rPr>
+              <a:t>"Drug </a:t>
+            </a:r>
+            <a:r>
+              <a:rPr lang="en-US" sz="800" b="0" dirty="0" err="1">
+                <a:solidFill>
+                  <a:srgbClr val="CE9178"/>
+                </a:solidFill>
+                <a:effectLst/>
+                <a:latin typeface="Consolas" panose="020B0609020204030204" pitchFamily="49" charset="0"/>
+              </a:rPr>
+              <a:t>hasRouteOfAdministration</a:t>
+            </a:r>
+            <a:r>
+              <a:rPr lang="en-US" sz="800" b="0" dirty="0">
+                <a:solidFill>
+                  <a:srgbClr val="CE9178"/>
+                </a:solidFill>
+                <a:effectLst/>
+                <a:latin typeface="Consolas" panose="020B0609020204030204" pitchFamily="49" charset="0"/>
+              </a:rPr>
+              <a:t> </a:t>
+            </a:r>
+            <a:r>
+              <a:rPr lang="en-US" sz="800" b="0" dirty="0" err="1">
+                <a:solidFill>
+                  <a:srgbClr val="CE9178"/>
+                </a:solidFill>
+                <a:effectLst/>
+                <a:latin typeface="Consolas" panose="020B0609020204030204" pitchFamily="49" charset="0"/>
+              </a:rPr>
+              <a:t>RouteOfAdministration</a:t>
+            </a:r>
+            <a:r>
+              <a:rPr lang="en-US" sz="800" b="0" dirty="0">
+                <a:solidFill>
+                  <a:srgbClr val="CE9178"/>
+                </a:solidFill>
+                <a:effectLst/>
+                <a:latin typeface="Consolas" panose="020B0609020204030204" pitchFamily="49" charset="0"/>
+              </a:rPr>
+              <a:t>"</a:t>
+            </a:r>
+            <a:r>
+              <a:rPr lang="en-US" sz="800" b="0" dirty="0">
+                <a:solidFill>
+                  <a:srgbClr val="CCCCCC"/>
+                </a:solidFill>
+                <a:effectLst/>
+                <a:latin typeface="Consolas" panose="020B0609020204030204" pitchFamily="49" charset="0"/>
+              </a:rPr>
+              <a:t>,</a:t>
+            </a:r>
+          </a:p>
+          <a:p>
+            <a:r>
+              <a:rPr lang="en-US" sz="800" b="0" dirty="0">
+                <a:solidFill>
+                  <a:srgbClr val="CCCCCC"/>
+                </a:solidFill>
+                <a:effectLst/>
+                <a:latin typeface="Consolas" panose="020B0609020204030204" pitchFamily="49" charset="0"/>
+              </a:rPr>
+              <a:t>    </a:t>
+            </a:r>
+            <a:r>
+              <a:rPr lang="en-US" sz="800" b="0" dirty="0">
+                <a:solidFill>
+                  <a:srgbClr val="CE9178"/>
+                </a:solidFill>
+                <a:effectLst/>
+                <a:latin typeface="Consolas" panose="020B0609020204030204" pitchFamily="49" charset="0"/>
+              </a:rPr>
+              <a:t>"Drug affects </a:t>
+            </a:r>
+            <a:r>
+              <a:rPr lang="en-US" sz="800" b="0" dirty="0" err="1">
+                <a:solidFill>
+                  <a:srgbClr val="CE9178"/>
+                </a:solidFill>
+                <a:effectLst/>
+                <a:latin typeface="Consolas" panose="020B0609020204030204" pitchFamily="49" charset="0"/>
+              </a:rPr>
+              <a:t>Body_or_Health</a:t>
+            </a:r>
+            <a:r>
+              <a:rPr lang="en-US" sz="800" b="0" dirty="0">
+                <a:solidFill>
+                  <a:srgbClr val="CE9178"/>
+                </a:solidFill>
+                <a:effectLst/>
+                <a:latin typeface="Consolas" panose="020B0609020204030204" pitchFamily="49" charset="0"/>
+              </a:rPr>
+              <a:t>"</a:t>
+            </a:r>
+            <a:r>
+              <a:rPr lang="en-US" sz="800" b="0" dirty="0">
+                <a:solidFill>
+                  <a:srgbClr val="CCCCCC"/>
+                </a:solidFill>
+                <a:effectLst/>
+                <a:latin typeface="Consolas" panose="020B0609020204030204" pitchFamily="49" charset="0"/>
+              </a:rPr>
+              <a:t>,</a:t>
+            </a:r>
+          </a:p>
+          <a:p>
+            <a:r>
+              <a:rPr lang="en-US" sz="800" b="0" dirty="0">
+                <a:solidFill>
+                  <a:srgbClr val="CCCCCC"/>
+                </a:solidFill>
+                <a:effectLst/>
+                <a:latin typeface="Consolas" panose="020B0609020204030204" pitchFamily="49" charset="0"/>
+              </a:rPr>
+              <a:t>    </a:t>
+            </a:r>
+            <a:r>
+              <a:rPr lang="en-US" sz="800" b="0" dirty="0">
+                <a:solidFill>
+                  <a:srgbClr val="CE9178"/>
+                </a:solidFill>
+                <a:effectLst/>
+                <a:latin typeface="Consolas" panose="020B0609020204030204" pitchFamily="49" charset="0"/>
+              </a:rPr>
+              <a:t>"Drug </a:t>
+            </a:r>
+            <a:r>
+              <a:rPr lang="en-US" sz="800" b="0" dirty="0" err="1">
+                <a:solidFill>
+                  <a:srgbClr val="CE9178"/>
+                </a:solidFill>
+                <a:effectLst/>
+                <a:latin typeface="Consolas" panose="020B0609020204030204" pitchFamily="49" charset="0"/>
+              </a:rPr>
+              <a:t>hasSideEffect</a:t>
+            </a:r>
+            <a:r>
+              <a:rPr lang="en-US" sz="800" b="0" dirty="0">
+                <a:solidFill>
+                  <a:srgbClr val="CE9178"/>
+                </a:solidFill>
+                <a:effectLst/>
+                <a:latin typeface="Consolas" panose="020B0609020204030204" pitchFamily="49" charset="0"/>
+              </a:rPr>
+              <a:t> </a:t>
+            </a:r>
+            <a:r>
+              <a:rPr lang="en-US" sz="800" b="0" dirty="0" err="1">
+                <a:solidFill>
+                  <a:srgbClr val="CE9178"/>
+                </a:solidFill>
+                <a:effectLst/>
+                <a:latin typeface="Consolas" panose="020B0609020204030204" pitchFamily="49" charset="0"/>
+              </a:rPr>
+              <a:t>SideEffect</a:t>
+            </a:r>
+            <a:r>
+              <a:rPr lang="en-US" sz="800" b="0" dirty="0">
+                <a:solidFill>
+                  <a:srgbClr val="CE9178"/>
+                </a:solidFill>
+                <a:effectLst/>
+                <a:latin typeface="Consolas" panose="020B0609020204030204" pitchFamily="49" charset="0"/>
+              </a:rPr>
+              <a:t>"</a:t>
+            </a:r>
+            <a:r>
+              <a:rPr lang="en-US" sz="800" b="0" dirty="0">
+                <a:solidFill>
+                  <a:srgbClr val="CCCCCC"/>
+                </a:solidFill>
+                <a:effectLst/>
+                <a:latin typeface="Consolas" panose="020B0609020204030204" pitchFamily="49" charset="0"/>
+              </a:rPr>
+              <a:t>,</a:t>
+            </a:r>
+          </a:p>
+          <a:p>
+            <a:r>
+              <a:rPr lang="en-US" sz="800" b="0" dirty="0">
+                <a:solidFill>
+                  <a:srgbClr val="CCCCCC"/>
+                </a:solidFill>
+                <a:effectLst/>
+                <a:latin typeface="Consolas" panose="020B0609020204030204" pitchFamily="49" charset="0"/>
+              </a:rPr>
+              <a:t>    </a:t>
+            </a:r>
+            <a:r>
+              <a:rPr lang="en-US" sz="800" b="0" dirty="0">
+                <a:solidFill>
+                  <a:srgbClr val="CE9178"/>
+                </a:solidFill>
+                <a:effectLst/>
+                <a:latin typeface="Consolas" panose="020B0609020204030204" pitchFamily="49" charset="0"/>
+              </a:rPr>
+              <a:t>"Drug </a:t>
+            </a:r>
+            <a:r>
+              <a:rPr lang="en-US" sz="800" b="0" dirty="0" err="1">
+                <a:solidFill>
+                  <a:srgbClr val="CE9178"/>
+                </a:solidFill>
+                <a:effectLst/>
+                <a:latin typeface="Consolas" panose="020B0609020204030204" pitchFamily="49" charset="0"/>
+              </a:rPr>
+              <a:t>hasDrugName</a:t>
+            </a:r>
+            <a:r>
+              <a:rPr lang="en-US" sz="800" b="0" dirty="0">
+                <a:solidFill>
+                  <a:srgbClr val="CE9178"/>
+                </a:solidFill>
+                <a:effectLst/>
+                <a:latin typeface="Consolas" panose="020B0609020204030204" pitchFamily="49" charset="0"/>
+              </a:rPr>
+              <a:t> </a:t>
+            </a:r>
+            <a:r>
+              <a:rPr lang="en-US" sz="800" b="0" dirty="0" err="1">
+                <a:solidFill>
+                  <a:srgbClr val="CE9178"/>
+                </a:solidFill>
+                <a:effectLst/>
+                <a:latin typeface="Consolas" panose="020B0609020204030204" pitchFamily="49" charset="0"/>
+              </a:rPr>
+              <a:t>DrugName</a:t>
+            </a:r>
+            <a:r>
+              <a:rPr lang="en-US" sz="800" b="0" dirty="0">
+                <a:solidFill>
+                  <a:srgbClr val="CE9178"/>
+                </a:solidFill>
+                <a:effectLst/>
+                <a:latin typeface="Consolas" panose="020B0609020204030204" pitchFamily="49" charset="0"/>
+              </a:rPr>
+              <a:t>"</a:t>
+            </a:r>
+            <a:r>
+              <a:rPr lang="en-US" sz="800" b="0" dirty="0">
+                <a:solidFill>
+                  <a:srgbClr val="CCCCCC"/>
+                </a:solidFill>
+                <a:effectLst/>
+                <a:latin typeface="Consolas" panose="020B0609020204030204" pitchFamily="49" charset="0"/>
+              </a:rPr>
+              <a:t>,</a:t>
+            </a:r>
+          </a:p>
+          <a:p>
+            <a:r>
+              <a:rPr lang="en-US" sz="800" b="0" dirty="0">
+                <a:solidFill>
+                  <a:srgbClr val="CCCCCC"/>
+                </a:solidFill>
+                <a:effectLst/>
+                <a:latin typeface="Consolas" panose="020B0609020204030204" pitchFamily="49" charset="0"/>
+              </a:rPr>
+              <a:t>    </a:t>
+            </a:r>
+            <a:r>
+              <a:rPr lang="en-US" sz="800" b="0" dirty="0">
+                <a:solidFill>
+                  <a:srgbClr val="CE9178"/>
+                </a:solidFill>
+                <a:effectLst/>
+                <a:latin typeface="Consolas" panose="020B0609020204030204" pitchFamily="49" charset="0"/>
+              </a:rPr>
+              <a:t>"Drug </a:t>
+            </a:r>
+            <a:r>
+              <a:rPr lang="en-US" sz="800" b="0" dirty="0" err="1">
+                <a:solidFill>
+                  <a:srgbClr val="CE9178"/>
+                </a:solidFill>
+                <a:effectLst/>
+                <a:latin typeface="Consolas" panose="020B0609020204030204" pitchFamily="49" charset="0"/>
+              </a:rPr>
+              <a:t>hasDrugClass</a:t>
+            </a:r>
+            <a:r>
+              <a:rPr lang="en-US" sz="800" b="0" dirty="0">
+                <a:solidFill>
+                  <a:srgbClr val="CE9178"/>
+                </a:solidFill>
+                <a:effectLst/>
+                <a:latin typeface="Consolas" panose="020B0609020204030204" pitchFamily="49" charset="0"/>
+              </a:rPr>
+              <a:t> </a:t>
+            </a:r>
+            <a:r>
+              <a:rPr lang="en-US" sz="800" b="0" dirty="0" err="1">
+                <a:solidFill>
+                  <a:srgbClr val="CE9178"/>
+                </a:solidFill>
+                <a:effectLst/>
+                <a:latin typeface="Consolas" panose="020B0609020204030204" pitchFamily="49" charset="0"/>
+              </a:rPr>
+              <a:t>DrugClass</a:t>
+            </a:r>
+            <a:r>
+              <a:rPr lang="en-US" sz="800" b="0" dirty="0">
+                <a:solidFill>
+                  <a:srgbClr val="CE9178"/>
+                </a:solidFill>
+                <a:effectLst/>
+                <a:latin typeface="Consolas" panose="020B0609020204030204" pitchFamily="49" charset="0"/>
+              </a:rPr>
+              <a:t>"</a:t>
+            </a:r>
+            <a:r>
+              <a:rPr lang="en-US" sz="800" b="0" dirty="0">
+                <a:solidFill>
+                  <a:srgbClr val="CCCCCC"/>
+                </a:solidFill>
+                <a:effectLst/>
+                <a:latin typeface="Consolas" panose="020B0609020204030204" pitchFamily="49" charset="0"/>
+              </a:rPr>
+              <a:t>,</a:t>
+            </a:r>
+          </a:p>
+          <a:p>
+            <a:r>
+              <a:rPr lang="en-US" sz="800" b="0" dirty="0">
+                <a:solidFill>
+                  <a:srgbClr val="CCCCCC"/>
+                </a:solidFill>
+                <a:effectLst/>
+                <a:latin typeface="Consolas" panose="020B0609020204030204" pitchFamily="49" charset="0"/>
+              </a:rPr>
+              <a:t>    </a:t>
+            </a:r>
+            <a:r>
+              <a:rPr lang="en-US" sz="800" b="0" dirty="0">
+                <a:solidFill>
+                  <a:srgbClr val="CE9178"/>
+                </a:solidFill>
+                <a:effectLst/>
+                <a:latin typeface="Consolas" panose="020B0609020204030204" pitchFamily="49" charset="0"/>
+              </a:rPr>
+              <a:t>"</a:t>
+            </a:r>
+            <a:r>
+              <a:rPr lang="en-US" sz="800" b="0" dirty="0" err="1">
+                <a:solidFill>
+                  <a:srgbClr val="CE9178"/>
+                </a:solidFill>
+                <a:effectLst/>
+                <a:latin typeface="Consolas" panose="020B0609020204030204" pitchFamily="49" charset="0"/>
+              </a:rPr>
+              <a:t>SideEffect</a:t>
+            </a:r>
+            <a:r>
+              <a:rPr lang="en-US" sz="800" b="0" dirty="0">
+                <a:solidFill>
+                  <a:srgbClr val="CE9178"/>
+                </a:solidFill>
+                <a:effectLst/>
+                <a:latin typeface="Consolas" panose="020B0609020204030204" pitchFamily="49" charset="0"/>
+              </a:rPr>
+              <a:t> affects Health"</a:t>
+            </a:r>
+            <a:r>
+              <a:rPr lang="en-US" sz="800" b="0" dirty="0">
+                <a:solidFill>
+                  <a:srgbClr val="CCCCCC"/>
+                </a:solidFill>
+                <a:effectLst/>
+                <a:latin typeface="Consolas" panose="020B0609020204030204" pitchFamily="49" charset="0"/>
+              </a:rPr>
+              <a:t>,</a:t>
+            </a:r>
+          </a:p>
+          <a:p>
+            <a:r>
+              <a:rPr lang="en-US" sz="800" b="0" dirty="0">
+                <a:solidFill>
+                  <a:srgbClr val="CCCCCC"/>
+                </a:solidFill>
+                <a:effectLst/>
+                <a:latin typeface="Consolas" panose="020B0609020204030204" pitchFamily="49" charset="0"/>
+              </a:rPr>
+              <a:t>    </a:t>
+            </a:r>
+            <a:r>
+              <a:rPr lang="en-US" sz="800" b="0" dirty="0">
+                <a:solidFill>
+                  <a:srgbClr val="CE9178"/>
+                </a:solidFill>
+                <a:effectLst/>
+                <a:latin typeface="Consolas" panose="020B0609020204030204" pitchFamily="49" charset="0"/>
+              </a:rPr>
+              <a:t>"Dosage </a:t>
+            </a:r>
+            <a:r>
+              <a:rPr lang="en-US" sz="800" b="0" dirty="0" err="1">
+                <a:solidFill>
+                  <a:srgbClr val="CE9178"/>
+                </a:solidFill>
+                <a:effectLst/>
+                <a:latin typeface="Consolas" panose="020B0609020204030204" pitchFamily="49" charset="0"/>
+              </a:rPr>
+              <a:t>hasQuantity</a:t>
+            </a:r>
+            <a:r>
+              <a:rPr lang="en-US" sz="800" b="0" dirty="0">
+                <a:solidFill>
+                  <a:srgbClr val="CE9178"/>
+                </a:solidFill>
+                <a:effectLst/>
+                <a:latin typeface="Consolas" panose="020B0609020204030204" pitchFamily="49" charset="0"/>
+              </a:rPr>
+              <a:t> Quantity"</a:t>
+            </a:r>
+            <a:endParaRPr lang="en-US" sz="800" b="0" dirty="0">
+              <a:solidFill>
+                <a:srgbClr val="CCCCCC"/>
+              </a:solidFill>
+              <a:effectLst/>
+              <a:latin typeface="Consolas" panose="020B0609020204030204" pitchFamily="49" charset="0"/>
+            </a:endParaRPr>
+          </a:p>
+          <a:p>
+            <a:r>
+              <a:rPr lang="en-US" sz="800" b="0" dirty="0">
+                <a:solidFill>
+                  <a:srgbClr val="CCCCCC"/>
+                </a:solidFill>
+                <a:effectLst/>
+                <a:latin typeface="Consolas" panose="020B0609020204030204" pitchFamily="49" charset="0"/>
+              </a:rPr>
+              <a:t>]</a:t>
+            </a:r>
+          </a:p>
+          <a:p>
+            <a:br>
+              <a:rPr lang="en-US" sz="800" b="0" dirty="0">
+                <a:solidFill>
+                  <a:srgbClr val="CCCCCC"/>
+                </a:solidFill>
+                <a:effectLst/>
+                <a:latin typeface="Consolas" panose="020B0609020204030204" pitchFamily="49" charset="0"/>
+              </a:rPr>
+            </a:br>
+            <a:endParaRPr lang="en-US" sz="800" b="0" dirty="0">
+              <a:solidFill>
+                <a:srgbClr val="CCCCCC"/>
+              </a:solidFill>
+              <a:effectLst/>
+              <a:latin typeface="Consolas" panose="020B0609020204030204" pitchFamily="49" charset="0"/>
             </a:endParaRPr>
           </a:p>
         </p:txBody>
@@ -5405,7 +5713,7 @@
           <a:lstStyle/>
           <a:p>
             <a:r>
-              <a:rPr lang="en-US"/>
+              <a:rPr lang="en-US" dirty="0"/>
               <a:t>Diagnosis</a:t>
             </a:r>
           </a:p>
@@ -5501,10 +5809,10 @@
       </p:sp>
       <p:sp>
         <p:nvSpPr>
-          <p:cNvPr id="5" name="TextBox 4">
+          <p:cNvPr id="8" name="TextBox 7">
             <a:extLst>
               <a:ext uri="{FF2B5EF4-FFF2-40B4-BE49-F238E27FC236}">
-                <a16:creationId xmlns:a16="http://schemas.microsoft.com/office/drawing/2014/main" id="{BDB002E7-2EB6-DFFC-BA18-2A52C3302863}"/>
+                <a16:creationId xmlns:a16="http://schemas.microsoft.com/office/drawing/2014/main" id="{408BF368-99CA-165D-1F0A-35FE30C39692}"/>
               </a:ext>
             </a:extLst>
           </p:cNvPr>
@@ -5513,562 +5821,717 @@
         </p:nvSpPr>
         <p:spPr>
           <a:xfrm>
-            <a:off x="626398" y="2397209"/>
-            <a:ext cx="3245617" cy="2954655"/>
+            <a:off x="425958" y="2459504"/>
+            <a:ext cx="3481086" cy="1938992"/>
           </a:xfrm>
           <a:prstGeom prst="rect">
             <a:avLst/>
           </a:prstGeom>
-          <a:noFill/>
+          <a:solidFill>
+            <a:schemeClr val="tx1"/>
+          </a:solidFill>
         </p:spPr>
         <p:txBody>
-          <a:bodyPr rot="0" spcFirstLastPara="0" vertOverflow="overflow" horzOverflow="overflow" vert="horz" wrap="square" lIns="91440" tIns="45720" rIns="91440" bIns="45720" numCol="1" spcCol="0" rtlCol="0" fromWordArt="0" anchor="t" anchorCtr="0" forceAA="0" compatLnSpc="1">
-            <a:prstTxWarp prst="textNoShape">
-              <a:avLst/>
-            </a:prstTxWarp>
+          <a:bodyPr wrap="square">
             <a:spAutoFit/>
           </a:bodyPr>
           <a:lstStyle/>
           <a:p>
             <a:r>
-              <a:rPr lang="en-US" sz="1000" err="1">
+              <a:rPr lang="en-US" sz="800" b="0" dirty="0" err="1">
+                <a:solidFill>
+                  <a:srgbClr val="9CDCFE"/>
+                </a:solidFill>
+                <a:effectLst/>
+                <a:latin typeface="Consolas" panose="020B0609020204030204" pitchFamily="49" charset="0"/>
+              </a:rPr>
+              <a:t>gd</a:t>
+            </a:r>
+            <a:r>
+              <a:rPr lang="en-US" sz="800" b="0" dirty="0">
                 <a:solidFill>
                   <a:srgbClr val="CCCCCC"/>
                 </a:solidFill>
-                <a:latin typeface="Droid Sans Mono"/>
-              </a:rPr>
-              <a:t>gd</a:t>
-            </a:r>
-            <a:r>
-              <a:rPr lang="en-US" sz="1000">
+                <a:effectLst/>
+                <a:latin typeface="Consolas" panose="020B0609020204030204" pitchFamily="49" charset="0"/>
+              </a:rPr>
+              <a:t> </a:t>
+            </a:r>
+            <a:r>
+              <a:rPr lang="en-US" sz="800" b="0" dirty="0">
+                <a:solidFill>
+                  <a:srgbClr val="D4D4D4"/>
+                </a:solidFill>
+                <a:effectLst/>
+                <a:latin typeface="Consolas" panose="020B0609020204030204" pitchFamily="49" charset="0"/>
+              </a:rPr>
+              <a:t>=</a:t>
+            </a:r>
+            <a:r>
+              <a:rPr lang="en-US" sz="800" b="0" dirty="0">
                 <a:solidFill>
                   <a:srgbClr val="CCCCCC"/>
                 </a:solidFill>
-                <a:latin typeface="Droid Sans Mono"/>
+                <a:effectLst/>
+                <a:latin typeface="Consolas" panose="020B0609020204030204" pitchFamily="49" charset="0"/>
+              </a:rPr>
+              <a:t> [</a:t>
+            </a:r>
+          </a:p>
+          <a:p>
+            <a:r>
+              <a:rPr lang="en-US" sz="800" b="0" dirty="0">
+                <a:solidFill>
+                  <a:srgbClr val="CCCCCC"/>
+                </a:solidFill>
+                <a:effectLst/>
+                <a:latin typeface="Consolas" panose="020B0609020204030204" pitchFamily="49" charset="0"/>
+              </a:rPr>
+              <a:t>    </a:t>
+            </a:r>
+            <a:r>
+              <a:rPr lang="en-US" sz="800" b="0" dirty="0">
+                <a:solidFill>
+                  <a:srgbClr val="CE9178"/>
+                </a:solidFill>
+                <a:effectLst/>
+                <a:latin typeface="Consolas" panose="020B0609020204030204" pitchFamily="49" charset="0"/>
+              </a:rPr>
+              <a:t>"Diagnosis </a:t>
+            </a:r>
+            <a:r>
+              <a:rPr lang="en-US" sz="800" b="0" dirty="0" err="1">
+                <a:solidFill>
+                  <a:srgbClr val="CE9178"/>
+                </a:solidFill>
+                <a:effectLst/>
+                <a:latin typeface="Consolas" panose="020B0609020204030204" pitchFamily="49" charset="0"/>
+              </a:rPr>
+              <a:t>hasPrincipalDiagnosis</a:t>
+            </a:r>
+            <a:r>
+              <a:rPr lang="en-US" sz="800" b="0" dirty="0">
+                <a:solidFill>
+                  <a:srgbClr val="CE9178"/>
+                </a:solidFill>
+                <a:effectLst/>
+                <a:latin typeface="Consolas" panose="020B0609020204030204" pitchFamily="49" charset="0"/>
               </a:rPr>
               <a:t> </a:t>
             </a:r>
             <a:r>
-              <a:rPr lang="en-US" sz="1000">
-                <a:solidFill>
-                  <a:srgbClr val="D4D4D4"/>
-                </a:solidFill>
-                <a:latin typeface="Droid Sans Mono"/>
-              </a:rPr>
-              <a:t>=</a:t>
-            </a:r>
-            <a:r>
-              <a:rPr lang="en-US" sz="1000">
+              <a:rPr lang="en-US" sz="800" b="0" dirty="0" err="1">
+                <a:solidFill>
+                  <a:srgbClr val="CE9178"/>
+                </a:solidFill>
+                <a:effectLst/>
+                <a:latin typeface="Consolas" panose="020B0609020204030204" pitchFamily="49" charset="0"/>
+              </a:rPr>
+              <a:t>PrincipalDiagnosis</a:t>
+            </a:r>
+            <a:r>
+              <a:rPr lang="en-US" sz="800" b="0" dirty="0">
+                <a:solidFill>
+                  <a:srgbClr val="CE9178"/>
+                </a:solidFill>
+                <a:effectLst/>
+                <a:latin typeface="Consolas" panose="020B0609020204030204" pitchFamily="49" charset="0"/>
+              </a:rPr>
+              <a:t>"</a:t>
+            </a:r>
+            <a:r>
+              <a:rPr lang="en-US" sz="800" b="0" dirty="0">
                 <a:solidFill>
                   <a:srgbClr val="CCCCCC"/>
                 </a:solidFill>
-                <a:latin typeface="Droid Sans Mono"/>
-              </a:rPr>
-              <a:t> [</a:t>
-            </a:r>
-          </a:p>
-          <a:p>
-            <a:r>
-              <a:rPr lang="en-US" sz="1000">
-                <a:solidFill>
-                  <a:srgbClr val="CE9178"/>
-                </a:solidFill>
-                <a:latin typeface="Droid Sans Mono"/>
+                <a:effectLst/>
+                <a:latin typeface="Consolas" panose="020B0609020204030204" pitchFamily="49" charset="0"/>
+              </a:rPr>
+              <a:t>,</a:t>
+            </a:r>
+          </a:p>
+          <a:p>
+            <a:r>
+              <a:rPr lang="en-US" sz="800" b="0" dirty="0">
+                <a:solidFill>
+                  <a:srgbClr val="CCCCCC"/>
+                </a:solidFill>
+                <a:effectLst/>
+                <a:latin typeface="Consolas" panose="020B0609020204030204" pitchFamily="49" charset="0"/>
+              </a:rPr>
+              <a:t>    </a:t>
+            </a:r>
+            <a:r>
+              <a:rPr lang="en-US" sz="800" b="0" dirty="0">
+                <a:solidFill>
+                  <a:srgbClr val="CE9178"/>
+                </a:solidFill>
+                <a:effectLst/>
+                <a:latin typeface="Consolas" panose="020B0609020204030204" pitchFamily="49" charset="0"/>
               </a:rPr>
               <a:t>"Diagnosis </a:t>
             </a:r>
             <a:r>
-              <a:rPr lang="en-US" sz="1000" err="1">
-                <a:solidFill>
-                  <a:srgbClr val="CE9178"/>
-                </a:solidFill>
-                <a:latin typeface="Droid Sans Mono"/>
-              </a:rPr>
-              <a:t>hasPrincipalDiagnosis</a:t>
-            </a:r>
-            <a:r>
-              <a:rPr lang="en-US" sz="1000">
-                <a:solidFill>
-                  <a:srgbClr val="CE9178"/>
-                </a:solidFill>
-                <a:latin typeface="Droid Sans Mono"/>
+              <a:rPr lang="en-US" sz="800" b="0" dirty="0" err="1">
+                <a:solidFill>
+                  <a:srgbClr val="CE9178"/>
+                </a:solidFill>
+                <a:effectLst/>
+                <a:latin typeface="Consolas" panose="020B0609020204030204" pitchFamily="49" charset="0"/>
+              </a:rPr>
+              <a:t>hasDiagnosisTypes</a:t>
+            </a:r>
+            <a:r>
+              <a:rPr lang="en-US" sz="800" b="0" dirty="0">
+                <a:solidFill>
+                  <a:srgbClr val="CE9178"/>
+                </a:solidFill>
+                <a:effectLst/>
+                <a:latin typeface="Consolas" panose="020B0609020204030204" pitchFamily="49" charset="0"/>
               </a:rPr>
               <a:t> </a:t>
             </a:r>
             <a:r>
-              <a:rPr lang="en-US" sz="1000" err="1">
-                <a:solidFill>
-                  <a:srgbClr val="CE9178"/>
-                </a:solidFill>
-                <a:latin typeface="Droid Sans Mono"/>
-              </a:rPr>
-              <a:t>PrincipalDiagnosis</a:t>
-            </a:r>
-            <a:r>
-              <a:rPr lang="en-US" sz="1000">
-                <a:solidFill>
-                  <a:srgbClr val="CE9178"/>
-                </a:solidFill>
-                <a:latin typeface="Droid Sans Mono"/>
+              <a:rPr lang="en-US" sz="800" b="0" dirty="0" err="1">
+                <a:solidFill>
+                  <a:srgbClr val="CE9178"/>
+                </a:solidFill>
+                <a:effectLst/>
+                <a:latin typeface="Consolas" panose="020B0609020204030204" pitchFamily="49" charset="0"/>
+              </a:rPr>
+              <a:t>DiagnosisTypes</a:t>
+            </a:r>
+            <a:r>
+              <a:rPr lang="en-US" sz="800" b="0" dirty="0">
+                <a:solidFill>
+                  <a:srgbClr val="CE9178"/>
+                </a:solidFill>
+                <a:effectLst/>
+                <a:latin typeface="Consolas" panose="020B0609020204030204" pitchFamily="49" charset="0"/>
               </a:rPr>
               <a:t>"</a:t>
             </a:r>
             <a:r>
-              <a:rPr lang="en-US" sz="1000">
+              <a:rPr lang="en-US" sz="800" b="0" dirty="0">
                 <a:solidFill>
                   <a:srgbClr val="CCCCCC"/>
                 </a:solidFill>
-                <a:latin typeface="Droid Sans Mono"/>
+                <a:effectLst/>
+                <a:latin typeface="Consolas" panose="020B0609020204030204" pitchFamily="49" charset="0"/>
               </a:rPr>
               <a:t>,</a:t>
             </a:r>
           </a:p>
           <a:p>
             <a:r>
-              <a:rPr lang="en-US" sz="1000">
-                <a:solidFill>
-                  <a:srgbClr val="CE9178"/>
-                </a:solidFill>
-                <a:latin typeface="Droid Sans Mono"/>
-              </a:rPr>
-              <a:t>"Diagnosis </a:t>
-            </a:r>
-            <a:r>
-              <a:rPr lang="en-US" sz="1000" err="1">
-                <a:solidFill>
-                  <a:srgbClr val="CE9178"/>
-                </a:solidFill>
-                <a:latin typeface="Droid Sans Mono"/>
-              </a:rPr>
-              <a:t>hasDiagnosisTypes</a:t>
-            </a:r>
-            <a:r>
-              <a:rPr lang="en-US" sz="1000">
-                <a:solidFill>
-                  <a:srgbClr val="CE9178"/>
-                </a:solidFill>
-                <a:latin typeface="Droid Sans Mono"/>
-              </a:rPr>
-              <a:t> </a:t>
-            </a:r>
-            <a:r>
-              <a:rPr lang="en-US" sz="1000" err="1">
-                <a:solidFill>
-                  <a:srgbClr val="CE9178"/>
-                </a:solidFill>
-                <a:latin typeface="Droid Sans Mono"/>
-              </a:rPr>
-              <a:t>DiagnosisTypes</a:t>
-            </a:r>
-            <a:r>
-              <a:rPr lang="en-US" sz="1000">
-                <a:solidFill>
-                  <a:srgbClr val="CE9178"/>
-                </a:solidFill>
-                <a:latin typeface="Droid Sans Mono"/>
-              </a:rPr>
-              <a:t>"</a:t>
-            </a:r>
-            <a:r>
-              <a:rPr lang="en-US" sz="1000">
+              <a:rPr lang="en-US" sz="800" b="0" dirty="0">
                 <a:solidFill>
                   <a:srgbClr val="CCCCCC"/>
                 </a:solidFill>
-                <a:latin typeface="Droid Sans Mono"/>
+                <a:effectLst/>
+                <a:latin typeface="Consolas" panose="020B0609020204030204" pitchFamily="49" charset="0"/>
+              </a:rPr>
+              <a:t>    </a:t>
+            </a:r>
+            <a:r>
+              <a:rPr lang="en-US" sz="800" b="0" dirty="0">
+                <a:solidFill>
+                  <a:srgbClr val="CE9178"/>
+                </a:solidFill>
+                <a:effectLst/>
+                <a:latin typeface="Consolas" panose="020B0609020204030204" pitchFamily="49" charset="0"/>
+              </a:rPr>
+              <a:t>"Diagnosis identifies Disease"</a:t>
+            </a:r>
+            <a:r>
+              <a:rPr lang="en-US" sz="800" b="0" dirty="0">
+                <a:solidFill>
+                  <a:srgbClr val="CCCCCC"/>
+                </a:solidFill>
+                <a:effectLst/>
+                <a:latin typeface="Consolas" panose="020B0609020204030204" pitchFamily="49" charset="0"/>
               </a:rPr>
               <a:t>,</a:t>
             </a:r>
           </a:p>
           <a:p>
             <a:r>
-              <a:rPr lang="en-US" sz="1000">
-                <a:solidFill>
-                  <a:srgbClr val="CE9178"/>
-                </a:solidFill>
-                <a:latin typeface="Droid Sans Mono"/>
-              </a:rPr>
-              <a:t>"Diagnosis identifies Disease"</a:t>
-            </a:r>
-            <a:r>
-              <a:rPr lang="en-US" sz="1000">
+              <a:rPr lang="en-US" sz="800" b="0" dirty="0">
                 <a:solidFill>
                   <a:srgbClr val="CCCCCC"/>
                 </a:solidFill>
-                <a:latin typeface="Droid Sans Mono"/>
+                <a:effectLst/>
+                <a:latin typeface="Consolas" panose="020B0609020204030204" pitchFamily="49" charset="0"/>
+              </a:rPr>
+              <a:t>    </a:t>
+            </a:r>
+            <a:r>
+              <a:rPr lang="en-US" sz="800" b="0" dirty="0">
+                <a:solidFill>
+                  <a:srgbClr val="CE9178"/>
+                </a:solidFill>
+                <a:effectLst/>
+                <a:latin typeface="Consolas" panose="020B0609020204030204" pitchFamily="49" charset="0"/>
+              </a:rPr>
+              <a:t>"Patient </a:t>
+            </a:r>
+            <a:r>
+              <a:rPr lang="en-US" sz="800" b="0" dirty="0" err="1">
+                <a:solidFill>
+                  <a:srgbClr val="CE9178"/>
+                </a:solidFill>
+                <a:effectLst/>
+                <a:latin typeface="Consolas" panose="020B0609020204030204" pitchFamily="49" charset="0"/>
+              </a:rPr>
+              <a:t>hasDiagnosis</a:t>
+            </a:r>
+            <a:r>
+              <a:rPr lang="en-US" sz="800" b="0" dirty="0">
+                <a:solidFill>
+                  <a:srgbClr val="CE9178"/>
+                </a:solidFill>
+                <a:effectLst/>
+                <a:latin typeface="Consolas" panose="020B0609020204030204" pitchFamily="49" charset="0"/>
+              </a:rPr>
+              <a:t> Diagnosis"</a:t>
+            </a:r>
+            <a:r>
+              <a:rPr lang="en-US" sz="800" b="0" dirty="0">
+                <a:solidFill>
+                  <a:srgbClr val="CCCCCC"/>
+                </a:solidFill>
+                <a:effectLst/>
+                <a:latin typeface="Consolas" panose="020B0609020204030204" pitchFamily="49" charset="0"/>
               </a:rPr>
               <a:t>,</a:t>
             </a:r>
           </a:p>
           <a:p>
             <a:r>
-              <a:rPr lang="en-US" sz="1000">
-                <a:solidFill>
-                  <a:srgbClr val="CE9178"/>
-                </a:solidFill>
-                <a:latin typeface="Droid Sans Mono"/>
-              </a:rPr>
-              <a:t>"Patient </a:t>
-            </a:r>
-            <a:r>
-              <a:rPr lang="en-US" sz="1000" err="1">
-                <a:solidFill>
-                  <a:srgbClr val="CE9178"/>
-                </a:solidFill>
-                <a:latin typeface="Droid Sans Mono"/>
-              </a:rPr>
-              <a:t>hasDiagnosis</a:t>
-            </a:r>
-            <a:r>
-              <a:rPr lang="en-US" sz="1000">
-                <a:solidFill>
-                  <a:srgbClr val="CE9178"/>
-                </a:solidFill>
-                <a:latin typeface="Droid Sans Mono"/>
+              <a:rPr lang="en-US" sz="800" b="0" dirty="0">
+                <a:solidFill>
+                  <a:srgbClr val="CCCCCC"/>
+                </a:solidFill>
+                <a:effectLst/>
+                <a:latin typeface="Consolas" panose="020B0609020204030204" pitchFamily="49" charset="0"/>
+              </a:rPr>
+              <a:t>    </a:t>
+            </a:r>
+            <a:r>
+              <a:rPr lang="en-US" sz="800" b="0" dirty="0">
+                <a:solidFill>
+                  <a:srgbClr val="CE9178"/>
+                </a:solidFill>
+                <a:effectLst/>
+                <a:latin typeface="Consolas" panose="020B0609020204030204" pitchFamily="49" charset="0"/>
+              </a:rPr>
+              <a:t>"Treatment </a:t>
+            </a:r>
+            <a:r>
+              <a:rPr lang="en-US" sz="800" b="0" dirty="0" err="1">
+                <a:solidFill>
+                  <a:srgbClr val="CE9178"/>
+                </a:solidFill>
+                <a:effectLst/>
+                <a:latin typeface="Consolas" panose="020B0609020204030204" pitchFamily="49" charset="0"/>
+              </a:rPr>
+              <a:t>treatmentFor</a:t>
+            </a:r>
+            <a:r>
+              <a:rPr lang="en-US" sz="800" b="0" dirty="0">
+                <a:solidFill>
+                  <a:srgbClr val="CE9178"/>
+                </a:solidFill>
+                <a:effectLst/>
+                <a:latin typeface="Consolas" panose="020B0609020204030204" pitchFamily="49" charset="0"/>
               </a:rPr>
               <a:t> Diagnosis"</a:t>
             </a:r>
-            <a:r>
-              <a:rPr lang="en-US" sz="1000">
-                <a:solidFill>
-                  <a:srgbClr val="CCCCCC"/>
-                </a:solidFill>
-                <a:latin typeface="Droid Sans Mono"/>
-              </a:rPr>
-              <a:t>,</a:t>
-            </a:r>
-          </a:p>
-          <a:p>
-            <a:r>
-              <a:rPr lang="en-US" sz="1000">
-                <a:solidFill>
-                  <a:srgbClr val="CE9178"/>
-                </a:solidFill>
-                <a:latin typeface="Droid Sans Mono"/>
-              </a:rPr>
-              <a:t>"Treatment </a:t>
-            </a:r>
-            <a:r>
-              <a:rPr lang="en-US" sz="1000" err="1">
-                <a:solidFill>
-                  <a:srgbClr val="CE9178"/>
-                </a:solidFill>
-                <a:latin typeface="Droid Sans Mono"/>
-              </a:rPr>
-              <a:t>treatmentFor</a:t>
-            </a:r>
-            <a:r>
-              <a:rPr lang="en-US" sz="1000">
-                <a:solidFill>
-                  <a:srgbClr val="CE9178"/>
-                </a:solidFill>
-                <a:latin typeface="Droid Sans Mono"/>
-              </a:rPr>
-              <a:t> Diagnosis"</a:t>
-            </a:r>
-          </a:p>
-          <a:p>
-            <a:r>
-              <a:rPr lang="en-US" sz="1000">
-                <a:solidFill>
-                  <a:srgbClr val="CCCCCC"/>
-                </a:solidFill>
-                <a:latin typeface="Droid Sans Mono"/>
-              </a:rPr>
-              <a:t>]</a:t>
-            </a:r>
-          </a:p>
-          <a:p>
-            <a:r>
-              <a:rPr lang="en-US" sz="1000" err="1">
-                <a:solidFill>
-                  <a:srgbClr val="CCCCCC"/>
-                </a:solidFill>
-                <a:latin typeface="Droid Sans Mono"/>
-              </a:rPr>
-              <a:t>sr</a:t>
-            </a:r>
-            <a:r>
-              <a:rPr lang="en-US" sz="1000">
-                <a:solidFill>
-                  <a:srgbClr val="CCCCCC"/>
-                </a:solidFill>
-                <a:latin typeface="Droid Sans Mono"/>
-              </a:rPr>
-              <a:t> </a:t>
-            </a:r>
-            <a:r>
-              <a:rPr lang="en-US" sz="1000">
-                <a:solidFill>
-                  <a:srgbClr val="D4D4D4"/>
-                </a:solidFill>
-                <a:latin typeface="Droid Sans Mono"/>
-              </a:rPr>
-              <a:t>=</a:t>
-            </a:r>
-            <a:r>
-              <a:rPr lang="en-US" sz="1000">
-                <a:solidFill>
-                  <a:srgbClr val="CCCCCC"/>
-                </a:solidFill>
-                <a:latin typeface="Droid Sans Mono"/>
-              </a:rPr>
-              <a:t> [</a:t>
-            </a:r>
-          </a:p>
-          <a:p>
-            <a:r>
-              <a:rPr lang="en-US" sz="1000">
-                <a:solidFill>
-                  <a:srgbClr val="CE9178"/>
-                </a:solidFill>
-                <a:latin typeface="Droid Sans Mono"/>
-              </a:rPr>
-              <a:t>"Diagnosis </a:t>
-            </a:r>
-            <a:r>
-              <a:rPr lang="en-US" sz="1000" err="1">
-                <a:solidFill>
-                  <a:srgbClr val="CE9178"/>
-                </a:solidFill>
-                <a:latin typeface="Droid Sans Mono"/>
-              </a:rPr>
-              <a:t>hasPrincipalDiagnosis</a:t>
-            </a:r>
-            <a:r>
-              <a:rPr lang="en-US" sz="1000">
-                <a:solidFill>
-                  <a:srgbClr val="CE9178"/>
-                </a:solidFill>
-                <a:latin typeface="Droid Sans Mono"/>
-              </a:rPr>
-              <a:t> </a:t>
-            </a:r>
-            <a:r>
-              <a:rPr lang="en-US" sz="1000" err="1">
-                <a:solidFill>
-                  <a:srgbClr val="CE9178"/>
-                </a:solidFill>
-                <a:latin typeface="Droid Sans Mono"/>
-              </a:rPr>
-              <a:t>PrincipalDiagnosis</a:t>
-            </a:r>
-            <a:r>
-              <a:rPr lang="en-US" sz="1000">
-                <a:solidFill>
-                  <a:srgbClr val="CE9178"/>
-                </a:solidFill>
-                <a:latin typeface="Droid Sans Mono"/>
-              </a:rPr>
-              <a:t>"</a:t>
-            </a:r>
-            <a:r>
-              <a:rPr lang="en-US" sz="1000">
-                <a:solidFill>
-                  <a:srgbClr val="CCCCCC"/>
-                </a:solidFill>
-                <a:latin typeface="Droid Sans Mono"/>
-              </a:rPr>
-              <a:t>,</a:t>
-            </a:r>
-          </a:p>
-          <a:p>
-            <a:r>
-              <a:rPr lang="en-US" sz="1000">
-                <a:solidFill>
-                  <a:srgbClr val="CE9178"/>
-                </a:solidFill>
-                <a:latin typeface="Droid Sans Mono"/>
-              </a:rPr>
-              <a:t>"Diagnosis </a:t>
-            </a:r>
-            <a:r>
-              <a:rPr lang="en-US" sz="1000" err="1">
-                <a:solidFill>
-                  <a:srgbClr val="CE9178"/>
-                </a:solidFill>
-                <a:latin typeface="Droid Sans Mono"/>
-              </a:rPr>
-              <a:t>hasDiagnosisTypes</a:t>
-            </a:r>
-            <a:r>
-              <a:rPr lang="en-US" sz="1000">
-                <a:solidFill>
-                  <a:srgbClr val="CE9178"/>
-                </a:solidFill>
-                <a:latin typeface="Droid Sans Mono"/>
-              </a:rPr>
-              <a:t> </a:t>
-            </a:r>
-            <a:r>
-              <a:rPr lang="en-US" sz="1000" err="1">
-                <a:solidFill>
-                  <a:srgbClr val="CE9178"/>
-                </a:solidFill>
-                <a:latin typeface="Droid Sans Mono"/>
-              </a:rPr>
-              <a:t>DiagnosisTypes</a:t>
-            </a:r>
-            <a:r>
-              <a:rPr lang="en-US" sz="1000">
-                <a:solidFill>
-                  <a:srgbClr val="CE9178"/>
-                </a:solidFill>
-                <a:latin typeface="Droid Sans Mono"/>
-              </a:rPr>
-              <a:t>"</a:t>
-            </a:r>
-            <a:r>
-              <a:rPr lang="en-US" sz="1000">
-                <a:solidFill>
-                  <a:srgbClr val="CCCCCC"/>
-                </a:solidFill>
-                <a:latin typeface="Droid Sans Mono"/>
-              </a:rPr>
-              <a:t>,</a:t>
-            </a:r>
-          </a:p>
-          <a:p>
-            <a:r>
-              <a:rPr lang="en-US" sz="1000">
-                <a:solidFill>
-                  <a:srgbClr val="CE9178"/>
-                </a:solidFill>
-                <a:latin typeface="Droid Sans Mono"/>
-              </a:rPr>
-              <a:t>"Diagnosis identifies Disease"</a:t>
-            </a:r>
-            <a:r>
-              <a:rPr lang="en-US" sz="1000">
-                <a:solidFill>
-                  <a:srgbClr val="CCCCCC"/>
-                </a:solidFill>
-                <a:latin typeface="Droid Sans Mono"/>
-              </a:rPr>
-              <a:t>,</a:t>
-            </a:r>
-          </a:p>
-          <a:p>
-            <a:r>
-              <a:rPr lang="en-US" sz="1000">
-                <a:solidFill>
-                  <a:srgbClr val="CE9178"/>
-                </a:solidFill>
-                <a:latin typeface="Droid Sans Mono"/>
-              </a:rPr>
-              <a:t>"Diagnosis affects Body"</a:t>
-            </a:r>
-            <a:r>
-              <a:rPr lang="en-US" sz="1000">
-                <a:solidFill>
-                  <a:srgbClr val="CCCCCC"/>
-                </a:solidFill>
-                <a:latin typeface="Droid Sans Mono"/>
-              </a:rPr>
-              <a:t>,</a:t>
-            </a:r>
-          </a:p>
-          <a:p>
-            <a:r>
-              <a:rPr lang="en-US" sz="1000">
-                <a:solidFill>
-                  <a:srgbClr val="CE9178"/>
-                </a:solidFill>
-                <a:latin typeface="Droid Sans Mono"/>
-              </a:rPr>
-              <a:t>"Diagnosis </a:t>
-            </a:r>
-            <a:r>
-              <a:rPr lang="en-US" sz="1000" err="1">
-                <a:solidFill>
-                  <a:srgbClr val="CE9178"/>
-                </a:solidFill>
-                <a:latin typeface="Droid Sans Mono"/>
-              </a:rPr>
-              <a:t>isAssociatedWith</a:t>
-            </a:r>
-            <a:r>
-              <a:rPr lang="en-US" sz="1000">
-                <a:solidFill>
-                  <a:srgbClr val="CE9178"/>
-                </a:solidFill>
-                <a:latin typeface="Droid Sans Mono"/>
-              </a:rPr>
-              <a:t> Visit"</a:t>
-            </a:r>
-            <a:r>
-              <a:rPr lang="en-US" sz="1000">
-                <a:solidFill>
-                  <a:srgbClr val="CCCCCC"/>
-                </a:solidFill>
-                <a:latin typeface="Droid Sans Mono"/>
-              </a:rPr>
-              <a:t>,</a:t>
-            </a:r>
-          </a:p>
-          <a:p>
-            <a:r>
-              <a:rPr lang="en-US" sz="1000">
-                <a:solidFill>
-                  <a:srgbClr val="CE9178"/>
-                </a:solidFill>
-                <a:latin typeface="Droid Sans Mono"/>
-              </a:rPr>
-              <a:t>"Patient </a:t>
-            </a:r>
-            <a:r>
-              <a:rPr lang="en-US" sz="1000" err="1">
-                <a:solidFill>
-                  <a:srgbClr val="CE9178"/>
-                </a:solidFill>
-                <a:latin typeface="Droid Sans Mono"/>
-              </a:rPr>
-              <a:t>hasDiagnosis</a:t>
-            </a:r>
-            <a:r>
-              <a:rPr lang="en-US" sz="1000">
-                <a:solidFill>
-                  <a:srgbClr val="CE9178"/>
-                </a:solidFill>
-                <a:latin typeface="Droid Sans Mono"/>
-              </a:rPr>
-              <a:t> Diagnosis"</a:t>
-            </a:r>
-            <a:r>
-              <a:rPr lang="en-US" sz="1000">
-                <a:solidFill>
-                  <a:srgbClr val="CCCCCC"/>
-                </a:solidFill>
-                <a:latin typeface="Droid Sans Mono"/>
-              </a:rPr>
-              <a:t>,</a:t>
-            </a:r>
-          </a:p>
-          <a:p>
-            <a:r>
-              <a:rPr lang="en-US" sz="1000">
-                <a:solidFill>
-                  <a:srgbClr val="CCCCCC"/>
-                </a:solidFill>
-                <a:latin typeface="Droid Sans Mono"/>
-              </a:rPr>
-              <a:t>]</a:t>
-            </a:r>
-          </a:p>
-          <a:p>
-            <a:endParaRPr lang="en-US">
+            <a:endParaRPr lang="en-US" sz="800" b="0" dirty="0">
               <a:solidFill>
                 <a:srgbClr val="CCCCCC"/>
               </a:solidFill>
-              <a:latin typeface="Droid Sans Mono"/>
+              <a:effectLst/>
+              <a:latin typeface="Consolas" panose="020B0609020204030204" pitchFamily="49" charset="0"/>
             </a:endParaRPr>
           </a:p>
           <a:p>
-            <a:endParaRPr lang="en-US">
-              <a:solidFill>
-                <a:srgbClr val="CCCCCC"/>
-              </a:solidFill>
-              <a:latin typeface="Droid Sans Mono"/>
-            </a:endParaRPr>
+            <a:r>
+              <a:rPr lang="en-US" sz="800" b="0" dirty="0">
+                <a:solidFill>
+                  <a:srgbClr val="CCCCCC"/>
+                </a:solidFill>
+                <a:effectLst/>
+                <a:latin typeface="Consolas" panose="020B0609020204030204" pitchFamily="49" charset="0"/>
+              </a:rPr>
+              <a:t>]</a:t>
+            </a:r>
+          </a:p>
+          <a:p>
+            <a:r>
+              <a:rPr lang="en-US" sz="800" b="0" dirty="0" err="1">
+                <a:solidFill>
+                  <a:srgbClr val="9CDCFE"/>
+                </a:solidFill>
+                <a:effectLst/>
+                <a:latin typeface="Consolas" panose="020B0609020204030204" pitchFamily="49" charset="0"/>
+              </a:rPr>
+              <a:t>sr</a:t>
+            </a:r>
+            <a:r>
+              <a:rPr lang="en-US" sz="800" b="0" dirty="0">
+                <a:solidFill>
+                  <a:srgbClr val="CCCCCC"/>
+                </a:solidFill>
+                <a:effectLst/>
+                <a:latin typeface="Consolas" panose="020B0609020204030204" pitchFamily="49" charset="0"/>
+              </a:rPr>
+              <a:t> </a:t>
+            </a:r>
+            <a:r>
+              <a:rPr lang="en-US" sz="800" b="0" dirty="0">
+                <a:solidFill>
+                  <a:srgbClr val="D4D4D4"/>
+                </a:solidFill>
+                <a:effectLst/>
+                <a:latin typeface="Consolas" panose="020B0609020204030204" pitchFamily="49" charset="0"/>
+              </a:rPr>
+              <a:t>=</a:t>
+            </a:r>
+            <a:r>
+              <a:rPr lang="en-US" sz="800" b="0" dirty="0">
+                <a:solidFill>
+                  <a:srgbClr val="CCCCCC"/>
+                </a:solidFill>
+                <a:effectLst/>
+                <a:latin typeface="Consolas" panose="020B0609020204030204" pitchFamily="49" charset="0"/>
+              </a:rPr>
+              <a:t> [</a:t>
+            </a:r>
+          </a:p>
+          <a:p>
+            <a:r>
+              <a:rPr lang="en-US" sz="800" b="0" dirty="0">
+                <a:solidFill>
+                  <a:srgbClr val="CCCCCC"/>
+                </a:solidFill>
+                <a:effectLst/>
+                <a:latin typeface="Consolas" panose="020B0609020204030204" pitchFamily="49" charset="0"/>
+              </a:rPr>
+              <a:t>    </a:t>
+            </a:r>
+            <a:r>
+              <a:rPr lang="en-US" sz="800" b="0" dirty="0">
+                <a:solidFill>
+                  <a:srgbClr val="CE9178"/>
+                </a:solidFill>
+                <a:effectLst/>
+                <a:latin typeface="Consolas" panose="020B0609020204030204" pitchFamily="49" charset="0"/>
+              </a:rPr>
+              <a:t>"Diagnosis </a:t>
+            </a:r>
+            <a:r>
+              <a:rPr lang="en-US" sz="800" b="0" dirty="0" err="1">
+                <a:solidFill>
+                  <a:srgbClr val="CE9178"/>
+                </a:solidFill>
+                <a:effectLst/>
+                <a:latin typeface="Consolas" panose="020B0609020204030204" pitchFamily="49" charset="0"/>
+              </a:rPr>
+              <a:t>hasPrincipalDiagnosis</a:t>
+            </a:r>
+            <a:r>
+              <a:rPr lang="en-US" sz="800" b="0" dirty="0">
+                <a:solidFill>
+                  <a:srgbClr val="CE9178"/>
+                </a:solidFill>
+                <a:effectLst/>
+                <a:latin typeface="Consolas" panose="020B0609020204030204" pitchFamily="49" charset="0"/>
+              </a:rPr>
+              <a:t> </a:t>
+            </a:r>
+            <a:r>
+              <a:rPr lang="en-US" sz="800" b="0" dirty="0" err="1">
+                <a:solidFill>
+                  <a:srgbClr val="CE9178"/>
+                </a:solidFill>
+                <a:effectLst/>
+                <a:latin typeface="Consolas" panose="020B0609020204030204" pitchFamily="49" charset="0"/>
+              </a:rPr>
+              <a:t>PrincipalDiagnosis</a:t>
+            </a:r>
+            <a:r>
+              <a:rPr lang="en-US" sz="800" b="0" dirty="0">
+                <a:solidFill>
+                  <a:srgbClr val="CE9178"/>
+                </a:solidFill>
+                <a:effectLst/>
+                <a:latin typeface="Consolas" panose="020B0609020204030204" pitchFamily="49" charset="0"/>
+              </a:rPr>
+              <a:t>"</a:t>
+            </a:r>
+            <a:r>
+              <a:rPr lang="en-US" sz="800" b="0" dirty="0">
+                <a:solidFill>
+                  <a:srgbClr val="CCCCCC"/>
+                </a:solidFill>
+                <a:effectLst/>
+                <a:latin typeface="Consolas" panose="020B0609020204030204" pitchFamily="49" charset="0"/>
+              </a:rPr>
+              <a:t>,</a:t>
+            </a:r>
+          </a:p>
+          <a:p>
+            <a:r>
+              <a:rPr lang="en-US" sz="800" b="0" dirty="0">
+                <a:solidFill>
+                  <a:srgbClr val="CCCCCC"/>
+                </a:solidFill>
+                <a:effectLst/>
+                <a:latin typeface="Consolas" panose="020B0609020204030204" pitchFamily="49" charset="0"/>
+              </a:rPr>
+              <a:t>    </a:t>
+            </a:r>
+            <a:r>
+              <a:rPr lang="en-US" sz="800" b="0" dirty="0">
+                <a:solidFill>
+                  <a:srgbClr val="CE9178"/>
+                </a:solidFill>
+                <a:effectLst/>
+                <a:latin typeface="Consolas" panose="020B0609020204030204" pitchFamily="49" charset="0"/>
+              </a:rPr>
+              <a:t>"Diagnosis </a:t>
+            </a:r>
+            <a:r>
+              <a:rPr lang="en-US" sz="800" b="0" dirty="0" err="1">
+                <a:solidFill>
+                  <a:srgbClr val="CE9178"/>
+                </a:solidFill>
+                <a:effectLst/>
+                <a:latin typeface="Consolas" panose="020B0609020204030204" pitchFamily="49" charset="0"/>
+              </a:rPr>
+              <a:t>hasDiagnosisTypes</a:t>
+            </a:r>
+            <a:r>
+              <a:rPr lang="en-US" sz="800" b="0" dirty="0">
+                <a:solidFill>
+                  <a:srgbClr val="CE9178"/>
+                </a:solidFill>
+                <a:effectLst/>
+                <a:latin typeface="Consolas" panose="020B0609020204030204" pitchFamily="49" charset="0"/>
+              </a:rPr>
+              <a:t> </a:t>
+            </a:r>
+            <a:r>
+              <a:rPr lang="en-US" sz="800" b="0" dirty="0" err="1">
+                <a:solidFill>
+                  <a:srgbClr val="CE9178"/>
+                </a:solidFill>
+                <a:effectLst/>
+                <a:latin typeface="Consolas" panose="020B0609020204030204" pitchFamily="49" charset="0"/>
+              </a:rPr>
+              <a:t>DiagnosisTypes</a:t>
+            </a:r>
+            <a:r>
+              <a:rPr lang="en-US" sz="800" b="0" dirty="0">
+                <a:solidFill>
+                  <a:srgbClr val="CE9178"/>
+                </a:solidFill>
+                <a:effectLst/>
+                <a:latin typeface="Consolas" panose="020B0609020204030204" pitchFamily="49" charset="0"/>
+              </a:rPr>
+              <a:t>"</a:t>
+            </a:r>
+            <a:r>
+              <a:rPr lang="en-US" sz="800" b="0" dirty="0">
+                <a:solidFill>
+                  <a:srgbClr val="CCCCCC"/>
+                </a:solidFill>
+                <a:effectLst/>
+                <a:latin typeface="Consolas" panose="020B0609020204030204" pitchFamily="49" charset="0"/>
+              </a:rPr>
+              <a:t>,</a:t>
+            </a:r>
+          </a:p>
+          <a:p>
+            <a:r>
+              <a:rPr lang="en-US" sz="800" b="0" dirty="0">
+                <a:solidFill>
+                  <a:srgbClr val="CCCCCC"/>
+                </a:solidFill>
+                <a:effectLst/>
+                <a:latin typeface="Consolas" panose="020B0609020204030204" pitchFamily="49" charset="0"/>
+              </a:rPr>
+              <a:t>    </a:t>
+            </a:r>
+            <a:r>
+              <a:rPr lang="en-US" sz="800" b="0" dirty="0">
+                <a:solidFill>
+                  <a:srgbClr val="CE9178"/>
+                </a:solidFill>
+                <a:effectLst/>
+                <a:latin typeface="Consolas" panose="020B0609020204030204" pitchFamily="49" charset="0"/>
+              </a:rPr>
+              <a:t>"Diagnosis identifies Disease"</a:t>
+            </a:r>
+            <a:r>
+              <a:rPr lang="en-US" sz="800" b="0" dirty="0">
+                <a:solidFill>
+                  <a:srgbClr val="CCCCCC"/>
+                </a:solidFill>
+                <a:effectLst/>
+                <a:latin typeface="Consolas" panose="020B0609020204030204" pitchFamily="49" charset="0"/>
+              </a:rPr>
+              <a:t>,</a:t>
+            </a:r>
+          </a:p>
+          <a:p>
+            <a:r>
+              <a:rPr lang="en-US" sz="800" b="0" dirty="0">
+                <a:solidFill>
+                  <a:srgbClr val="CCCCCC"/>
+                </a:solidFill>
+                <a:effectLst/>
+                <a:latin typeface="Consolas" panose="020B0609020204030204" pitchFamily="49" charset="0"/>
+              </a:rPr>
+              <a:t>    </a:t>
+            </a:r>
+            <a:r>
+              <a:rPr lang="en-US" sz="800" b="0" dirty="0">
+                <a:solidFill>
+                  <a:srgbClr val="CE9178"/>
+                </a:solidFill>
+                <a:effectLst/>
+                <a:latin typeface="Consolas" panose="020B0609020204030204" pitchFamily="49" charset="0"/>
+              </a:rPr>
+              <a:t>"Diagnosis affects Body"</a:t>
+            </a:r>
+            <a:r>
+              <a:rPr lang="en-US" sz="800" b="0" dirty="0">
+                <a:solidFill>
+                  <a:srgbClr val="CCCCCC"/>
+                </a:solidFill>
+                <a:effectLst/>
+                <a:latin typeface="Consolas" panose="020B0609020204030204" pitchFamily="49" charset="0"/>
+              </a:rPr>
+              <a:t>,</a:t>
+            </a:r>
+          </a:p>
+          <a:p>
+            <a:r>
+              <a:rPr lang="en-US" sz="800" b="0" dirty="0">
+                <a:solidFill>
+                  <a:srgbClr val="CCCCCC"/>
+                </a:solidFill>
+                <a:effectLst/>
+                <a:latin typeface="Consolas" panose="020B0609020204030204" pitchFamily="49" charset="0"/>
+              </a:rPr>
+              <a:t>    </a:t>
+            </a:r>
+            <a:r>
+              <a:rPr lang="en-US" sz="800" b="0" dirty="0">
+                <a:solidFill>
+                  <a:srgbClr val="CE9178"/>
+                </a:solidFill>
+                <a:effectLst/>
+                <a:latin typeface="Consolas" panose="020B0609020204030204" pitchFamily="49" charset="0"/>
+              </a:rPr>
+              <a:t>"Diagnosis </a:t>
+            </a:r>
+            <a:r>
+              <a:rPr lang="en-US" sz="800" b="0" dirty="0" err="1">
+                <a:solidFill>
+                  <a:srgbClr val="CE9178"/>
+                </a:solidFill>
+                <a:effectLst/>
+                <a:latin typeface="Consolas" panose="020B0609020204030204" pitchFamily="49" charset="0"/>
+              </a:rPr>
+              <a:t>isAssociatedWith</a:t>
+            </a:r>
+            <a:r>
+              <a:rPr lang="en-US" sz="800" b="0" dirty="0">
+                <a:solidFill>
+                  <a:srgbClr val="CE9178"/>
+                </a:solidFill>
+                <a:effectLst/>
+                <a:latin typeface="Consolas" panose="020B0609020204030204" pitchFamily="49" charset="0"/>
+              </a:rPr>
+              <a:t> Visit"</a:t>
+            </a:r>
+            <a:r>
+              <a:rPr lang="en-US" sz="800" b="0" dirty="0">
+                <a:solidFill>
+                  <a:srgbClr val="CCCCCC"/>
+                </a:solidFill>
+                <a:effectLst/>
+                <a:latin typeface="Consolas" panose="020B0609020204030204" pitchFamily="49" charset="0"/>
+              </a:rPr>
+              <a:t>,</a:t>
+            </a:r>
+          </a:p>
+          <a:p>
+            <a:r>
+              <a:rPr lang="en-US" sz="800" b="0" dirty="0">
+                <a:solidFill>
+                  <a:srgbClr val="CCCCCC"/>
+                </a:solidFill>
+                <a:effectLst/>
+                <a:latin typeface="Consolas" panose="020B0609020204030204" pitchFamily="49" charset="0"/>
+              </a:rPr>
+              <a:t>    </a:t>
+            </a:r>
+            <a:r>
+              <a:rPr lang="en-US" sz="800" b="0" dirty="0">
+                <a:solidFill>
+                  <a:srgbClr val="CE9178"/>
+                </a:solidFill>
+                <a:effectLst/>
+                <a:latin typeface="Consolas" panose="020B0609020204030204" pitchFamily="49" charset="0"/>
+              </a:rPr>
+              <a:t>"Patient </a:t>
+            </a:r>
+            <a:r>
+              <a:rPr lang="en-US" sz="800" b="0" dirty="0" err="1">
+                <a:solidFill>
+                  <a:srgbClr val="CE9178"/>
+                </a:solidFill>
+                <a:effectLst/>
+                <a:latin typeface="Consolas" panose="020B0609020204030204" pitchFamily="49" charset="0"/>
+              </a:rPr>
+              <a:t>hasDiagnosis</a:t>
+            </a:r>
+            <a:r>
+              <a:rPr lang="en-US" sz="800" b="0" dirty="0">
+                <a:solidFill>
+                  <a:srgbClr val="CE9178"/>
+                </a:solidFill>
+                <a:effectLst/>
+                <a:latin typeface="Consolas" panose="020B0609020204030204" pitchFamily="49" charset="0"/>
+              </a:rPr>
+              <a:t> Diagnosis"</a:t>
+            </a:r>
+            <a:r>
+              <a:rPr lang="en-US" sz="800" b="0" dirty="0">
+                <a:solidFill>
+                  <a:srgbClr val="CCCCCC"/>
+                </a:solidFill>
+                <a:effectLst/>
+                <a:latin typeface="Consolas" panose="020B0609020204030204" pitchFamily="49" charset="0"/>
+              </a:rPr>
+              <a:t>,</a:t>
+            </a:r>
+          </a:p>
+          <a:p>
+            <a:r>
+              <a:rPr lang="en-US" sz="800" b="0" dirty="0">
+                <a:solidFill>
+                  <a:srgbClr val="CCCCCC"/>
+                </a:solidFill>
+                <a:effectLst/>
+                <a:latin typeface="Consolas" panose="020B0609020204030204" pitchFamily="49" charset="0"/>
+              </a:rPr>
+              <a:t>]</a:t>
+            </a:r>
           </a:p>
         </p:txBody>
       </p:sp>
@@ -7287,153 +7750,6 @@
           <p:cNvPr id="2" name="Title 1">
             <a:extLst>
               <a:ext uri="{FF2B5EF4-FFF2-40B4-BE49-F238E27FC236}">
-                <a16:creationId xmlns:a16="http://schemas.microsoft.com/office/drawing/2014/main" id="{FE568C62-30C4-D07F-F7B6-F9138CC21369}"/>
-              </a:ext>
-            </a:extLst>
-          </p:cNvPr>
-          <p:cNvSpPr>
-            <a:spLocks noGrp="1"/>
-          </p:cNvSpPr>
-          <p:nvPr>
-            <p:ph type="title"/>
-          </p:nvPr>
-        </p:nvSpPr>
-        <p:spPr/>
-        <p:txBody>
-          <a:bodyPr/>
-          <a:lstStyle/>
-          <a:p>
-            <a:r>
-              <a:rPr lang="en-US"/>
-              <a:t>Competency Questions</a:t>
-            </a:r>
-          </a:p>
-        </p:txBody>
-      </p:sp>
-      <p:sp>
-        <p:nvSpPr>
-          <p:cNvPr id="3" name="Content Placeholder 2">
-            <a:extLst>
-              <a:ext uri="{FF2B5EF4-FFF2-40B4-BE49-F238E27FC236}">
-                <a16:creationId xmlns:a16="http://schemas.microsoft.com/office/drawing/2014/main" id="{179B8761-9103-BD21-8CA8-1C0580E1D23F}"/>
-              </a:ext>
-            </a:extLst>
-          </p:cNvPr>
-          <p:cNvSpPr>
-            <a:spLocks noGrp="1"/>
-          </p:cNvSpPr>
-          <p:nvPr>
-            <p:ph idx="1"/>
-          </p:nvPr>
-        </p:nvSpPr>
-        <p:spPr/>
-        <p:txBody>
-          <a:bodyPr vert="horz" lIns="91440" tIns="45720" rIns="91440" bIns="45720" rtlCol="0" anchor="t">
-            <a:normAutofit lnSpcReduction="10000"/>
-          </a:bodyPr>
-          <a:lstStyle/>
-          <a:p>
-            <a:r>
-              <a:rPr lang="en-US">
-                <a:ea typeface="+mn-lt"/>
-                <a:cs typeface="+mn-lt"/>
-              </a:rPr>
-              <a:t>How have hospitalizations for motor vehicle vs bicycle injuries changed over the past 5-10 years? Does a patient's sociodemographic factors affect outcomes of hospitalization?</a:t>
-            </a:r>
-          </a:p>
-          <a:p>
-            <a:r>
-              <a:rPr lang="en-US">
-                <a:ea typeface="+mn-lt"/>
-                <a:cs typeface="+mn-lt"/>
-              </a:rPr>
-              <a:t>Are there differences in  surgical trauma outcomes between those who are trans vs cis?</a:t>
-            </a:r>
-          </a:p>
-          <a:p>
-            <a:r>
-              <a:rPr lang="en-US">
-                <a:ea typeface="+mn-lt"/>
-                <a:cs typeface="+mn-lt"/>
-              </a:rPr>
-              <a:t>How have patterns of blood transfusions changed over the past 5-10 years? Has the use of whole blood increase over the past 5-10 years and if so in which kinds of cases are these?</a:t>
-            </a:r>
-          </a:p>
-          <a:p>
-            <a:r>
-              <a:rPr lang="en-US">
-                <a:ea typeface="+mn-lt"/>
-                <a:cs typeface="+mn-lt"/>
-              </a:rPr>
-              <a:t>How often do pediatric trauma hospitalizations return to the emergency department within 28 days and are there factors that might help us predict these occurrences?</a:t>
-            </a:r>
-          </a:p>
-        </p:txBody>
-      </p:sp>
-      <p:sp>
-        <p:nvSpPr>
-          <p:cNvPr id="4" name="Slide Number Placeholder 3">
-            <a:extLst>
-              <a:ext uri="{FF2B5EF4-FFF2-40B4-BE49-F238E27FC236}">
-                <a16:creationId xmlns:a16="http://schemas.microsoft.com/office/drawing/2014/main" id="{EB6CC26D-FC65-9F2A-866B-D0228E92D3E0}"/>
-              </a:ext>
-            </a:extLst>
-          </p:cNvPr>
-          <p:cNvSpPr>
-            <a:spLocks noGrp="1"/>
-          </p:cNvSpPr>
-          <p:nvPr>
-            <p:ph type="sldNum" sz="quarter" idx="12"/>
-          </p:nvPr>
-        </p:nvSpPr>
-        <p:spPr/>
-        <p:txBody>
-          <a:bodyPr/>
-          <a:lstStyle/>
-          <a:p>
-            <a:fld id="{330EA680-D336-4FF7-8B7A-9848BB0A1C32}" type="slidenum">
-              <a:rPr lang="en-US" smtClean="0"/>
-              <a:t>20</a:t>
-            </a:fld>
-            <a:endParaRPr lang="en-US"/>
-          </a:p>
-        </p:txBody>
-      </p:sp>
-    </p:spTree>
-    <p:extLst>
-      <p:ext uri="{BB962C8B-B14F-4D97-AF65-F5344CB8AC3E}">
-        <p14:creationId xmlns:p14="http://schemas.microsoft.com/office/powerpoint/2010/main" val="1224668099"/>
-      </p:ext>
-    </p:extLst>
-  </p:cSld>
-  <p:clrMapOvr>
-    <a:masterClrMapping/>
-  </p:clrMapOvr>
-</p:sld>
-</file>
-
-<file path=ppt/slides/slide21.xml><?xml version="1.0" encoding="utf-8"?>
-<p:sld xmlns:a="http://schemas.openxmlformats.org/drawingml/2006/main" xmlns:r="http://schemas.openxmlformats.org/officeDocument/2006/relationships" xmlns:p="http://schemas.openxmlformats.org/presentationml/2006/main">
-  <p:cSld>
-    <p:spTree>
-      <p:nvGrpSpPr>
-        <p:cNvPr id="1" name=""/>
-        <p:cNvGrpSpPr/>
-        <p:nvPr/>
-      </p:nvGrpSpPr>
-      <p:grpSpPr>
-        <a:xfrm>
-          <a:off x="0" y="0"/>
-          <a:ext cx="0" cy="0"/>
-          <a:chOff x="0" y="0"/>
-          <a:chExt cx="0" cy="0"/>
-        </a:xfrm>
-      </p:grpSpPr>
-      <p:sp>
-        <p:nvSpPr>
-          <p:cNvPr id="2" name="Title 1">
-            <a:extLst>
-              <a:ext uri="{FF2B5EF4-FFF2-40B4-BE49-F238E27FC236}">
                 <a16:creationId xmlns:a16="http://schemas.microsoft.com/office/drawing/2014/main" id="{6DC6742A-9651-CF1D-FA1E-79BF99C30E66}"/>
               </a:ext>
             </a:extLst>
@@ -7523,7 +7839,7 @@
           <a:p>
             <a:fld id="{330EA680-D336-4FF7-8B7A-9848BB0A1C32}" type="slidenum">
               <a:rPr lang="en-US" smtClean="0"/>
-              <a:t>21</a:t>
+              <a:t>20</a:t>
             </a:fld>
             <a:endParaRPr lang="en-US"/>
           </a:p>
@@ -7542,7 +7858,7 @@
 </p:sld>
 </file>
 
-<file path=ppt/slides/slide22.xml><?xml version="1.0" encoding="utf-8"?>
+<file path=ppt/slides/slide21.xml><?xml version="1.0" encoding="utf-8"?>
 <p:sld xmlns:a="http://schemas.openxmlformats.org/drawingml/2006/main" xmlns:r="http://schemas.openxmlformats.org/officeDocument/2006/relationships" xmlns:p="http://schemas.openxmlformats.org/presentationml/2006/main">
   <p:cSld>
     <p:spTree>
@@ -7714,7 +8030,7 @@
           <a:p>
             <a:fld id="{330EA680-D336-4FF7-8B7A-9848BB0A1C32}" type="slidenum">
               <a:rPr lang="en-US" smtClean="0"/>
-              <a:t>22</a:t>
+              <a:t>21</a:t>
             </a:fld>
             <a:endParaRPr lang="en-US"/>
           </a:p>
@@ -7733,7 +8049,7 @@
 </p:sld>
 </file>
 
-<file path=ppt/slides/slide23.xml><?xml version="1.0" encoding="utf-8"?>
+<file path=ppt/slides/slide22.xml><?xml version="1.0" encoding="utf-8"?>
 <p:sld xmlns:a="http://schemas.openxmlformats.org/drawingml/2006/main" xmlns:r="http://schemas.openxmlformats.org/officeDocument/2006/relationships" xmlns:p="http://schemas.openxmlformats.org/presentationml/2006/main">
   <p:cSld>
     <p:spTree>
@@ -8089,7 +8405,7 @@
           <a:p>
             <a:fld id="{330EA680-D336-4FF7-8B7A-9848BB0A1C32}" type="slidenum">
               <a:rPr lang="en-US" smtClean="0"/>
-              <a:t>23</a:t>
+              <a:t>22</a:t>
             </a:fld>
             <a:endParaRPr lang="en-US"/>
           </a:p>
@@ -8099,6 +8415,208 @@
     <p:extLst>
       <p:ext uri="{BB962C8B-B14F-4D97-AF65-F5344CB8AC3E}">
         <p14:creationId xmlns:p14="http://schemas.microsoft.com/office/powerpoint/2010/main" val="697280309"/>
+      </p:ext>
+    </p:extLst>
+  </p:cSld>
+  <p:clrMapOvr>
+    <a:masterClrMapping/>
+  </p:clrMapOvr>
+</p:sld>
+</file>
+
+<file path=ppt/slides/slide23.xml><?xml version="1.0" encoding="utf-8"?>
+<p:sld xmlns:a="http://schemas.openxmlformats.org/drawingml/2006/main" xmlns:r="http://schemas.openxmlformats.org/officeDocument/2006/relationships" xmlns:p="http://schemas.openxmlformats.org/presentationml/2006/main">
+  <p:cSld>
+    <p:spTree>
+      <p:nvGrpSpPr>
+        <p:cNvPr id="1" name=""/>
+        <p:cNvGrpSpPr/>
+        <p:nvPr/>
+      </p:nvGrpSpPr>
+      <p:grpSpPr>
+        <a:xfrm>
+          <a:off x="0" y="0"/>
+          <a:ext cx="0" cy="0"/>
+          <a:chOff x="0" y="0"/>
+          <a:chExt cx="0" cy="0"/>
+        </a:xfrm>
+      </p:grpSpPr>
+      <p:sp>
+        <p:nvSpPr>
+          <p:cNvPr id="2" name="Title 1">
+            <a:extLst>
+              <a:ext uri="{FF2B5EF4-FFF2-40B4-BE49-F238E27FC236}">
+                <a16:creationId xmlns:a16="http://schemas.microsoft.com/office/drawing/2014/main" id="{E2AF4FD8-F402-E9C9-5B85-F21EB164E6C0}"/>
+              </a:ext>
+            </a:extLst>
+          </p:cNvPr>
+          <p:cNvSpPr>
+            <a:spLocks noGrp="1"/>
+          </p:cNvSpPr>
+          <p:nvPr>
+            <p:ph type="title"/>
+          </p:nvPr>
+        </p:nvSpPr>
+        <p:spPr/>
+        <p:txBody>
+          <a:bodyPr/>
+          <a:lstStyle/>
+          <a:p>
+            <a:r>
+              <a:rPr lang="en-US"/>
+              <a:t>Future Work</a:t>
+            </a:r>
+          </a:p>
+        </p:txBody>
+      </p:sp>
+      <p:sp>
+        <p:nvSpPr>
+          <p:cNvPr id="3" name="Content Placeholder 2">
+            <a:extLst>
+              <a:ext uri="{FF2B5EF4-FFF2-40B4-BE49-F238E27FC236}">
+                <a16:creationId xmlns:a16="http://schemas.microsoft.com/office/drawing/2014/main" id="{0CE51E26-F70D-54EE-A3B6-59B633928A87}"/>
+              </a:ext>
+            </a:extLst>
+          </p:cNvPr>
+          <p:cNvSpPr>
+            <a:spLocks noGrp="1"/>
+          </p:cNvSpPr>
+          <p:nvPr>
+            <p:ph idx="1"/>
+          </p:nvPr>
+        </p:nvSpPr>
+        <p:spPr/>
+        <p:txBody>
+          <a:bodyPr vert="horz" lIns="91440" tIns="45720" rIns="91440" bIns="45720" rtlCol="0" anchor="t">
+            <a:normAutofit lnSpcReduction="10000"/>
+          </a:bodyPr>
+          <a:lstStyle/>
+          <a:p>
+            <a:r>
+              <a:rPr lang="en-US" dirty="0"/>
+              <a:t>Refine ontology to address errors and concerns noted in axiomatization and materialization phases</a:t>
+            </a:r>
+          </a:p>
+          <a:p>
+            <a:r>
+              <a:rPr lang="en-US" dirty="0"/>
+              <a:t>Expansion of ontology to represent more concepts or better represent existing concepts</a:t>
+            </a:r>
+          </a:p>
+          <a:p>
+            <a:pPr lvl="1">
+              <a:buFont typeface="Courier New" panose="020B0604020202020204" pitchFamily="34" charset="0"/>
+              <a:buChar char="o"/>
+            </a:pPr>
+            <a:r>
+              <a:rPr lang="en-US" dirty="0"/>
+              <a:t>Separate Labs and Imaging</a:t>
+            </a:r>
+          </a:p>
+          <a:p>
+            <a:pPr lvl="1">
+              <a:buFont typeface="Courier New" panose="020B0604020202020204" pitchFamily="34" charset="0"/>
+              <a:buChar char="o"/>
+            </a:pPr>
+            <a:r>
+              <a:rPr lang="en-US" dirty="0" err="1"/>
+              <a:t>PatientType</a:t>
+            </a:r>
+            <a:r>
+              <a:rPr lang="en-US" dirty="0"/>
+              <a:t> and </a:t>
+            </a:r>
+            <a:r>
+              <a:rPr lang="en-US" dirty="0" err="1"/>
+              <a:t>PriorityOfAdmission</a:t>
+            </a:r>
+            <a:r>
+              <a:rPr lang="en-US" dirty="0"/>
+              <a:t> as controlled vocabularies</a:t>
+            </a:r>
+          </a:p>
+          <a:p>
+            <a:r>
+              <a:rPr lang="en-US" dirty="0"/>
+              <a:t>Expand or finetune use cases by incorporating more data</a:t>
+            </a:r>
+          </a:p>
+          <a:p>
+            <a:pPr lvl="1">
+              <a:buFont typeface="Courier New" panose="020B0604020202020204" pitchFamily="34" charset="0"/>
+              <a:buChar char="o"/>
+            </a:pPr>
+            <a:r>
+              <a:rPr lang="en-US" dirty="0"/>
+              <a:t>E.g., specific patient demographics, mental health information, </a:t>
+            </a:r>
+            <a:r>
+              <a:rPr lang="en-US" dirty="0" err="1"/>
+              <a:t>etc</a:t>
+            </a:r>
+            <a:endParaRPr lang="en-US" dirty="0"/>
+          </a:p>
+          <a:p>
+            <a:r>
+              <a:rPr lang="en-US" dirty="0"/>
+              <a:t>Bridge gap between abstract concepts and instance-level data</a:t>
+            </a:r>
+          </a:p>
+          <a:p>
+            <a:pPr lvl="1">
+              <a:buFont typeface="Courier New" panose="020B0604020202020204" pitchFamily="34" charset="0"/>
+              <a:buChar char="o"/>
+            </a:pPr>
+            <a:r>
+              <a:rPr lang="en-US" dirty="0"/>
+              <a:t> Health pattern</a:t>
+            </a:r>
+          </a:p>
+          <a:p>
+            <a:pPr lvl="1">
+              <a:buFont typeface="Courier New" panose="020B0604020202020204" pitchFamily="34" charset="0"/>
+              <a:buChar char="o"/>
+            </a:pPr>
+            <a:r>
+              <a:rPr lang="en-US" dirty="0"/>
+              <a:t>Outcome pattern</a:t>
+            </a:r>
+          </a:p>
+        </p:txBody>
+      </p:sp>
+      <p:sp>
+        <p:nvSpPr>
+          <p:cNvPr id="4" name="Slide Number Placeholder 3">
+            <a:extLst>
+              <a:ext uri="{FF2B5EF4-FFF2-40B4-BE49-F238E27FC236}">
+                <a16:creationId xmlns:a16="http://schemas.microsoft.com/office/drawing/2014/main" id="{C4EAB893-9527-2411-7A63-E9E302280ADF}"/>
+              </a:ext>
+            </a:extLst>
+          </p:cNvPr>
+          <p:cNvSpPr>
+            <a:spLocks noGrp="1"/>
+          </p:cNvSpPr>
+          <p:nvPr>
+            <p:ph type="sldNum" sz="quarter" idx="12"/>
+          </p:nvPr>
+        </p:nvSpPr>
+        <p:spPr/>
+        <p:txBody>
+          <a:bodyPr/>
+          <a:lstStyle/>
+          <a:p>
+            <a:fld id="{330EA680-D336-4FF7-8B7A-9848BB0A1C32}" type="slidenum">
+              <a:rPr lang="en-US" smtClean="0"/>
+              <a:t>23</a:t>
+            </a:fld>
+            <a:endParaRPr lang="en-US"/>
+          </a:p>
+        </p:txBody>
+      </p:sp>
+    </p:spTree>
+    <p:extLst>
+      <p:ext uri="{BB962C8B-B14F-4D97-AF65-F5344CB8AC3E}">
+        <p14:creationId xmlns:p14="http://schemas.microsoft.com/office/powerpoint/2010/main" val="758321774"/>
       </p:ext>
     </p:extLst>
   </p:cSld>
@@ -8130,7 +8648,7 @@
           <p:cNvPr id="2" name="Title 1">
             <a:extLst>
               <a:ext uri="{FF2B5EF4-FFF2-40B4-BE49-F238E27FC236}">
-                <a16:creationId xmlns:a16="http://schemas.microsoft.com/office/drawing/2014/main" id="{E2AF4FD8-F402-E9C9-5B85-F21EB164E6C0}"/>
+                <a16:creationId xmlns:a16="http://schemas.microsoft.com/office/drawing/2014/main" id="{CFF3C6EC-CD47-6FE7-7F75-2E77C70C26ED}"/>
               </a:ext>
             </a:extLst>
           </p:cNvPr>
@@ -8148,7 +8666,7 @@
           <a:p>
             <a:r>
               <a:rPr lang="en-US"/>
-              <a:t>Future Work</a:t>
+              <a:t>Retrospective</a:t>
             </a:r>
           </a:p>
         </p:txBody>
@@ -8158,7 +8676,7 @@
           <p:cNvPr id="3" name="Content Placeholder 2">
             <a:extLst>
               <a:ext uri="{FF2B5EF4-FFF2-40B4-BE49-F238E27FC236}">
-                <a16:creationId xmlns:a16="http://schemas.microsoft.com/office/drawing/2014/main" id="{0CE51E26-F70D-54EE-A3B6-59B633928A87}"/>
+                <a16:creationId xmlns:a16="http://schemas.microsoft.com/office/drawing/2014/main" id="{8EA371C8-2127-B930-F13E-4B4A933EE857}"/>
               </a:ext>
             </a:extLst>
           </p:cNvPr>
@@ -8172,19 +8690,13 @@
         <p:spPr/>
         <p:txBody>
           <a:bodyPr vert="horz" lIns="91440" tIns="45720" rIns="91440" bIns="45720" rtlCol="0" anchor="t">
-            <a:normAutofit lnSpcReduction="10000"/>
+            <a:normAutofit/>
           </a:bodyPr>
           <a:lstStyle/>
           <a:p>
             <a:r>
-              <a:rPr lang="en-US"/>
-              <a:t>Refine ontology to address errors and concerns noted in axiomatization and materialization phases</a:t>
-            </a:r>
-          </a:p>
-          <a:p>
-            <a:r>
-              <a:rPr lang="en-US"/>
-              <a:t>Expansion of ontology to represent more concepts or better represent existing concepts</a:t>
+              <a:rPr lang="en-US" dirty="0"/>
+              <a:t>Anmol Saini</a:t>
             </a:r>
           </a:p>
           <a:p>
@@ -8193,8 +8705,48 @@
               <a:buChar char="o"/>
             </a:pPr>
             <a:r>
-              <a:rPr lang="en-US"/>
-              <a:t>Separate Labs and Imaging</a:t>
+              <a:rPr lang="en-US" dirty="0"/>
+              <a:t>Pros</a:t>
+            </a:r>
+          </a:p>
+          <a:p>
+            <a:pPr lvl="2">
+              <a:buFont typeface="Wingdings" panose="020B0604020202020204" pitchFamily="34" charset="0"/>
+              <a:buChar char="§"/>
+            </a:pPr>
+            <a:r>
+              <a:rPr lang="en-US" dirty="0"/>
+              <a:t>Greater insight and practice into process of creating a KG. Beginning to understand axioms</a:t>
+            </a:r>
+          </a:p>
+          <a:p>
+            <a:pPr lvl="2">
+              <a:buFont typeface="Wingdings" panose="020B0604020202020204" pitchFamily="34" charset="0"/>
+              <a:buChar char="§"/>
+            </a:pPr>
+            <a:r>
+              <a:rPr lang="en-US" dirty="0"/>
+              <a:t>Flexibility in meeting schedule and tasking</a:t>
+            </a:r>
+          </a:p>
+          <a:p>
+            <a:pPr lvl="2">
+              <a:buFont typeface="Wingdings" panose="020B0604020202020204" pitchFamily="34" charset="0"/>
+              <a:buChar char="§"/>
+            </a:pPr>
+            <a:r>
+              <a:rPr lang="en-US" dirty="0"/>
+              <a:t>Assigned topic with significant application</a:t>
+            </a:r>
+          </a:p>
+          <a:p>
+            <a:pPr lvl="2">
+              <a:buFont typeface="Wingdings" panose="020B0604020202020204" pitchFamily="34" charset="0"/>
+              <a:buChar char="§"/>
+            </a:pPr>
+            <a:r>
+              <a:rPr lang="en-US" dirty="0"/>
+              <a:t>Application-oriented course</a:t>
             </a:r>
           </a:p>
           <a:p>
@@ -8203,62 +8755,38 @@
               <a:buChar char="o"/>
             </a:pPr>
             <a:r>
-              <a:rPr lang="en-US" err="1"/>
-              <a:t>PatientType</a:t>
-            </a:r>
-            <a:r>
-              <a:rPr lang="en-US"/>
-              <a:t> and </a:t>
-            </a:r>
-            <a:r>
-              <a:rPr lang="en-US" err="1"/>
-              <a:t>PriorityOfAdmission</a:t>
-            </a:r>
-            <a:r>
-              <a:rPr lang="en-US"/>
-              <a:t> as controlled vocabularies</a:t>
-            </a:r>
-          </a:p>
-          <a:p>
-            <a:r>
-              <a:rPr lang="en-US"/>
-              <a:t>Expand or finetune use cases by incorporating more data</a:t>
-            </a:r>
-          </a:p>
-          <a:p>
-            <a:pPr lvl="1">
-              <a:buFont typeface="Courier New" panose="020B0604020202020204" pitchFamily="34" charset="0"/>
-              <a:buChar char="o"/>
+              <a:rPr lang="en-US" dirty="0"/>
+              <a:t>Cons</a:t>
+            </a:r>
+          </a:p>
+          <a:p>
+            <a:pPr lvl="2">
+              <a:buFont typeface="Wingdings" panose="020B0604020202020204" pitchFamily="34" charset="0"/>
+              <a:buChar char="§"/>
             </a:pPr>
             <a:r>
-              <a:rPr lang="en-US"/>
-              <a:t>Trans vs cis patients</a:t>
-            </a:r>
-          </a:p>
-          <a:p>
-            <a:r>
-              <a:rPr lang="en-US"/>
-              <a:t>Bridge gap between abstract concepts and instance-level data</a:t>
-            </a:r>
-          </a:p>
-          <a:p>
-            <a:pPr lvl="1">
-              <a:buFont typeface="Courier New" panose="020B0604020202020204" pitchFamily="34" charset="0"/>
-              <a:buChar char="o"/>
+              <a:rPr lang="en-US" dirty="0"/>
+              <a:t>Suboptimal workload distribution over course of semester. Little time for materialization and axioms in Protégé</a:t>
+            </a:r>
+          </a:p>
+          <a:p>
+            <a:pPr lvl="2">
+              <a:buFont typeface="Wingdings" panose="020B0604020202020204" pitchFamily="34" charset="0"/>
+              <a:buChar char="§"/>
             </a:pPr>
             <a:r>
-              <a:rPr lang="en-US"/>
-              <a:t> Health pattern</a:t>
-            </a:r>
-          </a:p>
-          <a:p>
-            <a:pPr lvl="1">
-              <a:buFont typeface="Courier New" panose="020B0604020202020204" pitchFamily="34" charset="0"/>
-              <a:buChar char="o"/>
+              <a:rPr lang="en-US" dirty="0"/>
+              <a:t>Limited feedback and guidance, especially later in semester</a:t>
+            </a:r>
+          </a:p>
+          <a:p>
+            <a:pPr lvl="2">
+              <a:buFont typeface="Wingdings" panose="020B0604020202020204" pitchFamily="34" charset="0"/>
+              <a:buChar char="§"/>
             </a:pPr>
             <a:r>
-              <a:rPr lang="en-US"/>
-              <a:t>Outcome pattern</a:t>
+              <a:rPr lang="en-US" dirty="0"/>
+              <a:t>Somewhat disorganized with no grades assigned throughout the class</a:t>
             </a:r>
           </a:p>
         </p:txBody>
@@ -8268,7 +8796,7 @@
           <p:cNvPr id="4" name="Slide Number Placeholder 3">
             <a:extLst>
               <a:ext uri="{FF2B5EF4-FFF2-40B4-BE49-F238E27FC236}">
-                <a16:creationId xmlns:a16="http://schemas.microsoft.com/office/drawing/2014/main" id="{C4EAB893-9527-2411-7A63-E9E302280ADF}"/>
+                <a16:creationId xmlns:a16="http://schemas.microsoft.com/office/drawing/2014/main" id="{FAA3C4E7-811D-4F07-1382-4A58977F404C}"/>
               </a:ext>
             </a:extLst>
           </p:cNvPr>
@@ -8295,7 +8823,7 @@
     </p:spTree>
     <p:extLst>
       <p:ext uri="{BB962C8B-B14F-4D97-AF65-F5344CB8AC3E}">
-        <p14:creationId xmlns:p14="http://schemas.microsoft.com/office/powerpoint/2010/main" val="758321774"/>
+        <p14:creationId xmlns:p14="http://schemas.microsoft.com/office/powerpoint/2010/main" val="2434199505"/>
       </p:ext>
     </p:extLst>
   </p:cSld>
@@ -8374,8 +8902,8 @@
           <a:lstStyle/>
           <a:p>
             <a:r>
-              <a:rPr lang="en-US" dirty="0"/>
-              <a:t>Anmol Saini</a:t>
+              <a:rPr lang="en-US"/>
+              <a:t>Jason Nolte</a:t>
             </a:r>
           </a:p>
           <a:p>
@@ -8384,8 +8912,18 @@
               <a:buChar char="o"/>
             </a:pPr>
             <a:r>
-              <a:rPr lang="en-US" dirty="0"/>
-              <a:t>Pros</a:t>
+              <a:rPr lang="en-US"/>
+              <a:t>Part of a great team.  Anmol and Spencer were awesome</a:t>
+            </a:r>
+          </a:p>
+          <a:p>
+            <a:pPr lvl="1">
+              <a:buFont typeface="Courier New" panose="020B0604020202020204" pitchFamily="34" charset="0"/>
+              <a:buChar char="o"/>
+            </a:pPr>
+            <a:r>
+              <a:rPr lang="en-US"/>
+              <a:t>Helped create an ontology</a:t>
             </a:r>
           </a:p>
           <a:p>
@@ -8394,8 +8932,8 @@
               <a:buChar char="§"/>
             </a:pPr>
             <a:r>
-              <a:rPr lang="en-US" dirty="0"/>
-              <a:t>Greater insight and practice into process of creating a KG. Beginning to understand axioms</a:t>
+              <a:rPr lang="en-US"/>
+              <a:t>Group discussions about the project, key notions, and axioms taught me a lot</a:t>
             </a:r>
           </a:p>
           <a:p>
@@ -8404,8 +8942,8 @@
               <a:buChar char="§"/>
             </a:pPr>
             <a:r>
-              <a:rPr lang="en-US" dirty="0"/>
-              <a:t>Flexibility in meeting schedule and tasking</a:t>
+              <a:rPr lang="en-US"/>
+              <a:t>Learned a bit about Protégé and axioms while entering the axioms in Protégé</a:t>
             </a:r>
           </a:p>
           <a:p>
@@ -8414,8 +8952,28 @@
               <a:buChar char="§"/>
             </a:pPr>
             <a:r>
-              <a:rPr lang="en-US" dirty="0"/>
-              <a:t>Assigned topic with significant application</a:t>
+              <a:rPr lang="en-US"/>
+              <a:t>Not sure I could explain what I did outside this class</a:t>
+            </a:r>
+          </a:p>
+          <a:p>
+            <a:pPr lvl="1">
+              <a:buFont typeface="Courier New" panose="020B0604020202020204" pitchFamily="34" charset="0"/>
+              <a:buChar char="o"/>
+            </a:pPr>
+            <a:r>
+              <a:rPr lang="en-US"/>
+              <a:t>Having an assigned topic helped</a:t>
+            </a:r>
+          </a:p>
+          <a:p>
+            <a:pPr lvl="1">
+              <a:buFont typeface="Courier New" panose="020B0604020202020204" pitchFamily="34" charset="0"/>
+              <a:buChar char="o"/>
+            </a:pPr>
+            <a:r>
+              <a:rPr lang="en-US"/>
+              <a:t>More interaction with the professor in the second half of the course would have been nice</a:t>
             </a:r>
           </a:p>
           <a:p>
@@ -8424,18 +8982,8 @@
               <a:buChar char="§"/>
             </a:pPr>
             <a:r>
-              <a:rPr lang="en-US" dirty="0"/>
-              <a:t>Application-oriented course</a:t>
-            </a:r>
-          </a:p>
-          <a:p>
-            <a:pPr lvl="1">
-              <a:buFont typeface="Courier New" panose="020B0604020202020204" pitchFamily="34" charset="0"/>
-              <a:buChar char="o"/>
-            </a:pPr>
-            <a:r>
-              <a:rPr lang="en-US" dirty="0"/>
-              <a:t>Cons</a:t>
+              <a:rPr lang="en-US"/>
+              <a:t>Could teach some concepts/software closer to when used in the project</a:t>
             </a:r>
           </a:p>
           <a:p>
@@ -8444,28 +8992,8 @@
               <a:buChar char="§"/>
             </a:pPr>
             <a:r>
-              <a:rPr lang="en-US" dirty="0"/>
-              <a:t>Suboptimal workload distribution over course of semester. Little time for materialization and axioms in Protégé</a:t>
-            </a:r>
-          </a:p>
-          <a:p>
-            <a:pPr lvl="2">
-              <a:buFont typeface="Wingdings" panose="020B0604020202020204" pitchFamily="34" charset="0"/>
-              <a:buChar char="§"/>
-            </a:pPr>
-            <a:r>
-              <a:rPr lang="en-US" dirty="0"/>
-              <a:t>Limited feedback and guidance, especially later in semester</a:t>
-            </a:r>
-          </a:p>
-          <a:p>
-            <a:pPr lvl="2">
-              <a:buFont typeface="Wingdings" panose="020B0604020202020204" pitchFamily="34" charset="0"/>
-              <a:buChar char="§"/>
-            </a:pPr>
-            <a:r>
-              <a:rPr lang="en-US" dirty="0"/>
-              <a:t>Somewhat disorganized with no grades assigned throughout the class</a:t>
+              <a:rPr lang="en-US"/>
+              <a:t>I understand the irony of saying this while virtual</a:t>
             </a:r>
           </a:p>
         </p:txBody>
@@ -8502,7 +9030,7 @@
     </p:spTree>
     <p:extLst>
       <p:ext uri="{BB962C8B-B14F-4D97-AF65-F5344CB8AC3E}">
-        <p14:creationId xmlns:p14="http://schemas.microsoft.com/office/powerpoint/2010/main" val="2434199505"/>
+        <p14:creationId xmlns:p14="http://schemas.microsoft.com/office/powerpoint/2010/main" val="205857264"/>
       </p:ext>
     </p:extLst>
   </p:cSld>
@@ -8581,8 +9109,8 @@
           <a:lstStyle/>
           <a:p>
             <a:r>
-              <a:rPr lang="en-US"/>
-              <a:t>Jason Nolte</a:t>
+              <a:rPr lang="en-US" dirty="0"/>
+              <a:t>Spencer Seals</a:t>
             </a:r>
           </a:p>
           <a:p>
@@ -8591,8 +9119,8 @@
               <a:buChar char="o"/>
             </a:pPr>
             <a:r>
-              <a:rPr lang="en-US"/>
-              <a:t>Part of a great team.  Anmol and Spencer were awesome</a:t>
+              <a:rPr lang="en-US" dirty="0"/>
+              <a:t>Our team was great</a:t>
             </a:r>
           </a:p>
           <a:p>
@@ -8601,8 +9129,18 @@
               <a:buChar char="o"/>
             </a:pPr>
             <a:r>
-              <a:rPr lang="en-US"/>
-              <a:t>Helped create an ontology</a:t>
+              <a:rPr lang="en-US" dirty="0"/>
+              <a:t>Flexibility in meeting schedule and tasking was great</a:t>
+            </a:r>
+          </a:p>
+          <a:p>
+            <a:pPr lvl="1">
+              <a:buFont typeface="Courier New" panose="020B0604020202020204" pitchFamily="34" charset="0"/>
+              <a:buChar char="o"/>
+            </a:pPr>
+            <a:r>
+              <a:rPr lang="en-US" dirty="0"/>
+              <a:t>More prepared to create and defend an ontology (semi) independently</a:t>
             </a:r>
           </a:p>
           <a:p>
@@ -8611,8 +9149,8 @@
               <a:buChar char="§"/>
             </a:pPr>
             <a:r>
-              <a:rPr lang="en-US"/>
-              <a:t>Group discussions about the project, key notions, and axioms taught me a lot</a:t>
+              <a:rPr lang="en-US" dirty="0"/>
+              <a:t>Group discussions taught me a lot</a:t>
             </a:r>
           </a:p>
           <a:p>
@@ -8621,18 +9159,8 @@
               <a:buChar char="§"/>
             </a:pPr>
             <a:r>
-              <a:rPr lang="en-US"/>
-              <a:t>Learned a bit about Protégé and axioms while entering the axioms in Protégé</a:t>
-            </a:r>
-          </a:p>
-          <a:p>
-            <a:pPr lvl="2">
-              <a:buFont typeface="Wingdings" panose="020B0604020202020204" pitchFamily="34" charset="0"/>
-              <a:buChar char="§"/>
-            </a:pPr>
-            <a:r>
-              <a:rPr lang="en-US"/>
-              <a:t>Not sure I could explain what I did outside this class</a:t>
+              <a:rPr lang="en-US" dirty="0"/>
+              <a:t>Learned a lot more about the practical aspects of creating KGs</a:t>
             </a:r>
           </a:p>
           <a:p>
@@ -8641,8 +9169,8 @@
               <a:buChar char="o"/>
             </a:pPr>
             <a:r>
-              <a:rPr lang="en-US"/>
-              <a:t>Having an assigned topic helped</a:t>
+              <a:rPr lang="en-US" dirty="0"/>
+              <a:t>Distribution of workload over the semester wasn’t very uniform</a:t>
             </a:r>
           </a:p>
           <a:p>
@@ -8651,28 +9179,34 @@
               <a:buChar char="o"/>
             </a:pPr>
             <a:r>
+              <a:rPr lang="en-US" dirty="0"/>
+              <a:t>Teaching some of the concepts closer to when they were used would be nice</a:t>
+            </a:r>
+          </a:p>
+          <a:p>
+            <a:pPr lvl="1">
+              <a:buFont typeface="Courier New" panose="020B0604020202020204" pitchFamily="34" charset="0"/>
+              <a:buChar char="o"/>
+            </a:pPr>
+            <a:r>
+              <a:rPr lang="en-US" dirty="0"/>
+              <a:t>Would like more exposure to reasoning algorithms and how they </a:t>
+            </a:r>
+            <a:r>
               <a:rPr lang="en-US"/>
-              <a:t>More interaction with the professor in the second half of the course would have been nice</a:t>
-            </a:r>
-          </a:p>
-          <a:p>
-            <a:pPr lvl="2">
-              <a:buFont typeface="Wingdings" panose="020B0604020202020204" pitchFamily="34" charset="0"/>
-              <a:buChar char="§"/>
-            </a:pPr>
+              <a:t>interact </a:t>
+            </a:r>
+            <a:r>
+              <a:rPr lang="en-US" dirty="0"/>
+              <a:t>w</a:t>
+            </a:r>
             <a:r>
               <a:rPr lang="en-US"/>
-              <a:t>Could teach some concepts/software closer to when used in the project</a:t>
-            </a:r>
-          </a:p>
-          <a:p>
-            <a:pPr lvl="2">
-              <a:buFont typeface="Wingdings" panose="020B0604020202020204" pitchFamily="34" charset="0"/>
-              <a:buChar char="§"/>
-            </a:pPr>
-            <a:r>
-              <a:rPr lang="en-US"/>
-              <a:t>I understand the irony of saying this while virtual</a:t>
+              <a:t>ith </a:t>
+            </a:r>
+            <a:r>
+              <a:rPr lang="en-US" dirty="0"/>
+              <a:t>the axioms</a:t>
             </a:r>
           </a:p>
         </p:txBody>
@@ -8709,7 +9243,7 @@
     </p:spTree>
     <p:extLst>
       <p:ext uri="{BB962C8B-B14F-4D97-AF65-F5344CB8AC3E}">
-        <p14:creationId xmlns:p14="http://schemas.microsoft.com/office/powerpoint/2010/main" val="205857264"/>
+        <p14:creationId xmlns:p14="http://schemas.microsoft.com/office/powerpoint/2010/main" val="1545542505"/>
       </p:ext>
     </p:extLst>
   </p:cSld>
@@ -9336,6 +9870,153 @@
 </p:sld>
 </file>
 
+<file path=ppt/slides/slide28.xml><?xml version="1.0" encoding="utf-8"?>
+<p:sld xmlns:a="http://schemas.openxmlformats.org/drawingml/2006/main" xmlns:r="http://schemas.openxmlformats.org/officeDocument/2006/relationships" xmlns:p="http://schemas.openxmlformats.org/presentationml/2006/main">
+  <p:cSld>
+    <p:spTree>
+      <p:nvGrpSpPr>
+        <p:cNvPr id="1" name=""/>
+        <p:cNvGrpSpPr/>
+        <p:nvPr/>
+      </p:nvGrpSpPr>
+      <p:grpSpPr>
+        <a:xfrm>
+          <a:off x="0" y="0"/>
+          <a:ext cx="0" cy="0"/>
+          <a:chOff x="0" y="0"/>
+          <a:chExt cx="0" cy="0"/>
+        </a:xfrm>
+      </p:grpSpPr>
+      <p:sp>
+        <p:nvSpPr>
+          <p:cNvPr id="2" name="Title 1">
+            <a:extLst>
+              <a:ext uri="{FF2B5EF4-FFF2-40B4-BE49-F238E27FC236}">
+                <a16:creationId xmlns:a16="http://schemas.microsoft.com/office/drawing/2014/main" id="{FE568C62-30C4-D07F-F7B6-F9138CC21369}"/>
+              </a:ext>
+            </a:extLst>
+          </p:cNvPr>
+          <p:cNvSpPr>
+            <a:spLocks noGrp="1"/>
+          </p:cNvSpPr>
+          <p:nvPr>
+            <p:ph type="title"/>
+          </p:nvPr>
+        </p:nvSpPr>
+        <p:spPr/>
+        <p:txBody>
+          <a:bodyPr/>
+          <a:lstStyle/>
+          <a:p>
+            <a:r>
+              <a:rPr lang="en-US"/>
+              <a:t>Competency Questions</a:t>
+            </a:r>
+          </a:p>
+        </p:txBody>
+      </p:sp>
+      <p:sp>
+        <p:nvSpPr>
+          <p:cNvPr id="3" name="Content Placeholder 2">
+            <a:extLst>
+              <a:ext uri="{FF2B5EF4-FFF2-40B4-BE49-F238E27FC236}">
+                <a16:creationId xmlns:a16="http://schemas.microsoft.com/office/drawing/2014/main" id="{179B8761-9103-BD21-8CA8-1C0580E1D23F}"/>
+              </a:ext>
+            </a:extLst>
+          </p:cNvPr>
+          <p:cNvSpPr>
+            <a:spLocks noGrp="1"/>
+          </p:cNvSpPr>
+          <p:nvPr>
+            <p:ph idx="1"/>
+          </p:nvPr>
+        </p:nvSpPr>
+        <p:spPr/>
+        <p:txBody>
+          <a:bodyPr vert="horz" lIns="91440" tIns="45720" rIns="91440" bIns="45720" rtlCol="0" anchor="t">
+            <a:normAutofit lnSpcReduction="10000"/>
+          </a:bodyPr>
+          <a:lstStyle/>
+          <a:p>
+            <a:r>
+              <a:rPr lang="en-US">
+                <a:ea typeface="+mn-lt"/>
+                <a:cs typeface="+mn-lt"/>
+              </a:rPr>
+              <a:t>How have hospitalizations for motor vehicle vs bicycle injuries changed over the past 5-10 years? Does a patient's sociodemographic factors affect outcomes of hospitalization?</a:t>
+            </a:r>
+          </a:p>
+          <a:p>
+            <a:r>
+              <a:rPr lang="en-US">
+                <a:ea typeface="+mn-lt"/>
+                <a:cs typeface="+mn-lt"/>
+              </a:rPr>
+              <a:t>Are there differences in  surgical trauma outcomes between those who are trans vs cis?</a:t>
+            </a:r>
+          </a:p>
+          <a:p>
+            <a:r>
+              <a:rPr lang="en-US">
+                <a:ea typeface="+mn-lt"/>
+                <a:cs typeface="+mn-lt"/>
+              </a:rPr>
+              <a:t>How have patterns of blood transfusions changed over the past 5-10 years? Has the use of whole blood increase over the past 5-10 years and if so in which kinds of cases are these?</a:t>
+            </a:r>
+          </a:p>
+          <a:p>
+            <a:r>
+              <a:rPr lang="en-US">
+                <a:ea typeface="+mn-lt"/>
+                <a:cs typeface="+mn-lt"/>
+              </a:rPr>
+              <a:t>How often do pediatric trauma hospitalizations return to the emergency department within 28 days and are there factors that might help us predict these occurrences?</a:t>
+            </a:r>
+          </a:p>
+        </p:txBody>
+      </p:sp>
+      <p:sp>
+        <p:nvSpPr>
+          <p:cNvPr id="4" name="Slide Number Placeholder 3">
+            <a:extLst>
+              <a:ext uri="{FF2B5EF4-FFF2-40B4-BE49-F238E27FC236}">
+                <a16:creationId xmlns:a16="http://schemas.microsoft.com/office/drawing/2014/main" id="{EB6CC26D-FC65-9F2A-866B-D0228E92D3E0}"/>
+              </a:ext>
+            </a:extLst>
+          </p:cNvPr>
+          <p:cNvSpPr>
+            <a:spLocks noGrp="1"/>
+          </p:cNvSpPr>
+          <p:nvPr>
+            <p:ph type="sldNum" sz="quarter" idx="12"/>
+          </p:nvPr>
+        </p:nvSpPr>
+        <p:spPr/>
+        <p:txBody>
+          <a:bodyPr/>
+          <a:lstStyle/>
+          <a:p>
+            <a:fld id="{330EA680-D336-4FF7-8B7A-9848BB0A1C32}" type="slidenum">
+              <a:rPr lang="en-US" smtClean="0"/>
+              <a:t>28</a:t>
+            </a:fld>
+            <a:endParaRPr lang="en-US"/>
+          </a:p>
+        </p:txBody>
+      </p:sp>
+    </p:spTree>
+    <p:extLst>
+      <p:ext uri="{BB962C8B-B14F-4D97-AF65-F5344CB8AC3E}">
+        <p14:creationId xmlns:p14="http://schemas.microsoft.com/office/powerpoint/2010/main" val="1224668099"/>
+      </p:ext>
+    </p:extLst>
+  </p:cSld>
+  <p:clrMapOvr>
+    <a:masterClrMapping/>
+  </p:clrMapOvr>
+</p:sld>
+</file>
+
 <file path=ppt/slides/slide3.xml><?xml version="1.0" encoding="utf-8"?>
 <p:sld xmlns:a="http://schemas.openxmlformats.org/drawingml/2006/main" xmlns:r="http://schemas.openxmlformats.org/officeDocument/2006/relationships" xmlns:p="http://schemas.openxmlformats.org/presentationml/2006/main">
   <p:cSld>
@@ -10768,919 +11449,11 @@
         </p:blipFill>
         <p:spPr>
           <a:xfrm>
-            <a:off x="3197724" y="1264282"/>
+            <a:off x="3799280" y="1222076"/>
             <a:ext cx="4950674" cy="4918667"/>
           </a:xfrm>
         </p:spPr>
       </p:pic>
-      <p:sp>
-        <p:nvSpPr>
-          <p:cNvPr id="5" name="Content Placeholder 2">
-            <a:extLst>
-              <a:ext uri="{FF2B5EF4-FFF2-40B4-BE49-F238E27FC236}">
-                <a16:creationId xmlns:a16="http://schemas.microsoft.com/office/drawing/2014/main" id="{0F212817-0F49-C825-9BD2-2CDCE676B9E4}"/>
-              </a:ext>
-            </a:extLst>
-          </p:cNvPr>
-          <p:cNvSpPr txBox="1">
-            <a:spLocks/>
-          </p:cNvSpPr>
-          <p:nvPr/>
-        </p:nvSpPr>
-        <p:spPr>
-          <a:xfrm>
-            <a:off x="838200" y="1400753"/>
-            <a:ext cx="3872345" cy="4351338"/>
-          </a:xfrm>
-          <a:prstGeom prst="rect">
-            <a:avLst/>
-          </a:prstGeom>
-        </p:spPr>
-        <p:txBody>
-          <a:bodyPr vert="horz" lIns="91440" tIns="45720" rIns="91440" bIns="45720" rtlCol="0" anchor="t">
-            <a:normAutofit fontScale="85000" lnSpcReduction="20000"/>
-          </a:bodyPr>
-          <a:lstStyle>
-            <a:lvl1pPr marL="228600" indent="-228600" algn="l" defTabSz="914400" rtl="0" eaLnBrk="1" latinLnBrk="0" hangingPunct="1">
-              <a:lnSpc>
-                <a:spcPct val="90000"/>
-              </a:lnSpc>
-              <a:spcBef>
-                <a:spcPts val="1000"/>
-              </a:spcBef>
-              <a:buFont typeface="Arial" panose="020B0604020202020204" pitchFamily="34" charset="0"/>
-              <a:buChar char="•"/>
-              <a:defRPr sz="2800" kern="1200">
-                <a:solidFill>
-                  <a:schemeClr val="tx1"/>
-                </a:solidFill>
-                <a:latin typeface="+mn-lt"/>
-                <a:ea typeface="+mn-ea"/>
-                <a:cs typeface="+mn-cs"/>
-              </a:defRPr>
-            </a:lvl1pPr>
-            <a:lvl2pPr marL="685800" indent="-228600" algn="l" defTabSz="914400" rtl="0" eaLnBrk="1" latinLnBrk="0" hangingPunct="1">
-              <a:lnSpc>
-                <a:spcPct val="90000"/>
-              </a:lnSpc>
-              <a:spcBef>
-                <a:spcPts val="500"/>
-              </a:spcBef>
-              <a:buFont typeface="Arial" panose="020B0604020202020204" pitchFamily="34" charset="0"/>
-              <a:buChar char="•"/>
-              <a:defRPr sz="2400" kern="1200">
-                <a:solidFill>
-                  <a:schemeClr val="tx1"/>
-                </a:solidFill>
-                <a:latin typeface="+mn-lt"/>
-                <a:ea typeface="+mn-ea"/>
-                <a:cs typeface="+mn-cs"/>
-              </a:defRPr>
-            </a:lvl2pPr>
-            <a:lvl3pPr marL="1143000" indent="-228600" algn="l" defTabSz="914400" rtl="0" eaLnBrk="1" latinLnBrk="0" hangingPunct="1">
-              <a:lnSpc>
-                <a:spcPct val="90000"/>
-              </a:lnSpc>
-              <a:spcBef>
-                <a:spcPts val="500"/>
-              </a:spcBef>
-              <a:buFont typeface="Arial" panose="020B0604020202020204" pitchFamily="34" charset="0"/>
-              <a:buChar char="•"/>
-              <a:defRPr sz="2000" kern="1200">
-                <a:solidFill>
-                  <a:schemeClr val="tx1"/>
-                </a:solidFill>
-                <a:latin typeface="+mn-lt"/>
-                <a:ea typeface="+mn-ea"/>
-                <a:cs typeface="+mn-cs"/>
-              </a:defRPr>
-            </a:lvl3pPr>
-            <a:lvl4pPr marL="1600200" indent="-228600" algn="l" defTabSz="914400" rtl="0" eaLnBrk="1" latinLnBrk="0" hangingPunct="1">
-              <a:lnSpc>
-                <a:spcPct val="90000"/>
-              </a:lnSpc>
-              <a:spcBef>
-                <a:spcPts val="500"/>
-              </a:spcBef>
-              <a:buFont typeface="Arial" panose="020B0604020202020204" pitchFamily="34" charset="0"/>
-              <a:buChar char="•"/>
-              <a:defRPr sz="1800" kern="1200">
-                <a:solidFill>
-                  <a:schemeClr val="tx1"/>
-                </a:solidFill>
-                <a:latin typeface="+mn-lt"/>
-                <a:ea typeface="+mn-ea"/>
-                <a:cs typeface="+mn-cs"/>
-              </a:defRPr>
-            </a:lvl4pPr>
-            <a:lvl5pPr marL="2057400" indent="-228600" algn="l" defTabSz="914400" rtl="0" eaLnBrk="1" latinLnBrk="0" hangingPunct="1">
-              <a:lnSpc>
-                <a:spcPct val="90000"/>
-              </a:lnSpc>
-              <a:spcBef>
-                <a:spcPts val="500"/>
-              </a:spcBef>
-              <a:buFont typeface="Arial" panose="020B0604020202020204" pitchFamily="34" charset="0"/>
-              <a:buChar char="•"/>
-              <a:defRPr sz="1800" kern="1200">
-                <a:solidFill>
-                  <a:schemeClr val="tx1"/>
-                </a:solidFill>
-                <a:latin typeface="+mn-lt"/>
-                <a:ea typeface="+mn-ea"/>
-                <a:cs typeface="+mn-cs"/>
-              </a:defRPr>
-            </a:lvl5pPr>
-            <a:lvl6pPr marL="2514600" indent="-228600" algn="l" defTabSz="914400" rtl="0" eaLnBrk="1" latinLnBrk="0" hangingPunct="1">
-              <a:lnSpc>
-                <a:spcPct val="90000"/>
-              </a:lnSpc>
-              <a:spcBef>
-                <a:spcPts val="500"/>
-              </a:spcBef>
-              <a:buFont typeface="Arial" panose="020B0604020202020204" pitchFamily="34" charset="0"/>
-              <a:buChar char="•"/>
-              <a:defRPr sz="1800" kern="1200">
-                <a:solidFill>
-                  <a:schemeClr val="tx1"/>
-                </a:solidFill>
-                <a:latin typeface="+mn-lt"/>
-                <a:ea typeface="+mn-ea"/>
-                <a:cs typeface="+mn-cs"/>
-              </a:defRPr>
-            </a:lvl6pPr>
-            <a:lvl7pPr marL="2971800" indent="-228600" algn="l" defTabSz="914400" rtl="0" eaLnBrk="1" latinLnBrk="0" hangingPunct="1">
-              <a:lnSpc>
-                <a:spcPct val="90000"/>
-              </a:lnSpc>
-              <a:spcBef>
-                <a:spcPts val="500"/>
-              </a:spcBef>
-              <a:buFont typeface="Arial" panose="020B0604020202020204" pitchFamily="34" charset="0"/>
-              <a:buChar char="•"/>
-              <a:defRPr sz="1800" kern="1200">
-                <a:solidFill>
-                  <a:schemeClr val="tx1"/>
-                </a:solidFill>
-                <a:latin typeface="+mn-lt"/>
-                <a:ea typeface="+mn-ea"/>
-                <a:cs typeface="+mn-cs"/>
-              </a:defRPr>
-            </a:lvl7pPr>
-            <a:lvl8pPr marL="3429000" indent="-228600" algn="l" defTabSz="914400" rtl="0" eaLnBrk="1" latinLnBrk="0" hangingPunct="1">
-              <a:lnSpc>
-                <a:spcPct val="90000"/>
-              </a:lnSpc>
-              <a:spcBef>
-                <a:spcPts val="500"/>
-              </a:spcBef>
-              <a:buFont typeface="Arial" panose="020B0604020202020204" pitchFamily="34" charset="0"/>
-              <a:buChar char="•"/>
-              <a:defRPr sz="1800" kern="1200">
-                <a:solidFill>
-                  <a:schemeClr val="tx1"/>
-                </a:solidFill>
-                <a:latin typeface="+mn-lt"/>
-                <a:ea typeface="+mn-ea"/>
-                <a:cs typeface="+mn-cs"/>
-              </a:defRPr>
-            </a:lvl8pPr>
-            <a:lvl9pPr marL="3886200" indent="-228600" algn="l" defTabSz="914400" rtl="0" eaLnBrk="1" latinLnBrk="0" hangingPunct="1">
-              <a:lnSpc>
-                <a:spcPct val="90000"/>
-              </a:lnSpc>
-              <a:spcBef>
-                <a:spcPts val="500"/>
-              </a:spcBef>
-              <a:buFont typeface="Arial" panose="020B0604020202020204" pitchFamily="34" charset="0"/>
-              <a:buChar char="•"/>
-              <a:defRPr sz="1800" kern="1200">
-                <a:solidFill>
-                  <a:schemeClr val="tx1"/>
-                </a:solidFill>
-                <a:latin typeface="+mn-lt"/>
-                <a:ea typeface="+mn-ea"/>
-                <a:cs typeface="+mn-cs"/>
-              </a:defRPr>
-            </a:lvl9pPr>
-          </a:lstStyle>
-          <a:p>
-            <a:pPr marL="0" indent="0">
-              <a:lnSpc>
-                <a:spcPct val="120000"/>
-              </a:lnSpc>
-              <a:spcBef>
-                <a:spcPts val="0"/>
-              </a:spcBef>
-              <a:buNone/>
-            </a:pPr>
-            <a:r>
-              <a:rPr lang="en-US" sz="1200" dirty="0" err="1"/>
-              <a:t>gd</a:t>
-            </a:r>
-            <a:r>
-              <a:rPr lang="en-US" sz="1200" dirty="0"/>
-              <a:t> = [</a:t>
-            </a:r>
-            <a:endParaRPr lang="en-US" dirty="0"/>
-          </a:p>
-          <a:p>
-            <a:pPr marL="0" indent="0">
-              <a:lnSpc>
-                <a:spcPct val="120000"/>
-              </a:lnSpc>
-              <a:spcBef>
-                <a:spcPts val="0"/>
-              </a:spcBef>
-              <a:buNone/>
-            </a:pPr>
-            <a:r>
-              <a:rPr lang="en-US" sz="1200" dirty="0"/>
-              <a:t>            "Patient </a:t>
-            </a:r>
-            <a:r>
-              <a:rPr lang="en-US" sz="1200" dirty="0" err="1"/>
-              <a:t>hasVisit</a:t>
-            </a:r>
-            <a:r>
-              <a:rPr lang="en-US" sz="1200" dirty="0"/>
-              <a:t> Visit",</a:t>
-            </a:r>
-            <a:endParaRPr lang="en-US" dirty="0"/>
-          </a:p>
-          <a:p>
-            <a:pPr marL="0" indent="0">
-              <a:lnSpc>
-                <a:spcPct val="120000"/>
-              </a:lnSpc>
-              <a:spcBef>
-                <a:spcPts val="0"/>
-              </a:spcBef>
-              <a:buNone/>
-            </a:pPr>
-            <a:r>
-              <a:rPr lang="en-US" sz="1200" dirty="0"/>
-              <a:t>            "Patient </a:t>
-            </a:r>
-            <a:r>
-              <a:rPr lang="en-US" sz="1200" dirty="0" err="1"/>
-              <a:t>hasPatientType</a:t>
-            </a:r>
-            <a:r>
-              <a:rPr lang="en-US" sz="1200" dirty="0"/>
-              <a:t> </a:t>
-            </a:r>
-            <a:r>
-              <a:rPr lang="en-US" sz="1200" dirty="0" err="1"/>
-              <a:t>PatientType</a:t>
-            </a:r>
-            <a:r>
-              <a:rPr lang="en-US" sz="1200" dirty="0"/>
-              <a:t>",</a:t>
-            </a:r>
-            <a:endParaRPr lang="en-US" dirty="0"/>
-          </a:p>
-          <a:p>
-            <a:pPr marL="0" indent="0">
-              <a:lnSpc>
-                <a:spcPct val="120000"/>
-              </a:lnSpc>
-              <a:spcBef>
-                <a:spcPts val="0"/>
-              </a:spcBef>
-              <a:buNone/>
-            </a:pPr>
-            <a:r>
-              <a:rPr lang="en-US" sz="1200" dirty="0"/>
-              <a:t>            "Patient </a:t>
-            </a:r>
-            <a:r>
-              <a:rPr lang="en-US" sz="1200" dirty="0" err="1"/>
-              <a:t>hasPriorityofAdmission</a:t>
-            </a:r>
-            <a:r>
-              <a:rPr lang="en-US" sz="1200" dirty="0"/>
-              <a:t> </a:t>
-            </a:r>
-            <a:r>
-              <a:rPr lang="en-US" sz="1200" dirty="0" err="1"/>
-              <a:t>PriorityofAdmission</a:t>
-            </a:r>
-            <a:r>
-              <a:rPr lang="en-US" sz="1200" dirty="0"/>
-              <a:t>",</a:t>
-            </a:r>
-            <a:endParaRPr lang="en-US" dirty="0"/>
-          </a:p>
-          <a:p>
-            <a:pPr marL="0" indent="0">
-              <a:lnSpc>
-                <a:spcPct val="120000"/>
-              </a:lnSpc>
-              <a:spcBef>
-                <a:spcPts val="0"/>
-              </a:spcBef>
-              <a:buNone/>
-            </a:pPr>
-            <a:r>
-              <a:rPr lang="en-US" sz="1200" dirty="0"/>
-              <a:t>            "Patient </a:t>
-            </a:r>
-            <a:r>
-              <a:rPr lang="en-US" sz="1200" dirty="0" err="1"/>
-              <a:t>hasMedicalRecordNumber</a:t>
-            </a:r>
-            <a:r>
-              <a:rPr lang="en-US" sz="1200" dirty="0"/>
-              <a:t> </a:t>
-            </a:r>
-            <a:r>
-              <a:rPr lang="en-US" sz="1200" dirty="0" err="1"/>
-              <a:t>MedicalRecordNumber</a:t>
-            </a:r>
-            <a:r>
-              <a:rPr lang="en-US" sz="1200" dirty="0"/>
-              <a:t>",</a:t>
-            </a:r>
-            <a:endParaRPr lang="en-US" dirty="0"/>
-          </a:p>
-          <a:p>
-            <a:pPr marL="0" indent="0">
-              <a:lnSpc>
-                <a:spcPct val="120000"/>
-              </a:lnSpc>
-              <a:spcBef>
-                <a:spcPts val="0"/>
-              </a:spcBef>
-              <a:buNone/>
-            </a:pPr>
-            <a:r>
-              <a:rPr lang="en-US" sz="1200" dirty="0"/>
-              <a:t>            "Patient </a:t>
-            </a:r>
-            <a:r>
-              <a:rPr lang="en-US" sz="1200" dirty="0" err="1"/>
-              <a:t>hasDiagnosis</a:t>
-            </a:r>
-            <a:r>
-              <a:rPr lang="en-US" sz="1200" dirty="0"/>
-              <a:t> Diagnosis",</a:t>
-            </a:r>
-            <a:endParaRPr lang="en-US" dirty="0"/>
-          </a:p>
-          <a:p>
-            <a:pPr marL="0" indent="0">
-              <a:lnSpc>
-                <a:spcPct val="120000"/>
-              </a:lnSpc>
-              <a:spcBef>
-                <a:spcPts val="0"/>
-              </a:spcBef>
-              <a:buNone/>
-            </a:pPr>
-            <a:r>
-              <a:rPr lang="en-US" sz="1200" dirty="0"/>
-              <a:t>            "Patient </a:t>
-            </a:r>
-            <a:r>
-              <a:rPr lang="en-US" sz="1200" dirty="0" err="1"/>
-              <a:t>isAdministeredDosage</a:t>
-            </a:r>
-            <a:r>
-              <a:rPr lang="en-US" sz="1200" dirty="0"/>
-              <a:t> Dosage",</a:t>
-            </a:r>
-            <a:endParaRPr lang="en-US" dirty="0"/>
-          </a:p>
-          <a:p>
-            <a:pPr marL="0" indent="0">
-              <a:lnSpc>
-                <a:spcPct val="120000"/>
-              </a:lnSpc>
-              <a:spcBef>
-                <a:spcPts val="0"/>
-              </a:spcBef>
-              <a:buNone/>
-            </a:pPr>
-            <a:r>
-              <a:rPr lang="en-US" sz="1200" dirty="0"/>
-              <a:t>            "Race </a:t>
-            </a:r>
-            <a:r>
-              <a:rPr lang="en-US" sz="1200" dirty="0" err="1"/>
-              <a:t>hasRaceTypes</a:t>
-            </a:r>
-            <a:r>
-              <a:rPr lang="en-US" sz="1200" dirty="0"/>
-              <a:t> </a:t>
-            </a:r>
-            <a:r>
-              <a:rPr lang="en-US" sz="1200" dirty="0" err="1"/>
-              <a:t>RaceTypes</a:t>
-            </a:r>
-            <a:r>
-              <a:rPr lang="en-US" sz="1200" dirty="0"/>
-              <a:t>",</a:t>
-            </a:r>
-            <a:endParaRPr lang="en-US" dirty="0"/>
-          </a:p>
-          <a:p>
-            <a:pPr marL="0" indent="0">
-              <a:lnSpc>
-                <a:spcPct val="120000"/>
-              </a:lnSpc>
-              <a:spcBef>
-                <a:spcPts val="0"/>
-              </a:spcBef>
-              <a:buNone/>
-            </a:pPr>
-            <a:r>
-              <a:rPr lang="en-US" sz="1200" dirty="0"/>
-              <a:t>            "Ethnicity </a:t>
-            </a:r>
-            <a:r>
-              <a:rPr lang="en-US" sz="1200" dirty="0" err="1"/>
-              <a:t>hasEthnicityTypes</a:t>
-            </a:r>
-            <a:r>
-              <a:rPr lang="en-US" sz="1200" dirty="0"/>
-              <a:t> </a:t>
-            </a:r>
-            <a:r>
-              <a:rPr lang="en-US" sz="1200" dirty="0" err="1"/>
-              <a:t>EthnicityTypes</a:t>
-            </a:r>
-            <a:r>
-              <a:rPr lang="en-US" sz="1200" dirty="0"/>
-              <a:t>",</a:t>
-            </a:r>
-            <a:endParaRPr lang="en-US" dirty="0"/>
-          </a:p>
-          <a:p>
-            <a:pPr marL="0" indent="0">
-              <a:lnSpc>
-                <a:spcPct val="120000"/>
-              </a:lnSpc>
-              <a:spcBef>
-                <a:spcPts val="0"/>
-              </a:spcBef>
-              <a:buNone/>
-            </a:pPr>
-            <a:r>
-              <a:rPr lang="en-US" sz="1200" dirty="0"/>
-              <a:t>            "Gender </a:t>
-            </a:r>
-            <a:r>
-              <a:rPr lang="en-US" sz="1200" dirty="0" err="1"/>
-              <a:t>hasGenderTypes</a:t>
-            </a:r>
-            <a:r>
-              <a:rPr lang="en-US" sz="1200" dirty="0"/>
-              <a:t> </a:t>
-            </a:r>
-            <a:r>
-              <a:rPr lang="en-US" sz="1200" dirty="0" err="1"/>
-              <a:t>GenderTypes</a:t>
-            </a:r>
-            <a:r>
-              <a:rPr lang="en-US" sz="1200" dirty="0"/>
-              <a:t>"</a:t>
-            </a:r>
-            <a:endParaRPr lang="en-US" dirty="0"/>
-          </a:p>
-          <a:p>
-            <a:pPr marL="0" indent="0">
-              <a:lnSpc>
-                <a:spcPct val="120000"/>
-              </a:lnSpc>
-              <a:spcBef>
-                <a:spcPts val="0"/>
-              </a:spcBef>
-              <a:buNone/>
-            </a:pPr>
-            <a:r>
-              <a:rPr lang="en-US" sz="1200" dirty="0"/>
-              <a:t>        ]</a:t>
-            </a:r>
-            <a:endParaRPr lang="en-US" dirty="0"/>
-          </a:p>
-          <a:p>
-            <a:pPr marL="0" indent="0">
-              <a:lnSpc>
-                <a:spcPct val="120000"/>
-              </a:lnSpc>
-              <a:spcBef>
-                <a:spcPts val="0"/>
-              </a:spcBef>
-              <a:buNone/>
-            </a:pPr>
-            <a:r>
-              <a:rPr lang="en-US" sz="1200" dirty="0"/>
-              <a:t>gr = [</a:t>
-            </a:r>
-            <a:endParaRPr lang="en-US" dirty="0"/>
-          </a:p>
-          <a:p>
-            <a:pPr marL="0" indent="0">
-              <a:lnSpc>
-                <a:spcPct val="120000"/>
-              </a:lnSpc>
-              <a:spcBef>
-                <a:spcPts val="0"/>
-              </a:spcBef>
-              <a:buNone/>
-            </a:pPr>
-            <a:r>
-              <a:rPr lang="en-US" sz="1200" dirty="0"/>
-              <a:t>            "Patient </a:t>
-            </a:r>
-            <a:r>
-              <a:rPr lang="en-US" sz="1200" dirty="0" err="1"/>
-              <a:t>hasGender</a:t>
-            </a:r>
-            <a:r>
-              <a:rPr lang="en-US" sz="1200" dirty="0"/>
-              <a:t> Gender",</a:t>
-            </a:r>
-            <a:endParaRPr lang="en-US" dirty="0"/>
-          </a:p>
-          <a:p>
-            <a:pPr marL="0" indent="0">
-              <a:lnSpc>
-                <a:spcPct val="120000"/>
-              </a:lnSpc>
-              <a:spcBef>
-                <a:spcPts val="0"/>
-              </a:spcBef>
-              <a:buNone/>
-            </a:pPr>
-            <a:r>
-              <a:rPr lang="en-US" sz="1200" dirty="0"/>
-              <a:t>            "Patient </a:t>
-            </a:r>
-            <a:r>
-              <a:rPr lang="en-US" sz="1200" dirty="0" err="1"/>
-              <a:t>hasEthnicity</a:t>
-            </a:r>
-            <a:r>
-              <a:rPr lang="en-US" sz="1200" dirty="0"/>
-              <a:t> Ethnicity",</a:t>
-            </a:r>
-            <a:endParaRPr lang="en-US" dirty="0"/>
-          </a:p>
-          <a:p>
-            <a:pPr marL="0" indent="0">
-              <a:lnSpc>
-                <a:spcPct val="120000"/>
-              </a:lnSpc>
-              <a:spcBef>
-                <a:spcPts val="0"/>
-              </a:spcBef>
-              <a:buNone/>
-            </a:pPr>
-            <a:r>
-              <a:rPr lang="en-US" sz="1200" dirty="0"/>
-              <a:t>            "Patient </a:t>
-            </a:r>
-            <a:r>
-              <a:rPr lang="en-US" sz="1200" dirty="0" err="1"/>
-              <a:t>hasRace</a:t>
-            </a:r>
-            <a:r>
-              <a:rPr lang="en-US" sz="1200" dirty="0"/>
-              <a:t> Race",</a:t>
-            </a:r>
-            <a:endParaRPr lang="en-US" dirty="0"/>
-          </a:p>
-          <a:p>
-            <a:pPr marL="0" indent="0">
-              <a:lnSpc>
-                <a:spcPct val="120000"/>
-              </a:lnSpc>
-              <a:spcBef>
-                <a:spcPts val="0"/>
-              </a:spcBef>
-              <a:buNone/>
-            </a:pPr>
-            <a:r>
-              <a:rPr lang="en-US" sz="1200" dirty="0"/>
-              <a:t>            "Patient </a:t>
-            </a:r>
-            <a:r>
-              <a:rPr lang="en-US" sz="1200" dirty="0" err="1"/>
-              <a:t>hasAge</a:t>
-            </a:r>
-            <a:r>
-              <a:rPr lang="en-US" sz="1200" dirty="0"/>
-              <a:t> Age",</a:t>
-            </a:r>
-            <a:endParaRPr lang="en-US" dirty="0"/>
-          </a:p>
-          <a:p>
-            <a:pPr marL="0" indent="0">
-              <a:lnSpc>
-                <a:spcPct val="120000"/>
-              </a:lnSpc>
-              <a:spcBef>
-                <a:spcPts val="0"/>
-              </a:spcBef>
-              <a:buNone/>
-            </a:pPr>
-            <a:r>
-              <a:rPr lang="en-US" sz="1200" dirty="0"/>
-              <a:t>            "Patient </a:t>
-            </a:r>
-            <a:r>
-              <a:rPr lang="en-US" sz="1200" dirty="0" err="1"/>
-              <a:t>hasVisit</a:t>
-            </a:r>
-            <a:r>
-              <a:rPr lang="en-US" sz="1200" dirty="0"/>
-              <a:t> Visit",</a:t>
-            </a:r>
-            <a:endParaRPr lang="en-US" dirty="0"/>
-          </a:p>
-          <a:p>
-            <a:pPr marL="0" indent="0">
-              <a:lnSpc>
-                <a:spcPct val="120000"/>
-              </a:lnSpc>
-              <a:spcBef>
-                <a:spcPts val="0"/>
-              </a:spcBef>
-              <a:buNone/>
-            </a:pPr>
-            <a:r>
-              <a:rPr lang="en-US" sz="1200" dirty="0"/>
-              <a:t>            "Patient </a:t>
-            </a:r>
-            <a:r>
-              <a:rPr lang="en-US" sz="1200" dirty="0" err="1"/>
-              <a:t>hasPatientType</a:t>
-            </a:r>
-            <a:r>
-              <a:rPr lang="en-US" sz="1200" dirty="0"/>
-              <a:t> </a:t>
-            </a:r>
-            <a:r>
-              <a:rPr lang="en-US" sz="1200" dirty="0" err="1"/>
-              <a:t>PatientType</a:t>
-            </a:r>
-            <a:r>
-              <a:rPr lang="en-US" sz="1200" dirty="0"/>
-              <a:t>",</a:t>
-            </a:r>
-            <a:endParaRPr lang="en-US" dirty="0"/>
-          </a:p>
-          <a:p>
-            <a:pPr marL="0" indent="0">
-              <a:lnSpc>
-                <a:spcPct val="120000"/>
-              </a:lnSpc>
-              <a:spcBef>
-                <a:spcPts val="0"/>
-              </a:spcBef>
-              <a:buNone/>
-            </a:pPr>
-            <a:r>
-              <a:rPr lang="en-US" sz="1200" dirty="0"/>
-              <a:t>            "Patient </a:t>
-            </a:r>
-            <a:r>
-              <a:rPr lang="en-US" sz="1200" dirty="0" err="1"/>
-              <a:t>hasPriorityofAdmission</a:t>
-            </a:r>
-            <a:r>
-              <a:rPr lang="en-US" sz="1200" dirty="0"/>
-              <a:t> </a:t>
-            </a:r>
-            <a:r>
-              <a:rPr lang="en-US" sz="1200" dirty="0" err="1"/>
-              <a:t>PriorityofAdmission</a:t>
-            </a:r>
-            <a:r>
-              <a:rPr lang="en-US" sz="1200" dirty="0"/>
-              <a:t>",</a:t>
-            </a:r>
-            <a:endParaRPr lang="en-US" dirty="0"/>
-          </a:p>
-          <a:p>
-            <a:pPr marL="0" indent="0">
-              <a:lnSpc>
-                <a:spcPct val="120000"/>
-              </a:lnSpc>
-              <a:spcBef>
-                <a:spcPts val="0"/>
-              </a:spcBef>
-              <a:buNone/>
-            </a:pPr>
-            <a:r>
-              <a:rPr lang="en-US" sz="1200" dirty="0"/>
-              <a:t>            "Patient </a:t>
-            </a:r>
-            <a:r>
-              <a:rPr lang="en-US" sz="1200" dirty="0" err="1"/>
-              <a:t>hasMedicalRecordNumber</a:t>
-            </a:r>
-            <a:r>
-              <a:rPr lang="en-US" sz="1200" dirty="0"/>
-              <a:t> </a:t>
-            </a:r>
-            <a:r>
-              <a:rPr lang="en-US" sz="1200" dirty="0" err="1"/>
-              <a:t>MedicalRecordNumber</a:t>
-            </a:r>
-            <a:r>
-              <a:rPr lang="en-US" sz="1200" dirty="0"/>
-              <a:t>",</a:t>
-            </a:r>
-            <a:endParaRPr lang="en-US" dirty="0"/>
-          </a:p>
-          <a:p>
-            <a:pPr marL="0" indent="0">
-              <a:lnSpc>
-                <a:spcPct val="120000"/>
-              </a:lnSpc>
-              <a:spcBef>
-                <a:spcPts val="0"/>
-              </a:spcBef>
-              <a:buNone/>
-            </a:pPr>
-            <a:r>
-              <a:rPr lang="en-US" sz="1200" dirty="0"/>
-              <a:t>            "Patient </a:t>
-            </a:r>
-            <a:r>
-              <a:rPr lang="en-US" sz="1200" dirty="0" err="1"/>
-              <a:t>hasDiagnosis</a:t>
-            </a:r>
-            <a:r>
-              <a:rPr lang="en-US" sz="1200" dirty="0"/>
-              <a:t> Diagnosis",</a:t>
-            </a:r>
-            <a:endParaRPr lang="en-US" dirty="0"/>
-          </a:p>
-          <a:p>
-            <a:pPr marL="0" indent="0">
-              <a:lnSpc>
-                <a:spcPct val="120000"/>
-              </a:lnSpc>
-              <a:spcBef>
-                <a:spcPts val="0"/>
-              </a:spcBef>
-              <a:buNone/>
-            </a:pPr>
-            <a:r>
-              <a:rPr lang="en-US" sz="1200" dirty="0"/>
-              <a:t>            "Patient </a:t>
-            </a:r>
-            <a:r>
-              <a:rPr lang="en-US" sz="1200" dirty="0" err="1"/>
-              <a:t>isAdministeredDosage</a:t>
-            </a:r>
-            <a:r>
-              <a:rPr lang="en-US" sz="1200" dirty="0"/>
-              <a:t> Dosage",</a:t>
-            </a:r>
-            <a:endParaRPr lang="en-US" dirty="0"/>
-          </a:p>
-          <a:p>
-            <a:pPr marL="0" indent="0">
-              <a:lnSpc>
-                <a:spcPct val="120000"/>
-              </a:lnSpc>
-              <a:spcBef>
-                <a:spcPts val="0"/>
-              </a:spcBef>
-              <a:buNone/>
-            </a:pPr>
-            <a:r>
-              <a:rPr lang="en-US" sz="1200" dirty="0"/>
-              <a:t>            "Age </a:t>
-            </a:r>
-            <a:r>
-              <a:rPr lang="en-US" sz="1200" dirty="0" err="1"/>
-              <a:t>hasQuantity</a:t>
-            </a:r>
-            <a:r>
-              <a:rPr lang="en-US" sz="1200" dirty="0"/>
-              <a:t> Quantity",</a:t>
-            </a:r>
-            <a:endParaRPr lang="en-US" dirty="0"/>
-          </a:p>
-          <a:p>
-            <a:pPr marL="0" indent="0">
-              <a:lnSpc>
-                <a:spcPct val="120000"/>
-              </a:lnSpc>
-              <a:spcBef>
-                <a:spcPts val="0"/>
-              </a:spcBef>
-              <a:buNone/>
-            </a:pPr>
-            <a:r>
-              <a:rPr lang="en-US" sz="1200" dirty="0"/>
-              <a:t>            "Race </a:t>
-            </a:r>
-            <a:r>
-              <a:rPr lang="en-US" sz="1200" dirty="0" err="1"/>
-              <a:t>hasRaceTypes</a:t>
-            </a:r>
-            <a:r>
-              <a:rPr lang="en-US" sz="1200" dirty="0"/>
-              <a:t> </a:t>
-            </a:r>
-            <a:r>
-              <a:rPr lang="en-US" sz="1200" dirty="0" err="1"/>
-              <a:t>RaceTypes</a:t>
-            </a:r>
-            <a:r>
-              <a:rPr lang="en-US" sz="1200" dirty="0"/>
-              <a:t>",</a:t>
-            </a:r>
-            <a:endParaRPr lang="en-US" dirty="0"/>
-          </a:p>
-          <a:p>
-            <a:pPr marL="0" indent="0">
-              <a:lnSpc>
-                <a:spcPct val="120000"/>
-              </a:lnSpc>
-              <a:spcBef>
-                <a:spcPts val="0"/>
-              </a:spcBef>
-              <a:buNone/>
-            </a:pPr>
-            <a:r>
-              <a:rPr lang="en-US" sz="1200" dirty="0"/>
-              <a:t>            "Ethnicity </a:t>
-            </a:r>
-            <a:r>
-              <a:rPr lang="en-US" sz="1200" dirty="0" err="1"/>
-              <a:t>hasEthnicityTypes</a:t>
-            </a:r>
-            <a:r>
-              <a:rPr lang="en-US" sz="1200" dirty="0"/>
-              <a:t> </a:t>
-            </a:r>
-            <a:r>
-              <a:rPr lang="en-US" sz="1200" dirty="0" err="1"/>
-              <a:t>EthnicityTypes</a:t>
-            </a:r>
-            <a:r>
-              <a:rPr lang="en-US" sz="1200" dirty="0"/>
-              <a:t>",</a:t>
-            </a:r>
-            <a:endParaRPr lang="en-US" dirty="0"/>
-          </a:p>
-          <a:p>
-            <a:pPr marL="0" indent="0">
-              <a:lnSpc>
-                <a:spcPct val="120000"/>
-              </a:lnSpc>
-              <a:spcBef>
-                <a:spcPts val="0"/>
-              </a:spcBef>
-              <a:buNone/>
-            </a:pPr>
-            <a:r>
-              <a:rPr lang="en-US" sz="1200" dirty="0"/>
-              <a:t>            "Gender </a:t>
-            </a:r>
-            <a:r>
-              <a:rPr lang="en-US" sz="1200" dirty="0" err="1"/>
-              <a:t>hasGenderTypes</a:t>
-            </a:r>
-            <a:r>
-              <a:rPr lang="en-US" sz="1200" dirty="0"/>
-              <a:t> </a:t>
-            </a:r>
-            <a:r>
-              <a:rPr lang="en-US" sz="1200" dirty="0" err="1"/>
-              <a:t>GenderTypes</a:t>
-            </a:r>
-            <a:r>
-              <a:rPr lang="en-US" sz="1200" dirty="0"/>
-              <a:t>"</a:t>
-            </a:r>
-            <a:endParaRPr lang="en-US" dirty="0"/>
-          </a:p>
-          <a:p>
-            <a:pPr marL="0" indent="0">
-              <a:lnSpc>
-                <a:spcPct val="120000"/>
-              </a:lnSpc>
-              <a:spcBef>
-                <a:spcPts val="0"/>
-              </a:spcBef>
-              <a:buNone/>
-            </a:pPr>
-            <a:r>
-              <a:rPr lang="en-US" sz="1200" dirty="0"/>
-              <a:t>        ]</a:t>
-            </a:r>
-          </a:p>
-        </p:txBody>
-      </p:sp>
       <p:sp>
         <p:nvSpPr>
           <p:cNvPr id="3" name="Slide Number Placeholder 2">
@@ -11732,7 +11505,7 @@
         </p:blipFill>
         <p:spPr>
           <a:xfrm>
-            <a:off x="8622792" y="1828800"/>
+            <a:off x="8935309" y="1828798"/>
             <a:ext cx="3152775" cy="3705225"/>
           </a:xfrm>
           <a:prstGeom prst="rect">
@@ -11740,6 +11513,1584 @@
           </a:prstGeom>
         </p:spPr>
       </p:pic>
+      <p:sp>
+        <p:nvSpPr>
+          <p:cNvPr id="7" name="TextBox 6">
+            <a:extLst>
+              <a:ext uri="{FF2B5EF4-FFF2-40B4-BE49-F238E27FC236}">
+                <a16:creationId xmlns:a16="http://schemas.microsoft.com/office/drawing/2014/main" id="{59AD1243-F831-DFEC-2287-BE170F85F4A0}"/>
+              </a:ext>
+            </a:extLst>
+          </p:cNvPr>
+          <p:cNvSpPr txBox="1"/>
+          <p:nvPr/>
+        </p:nvSpPr>
+        <p:spPr>
+          <a:xfrm>
+            <a:off x="202288" y="1994593"/>
+            <a:ext cx="3411637" cy="3539430"/>
+          </a:xfrm>
+          <a:prstGeom prst="rect">
+            <a:avLst/>
+          </a:prstGeom>
+          <a:solidFill>
+            <a:schemeClr val="tx1"/>
+          </a:solidFill>
+        </p:spPr>
+        <p:txBody>
+          <a:bodyPr wrap="square">
+            <a:spAutoFit/>
+          </a:bodyPr>
+          <a:lstStyle/>
+          <a:p>
+            <a:r>
+              <a:rPr lang="en-US" sz="800" b="0" dirty="0" err="1">
+                <a:solidFill>
+                  <a:srgbClr val="9CDCFE"/>
+                </a:solidFill>
+                <a:effectLst/>
+                <a:latin typeface="Consolas" panose="020B0609020204030204" pitchFamily="49" charset="0"/>
+              </a:rPr>
+              <a:t>gd</a:t>
+            </a:r>
+            <a:r>
+              <a:rPr lang="en-US" sz="800" b="0" dirty="0">
+                <a:solidFill>
+                  <a:srgbClr val="CCCCCC"/>
+                </a:solidFill>
+                <a:effectLst/>
+                <a:latin typeface="Consolas" panose="020B0609020204030204" pitchFamily="49" charset="0"/>
+              </a:rPr>
+              <a:t> </a:t>
+            </a:r>
+            <a:r>
+              <a:rPr lang="en-US" sz="800" b="0" dirty="0">
+                <a:solidFill>
+                  <a:srgbClr val="D4D4D4"/>
+                </a:solidFill>
+                <a:effectLst/>
+                <a:latin typeface="Consolas" panose="020B0609020204030204" pitchFamily="49" charset="0"/>
+              </a:rPr>
+              <a:t>=</a:t>
+            </a:r>
+            <a:r>
+              <a:rPr lang="en-US" sz="800" b="0" dirty="0">
+                <a:solidFill>
+                  <a:srgbClr val="CCCCCC"/>
+                </a:solidFill>
+                <a:effectLst/>
+                <a:latin typeface="Consolas" panose="020B0609020204030204" pitchFamily="49" charset="0"/>
+              </a:rPr>
+              <a:t> [</a:t>
+            </a:r>
+          </a:p>
+          <a:p>
+            <a:r>
+              <a:rPr lang="en-US" sz="800" b="0" dirty="0">
+                <a:solidFill>
+                  <a:srgbClr val="CCCCCC"/>
+                </a:solidFill>
+                <a:effectLst/>
+                <a:latin typeface="Consolas" panose="020B0609020204030204" pitchFamily="49" charset="0"/>
+              </a:rPr>
+              <a:t>    </a:t>
+            </a:r>
+            <a:r>
+              <a:rPr lang="en-US" sz="800" b="0" dirty="0">
+                <a:solidFill>
+                  <a:srgbClr val="CE9178"/>
+                </a:solidFill>
+                <a:effectLst/>
+                <a:latin typeface="Consolas" panose="020B0609020204030204" pitchFamily="49" charset="0"/>
+              </a:rPr>
+              <a:t>"Patient </a:t>
+            </a:r>
+            <a:r>
+              <a:rPr lang="en-US" sz="800" b="0" dirty="0" err="1">
+                <a:solidFill>
+                  <a:srgbClr val="CE9178"/>
+                </a:solidFill>
+                <a:effectLst/>
+                <a:latin typeface="Consolas" panose="020B0609020204030204" pitchFamily="49" charset="0"/>
+              </a:rPr>
+              <a:t>hasVisit</a:t>
+            </a:r>
+            <a:r>
+              <a:rPr lang="en-US" sz="800" b="0" dirty="0">
+                <a:solidFill>
+                  <a:srgbClr val="CE9178"/>
+                </a:solidFill>
+                <a:effectLst/>
+                <a:latin typeface="Consolas" panose="020B0609020204030204" pitchFamily="49" charset="0"/>
+              </a:rPr>
+              <a:t> Visit"</a:t>
+            </a:r>
+            <a:r>
+              <a:rPr lang="en-US" sz="800" b="0" dirty="0">
+                <a:solidFill>
+                  <a:srgbClr val="CCCCCC"/>
+                </a:solidFill>
+                <a:effectLst/>
+                <a:latin typeface="Consolas" panose="020B0609020204030204" pitchFamily="49" charset="0"/>
+              </a:rPr>
+              <a:t>,</a:t>
+            </a:r>
+          </a:p>
+          <a:p>
+            <a:r>
+              <a:rPr lang="en-US" sz="800" b="0" dirty="0">
+                <a:solidFill>
+                  <a:srgbClr val="CCCCCC"/>
+                </a:solidFill>
+                <a:effectLst/>
+                <a:latin typeface="Consolas" panose="020B0609020204030204" pitchFamily="49" charset="0"/>
+              </a:rPr>
+              <a:t>    </a:t>
+            </a:r>
+            <a:r>
+              <a:rPr lang="en-US" sz="800" b="0" dirty="0">
+                <a:solidFill>
+                  <a:srgbClr val="CE9178"/>
+                </a:solidFill>
+                <a:effectLst/>
+                <a:latin typeface="Consolas" panose="020B0609020204030204" pitchFamily="49" charset="0"/>
+              </a:rPr>
+              <a:t>"Patient </a:t>
+            </a:r>
+            <a:r>
+              <a:rPr lang="en-US" sz="800" b="0" dirty="0" err="1">
+                <a:solidFill>
+                  <a:srgbClr val="CE9178"/>
+                </a:solidFill>
+                <a:effectLst/>
+                <a:latin typeface="Consolas" panose="020B0609020204030204" pitchFamily="49" charset="0"/>
+              </a:rPr>
+              <a:t>hasPatientType</a:t>
+            </a:r>
+            <a:r>
+              <a:rPr lang="en-US" sz="800" b="0" dirty="0">
+                <a:solidFill>
+                  <a:srgbClr val="CE9178"/>
+                </a:solidFill>
+                <a:effectLst/>
+                <a:latin typeface="Consolas" panose="020B0609020204030204" pitchFamily="49" charset="0"/>
+              </a:rPr>
+              <a:t> </a:t>
+            </a:r>
+            <a:r>
+              <a:rPr lang="en-US" sz="800" b="0" dirty="0" err="1">
+                <a:solidFill>
+                  <a:srgbClr val="CE9178"/>
+                </a:solidFill>
+                <a:effectLst/>
+                <a:latin typeface="Consolas" panose="020B0609020204030204" pitchFamily="49" charset="0"/>
+              </a:rPr>
+              <a:t>PatientType</a:t>
+            </a:r>
+            <a:r>
+              <a:rPr lang="en-US" sz="800" b="0" dirty="0">
+                <a:solidFill>
+                  <a:srgbClr val="CE9178"/>
+                </a:solidFill>
+                <a:effectLst/>
+                <a:latin typeface="Consolas" panose="020B0609020204030204" pitchFamily="49" charset="0"/>
+              </a:rPr>
+              <a:t>"</a:t>
+            </a:r>
+            <a:r>
+              <a:rPr lang="en-US" sz="800" b="0" dirty="0">
+                <a:solidFill>
+                  <a:srgbClr val="CCCCCC"/>
+                </a:solidFill>
+                <a:effectLst/>
+                <a:latin typeface="Consolas" panose="020B0609020204030204" pitchFamily="49" charset="0"/>
+              </a:rPr>
+              <a:t>,</a:t>
+            </a:r>
+          </a:p>
+          <a:p>
+            <a:r>
+              <a:rPr lang="en-US" sz="800" b="0" dirty="0">
+                <a:solidFill>
+                  <a:srgbClr val="CCCCCC"/>
+                </a:solidFill>
+                <a:effectLst/>
+                <a:latin typeface="Consolas" panose="020B0609020204030204" pitchFamily="49" charset="0"/>
+              </a:rPr>
+              <a:t>    </a:t>
+            </a:r>
+            <a:r>
+              <a:rPr lang="en-US" sz="800" b="0" dirty="0">
+                <a:solidFill>
+                  <a:srgbClr val="CE9178"/>
+                </a:solidFill>
+                <a:effectLst/>
+                <a:latin typeface="Consolas" panose="020B0609020204030204" pitchFamily="49" charset="0"/>
+              </a:rPr>
+              <a:t>"Patient </a:t>
+            </a:r>
+            <a:r>
+              <a:rPr lang="en-US" sz="800" b="0" dirty="0" err="1">
+                <a:solidFill>
+                  <a:srgbClr val="CE9178"/>
+                </a:solidFill>
+                <a:effectLst/>
+                <a:latin typeface="Consolas" panose="020B0609020204030204" pitchFamily="49" charset="0"/>
+              </a:rPr>
+              <a:t>hasPriorityofAdmission</a:t>
+            </a:r>
+            <a:r>
+              <a:rPr lang="en-US" sz="800" b="0" dirty="0">
+                <a:solidFill>
+                  <a:srgbClr val="CE9178"/>
+                </a:solidFill>
+                <a:effectLst/>
+                <a:latin typeface="Consolas" panose="020B0609020204030204" pitchFamily="49" charset="0"/>
+              </a:rPr>
+              <a:t> </a:t>
+            </a:r>
+            <a:r>
+              <a:rPr lang="en-US" sz="800" b="0" dirty="0" err="1">
+                <a:solidFill>
+                  <a:srgbClr val="CE9178"/>
+                </a:solidFill>
+                <a:effectLst/>
+                <a:latin typeface="Consolas" panose="020B0609020204030204" pitchFamily="49" charset="0"/>
+              </a:rPr>
+              <a:t>PriorityofAdmission</a:t>
+            </a:r>
+            <a:r>
+              <a:rPr lang="en-US" sz="800" b="0" dirty="0">
+                <a:solidFill>
+                  <a:srgbClr val="CE9178"/>
+                </a:solidFill>
+                <a:effectLst/>
+                <a:latin typeface="Consolas" panose="020B0609020204030204" pitchFamily="49" charset="0"/>
+              </a:rPr>
+              <a:t>"</a:t>
+            </a:r>
+            <a:r>
+              <a:rPr lang="en-US" sz="800" b="0" dirty="0">
+                <a:solidFill>
+                  <a:srgbClr val="CCCCCC"/>
+                </a:solidFill>
+                <a:effectLst/>
+                <a:latin typeface="Consolas" panose="020B0609020204030204" pitchFamily="49" charset="0"/>
+              </a:rPr>
+              <a:t>,</a:t>
+            </a:r>
+          </a:p>
+          <a:p>
+            <a:r>
+              <a:rPr lang="en-US" sz="800" b="0" dirty="0">
+                <a:solidFill>
+                  <a:srgbClr val="CCCCCC"/>
+                </a:solidFill>
+                <a:effectLst/>
+                <a:latin typeface="Consolas" panose="020B0609020204030204" pitchFamily="49" charset="0"/>
+              </a:rPr>
+              <a:t>    </a:t>
+            </a:r>
+            <a:r>
+              <a:rPr lang="en-US" sz="800" b="0" dirty="0">
+                <a:solidFill>
+                  <a:srgbClr val="CE9178"/>
+                </a:solidFill>
+                <a:effectLst/>
+                <a:latin typeface="Consolas" panose="020B0609020204030204" pitchFamily="49" charset="0"/>
+              </a:rPr>
+              <a:t>"Patient </a:t>
+            </a:r>
+            <a:r>
+              <a:rPr lang="en-US" sz="800" b="0" dirty="0" err="1">
+                <a:solidFill>
+                  <a:srgbClr val="CE9178"/>
+                </a:solidFill>
+                <a:effectLst/>
+                <a:latin typeface="Consolas" panose="020B0609020204030204" pitchFamily="49" charset="0"/>
+              </a:rPr>
+              <a:t>hasMedicalRecordNumber</a:t>
+            </a:r>
+            <a:r>
+              <a:rPr lang="en-US" sz="800" b="0" dirty="0">
+                <a:solidFill>
+                  <a:srgbClr val="CE9178"/>
+                </a:solidFill>
+                <a:effectLst/>
+                <a:latin typeface="Consolas" panose="020B0609020204030204" pitchFamily="49" charset="0"/>
+              </a:rPr>
+              <a:t> </a:t>
+            </a:r>
+            <a:r>
+              <a:rPr lang="en-US" sz="800" b="0" dirty="0" err="1">
+                <a:solidFill>
+                  <a:srgbClr val="CE9178"/>
+                </a:solidFill>
+                <a:effectLst/>
+                <a:latin typeface="Consolas" panose="020B0609020204030204" pitchFamily="49" charset="0"/>
+              </a:rPr>
+              <a:t>MedicalRecordNumber</a:t>
+            </a:r>
+            <a:r>
+              <a:rPr lang="en-US" sz="800" b="0" dirty="0">
+                <a:solidFill>
+                  <a:srgbClr val="CE9178"/>
+                </a:solidFill>
+                <a:effectLst/>
+                <a:latin typeface="Consolas" panose="020B0609020204030204" pitchFamily="49" charset="0"/>
+              </a:rPr>
+              <a:t>"</a:t>
+            </a:r>
+            <a:r>
+              <a:rPr lang="en-US" sz="800" b="0" dirty="0">
+                <a:solidFill>
+                  <a:srgbClr val="CCCCCC"/>
+                </a:solidFill>
+                <a:effectLst/>
+                <a:latin typeface="Consolas" panose="020B0609020204030204" pitchFamily="49" charset="0"/>
+              </a:rPr>
+              <a:t>,</a:t>
+            </a:r>
+          </a:p>
+          <a:p>
+            <a:r>
+              <a:rPr lang="en-US" sz="800" b="0" dirty="0">
+                <a:solidFill>
+                  <a:srgbClr val="CCCCCC"/>
+                </a:solidFill>
+                <a:effectLst/>
+                <a:latin typeface="Consolas" panose="020B0609020204030204" pitchFamily="49" charset="0"/>
+              </a:rPr>
+              <a:t>    </a:t>
+            </a:r>
+            <a:r>
+              <a:rPr lang="en-US" sz="800" b="0" dirty="0">
+                <a:solidFill>
+                  <a:srgbClr val="CE9178"/>
+                </a:solidFill>
+                <a:effectLst/>
+                <a:latin typeface="Consolas" panose="020B0609020204030204" pitchFamily="49" charset="0"/>
+              </a:rPr>
+              <a:t>"Patient </a:t>
+            </a:r>
+            <a:r>
+              <a:rPr lang="en-US" sz="800" b="0" dirty="0" err="1">
+                <a:solidFill>
+                  <a:srgbClr val="CE9178"/>
+                </a:solidFill>
+                <a:effectLst/>
+                <a:latin typeface="Consolas" panose="020B0609020204030204" pitchFamily="49" charset="0"/>
+              </a:rPr>
+              <a:t>hasDiagnosis</a:t>
+            </a:r>
+            <a:r>
+              <a:rPr lang="en-US" sz="800" b="0" dirty="0">
+                <a:solidFill>
+                  <a:srgbClr val="CE9178"/>
+                </a:solidFill>
+                <a:effectLst/>
+                <a:latin typeface="Consolas" panose="020B0609020204030204" pitchFamily="49" charset="0"/>
+              </a:rPr>
+              <a:t> Diagnosis"</a:t>
+            </a:r>
+            <a:r>
+              <a:rPr lang="en-US" sz="800" b="0" dirty="0">
+                <a:solidFill>
+                  <a:srgbClr val="CCCCCC"/>
+                </a:solidFill>
+                <a:effectLst/>
+                <a:latin typeface="Consolas" panose="020B0609020204030204" pitchFamily="49" charset="0"/>
+              </a:rPr>
+              <a:t>,</a:t>
+            </a:r>
+          </a:p>
+          <a:p>
+            <a:r>
+              <a:rPr lang="en-US" sz="800" b="0" dirty="0">
+                <a:solidFill>
+                  <a:srgbClr val="CCCCCC"/>
+                </a:solidFill>
+                <a:effectLst/>
+                <a:latin typeface="Consolas" panose="020B0609020204030204" pitchFamily="49" charset="0"/>
+              </a:rPr>
+              <a:t>    </a:t>
+            </a:r>
+            <a:r>
+              <a:rPr lang="en-US" sz="800" b="0" dirty="0">
+                <a:solidFill>
+                  <a:srgbClr val="CE9178"/>
+                </a:solidFill>
+                <a:effectLst/>
+                <a:latin typeface="Consolas" panose="020B0609020204030204" pitchFamily="49" charset="0"/>
+              </a:rPr>
+              <a:t>"Patient </a:t>
+            </a:r>
+            <a:r>
+              <a:rPr lang="en-US" sz="800" b="0" dirty="0" err="1">
+                <a:solidFill>
+                  <a:srgbClr val="CE9178"/>
+                </a:solidFill>
+                <a:effectLst/>
+                <a:latin typeface="Consolas" panose="020B0609020204030204" pitchFamily="49" charset="0"/>
+              </a:rPr>
+              <a:t>isAdministeredDosage</a:t>
+            </a:r>
+            <a:r>
+              <a:rPr lang="en-US" sz="800" b="0" dirty="0">
+                <a:solidFill>
+                  <a:srgbClr val="CE9178"/>
+                </a:solidFill>
+                <a:effectLst/>
+                <a:latin typeface="Consolas" panose="020B0609020204030204" pitchFamily="49" charset="0"/>
+              </a:rPr>
+              <a:t> Dosage"</a:t>
+            </a:r>
+            <a:r>
+              <a:rPr lang="en-US" sz="800" b="0" dirty="0">
+                <a:solidFill>
+                  <a:srgbClr val="CCCCCC"/>
+                </a:solidFill>
+                <a:effectLst/>
+                <a:latin typeface="Consolas" panose="020B0609020204030204" pitchFamily="49" charset="0"/>
+              </a:rPr>
+              <a:t>,</a:t>
+            </a:r>
+          </a:p>
+          <a:p>
+            <a:r>
+              <a:rPr lang="en-US" sz="800" b="0" dirty="0">
+                <a:solidFill>
+                  <a:srgbClr val="CCCCCC"/>
+                </a:solidFill>
+                <a:effectLst/>
+                <a:latin typeface="Consolas" panose="020B0609020204030204" pitchFamily="49" charset="0"/>
+              </a:rPr>
+              <a:t>    </a:t>
+            </a:r>
+            <a:r>
+              <a:rPr lang="en-US" sz="800" b="0" dirty="0">
+                <a:solidFill>
+                  <a:srgbClr val="CE9178"/>
+                </a:solidFill>
+                <a:effectLst/>
+                <a:latin typeface="Consolas" panose="020B0609020204030204" pitchFamily="49" charset="0"/>
+              </a:rPr>
+              <a:t>"Race </a:t>
+            </a:r>
+            <a:r>
+              <a:rPr lang="en-US" sz="800" b="0" dirty="0" err="1">
+                <a:solidFill>
+                  <a:srgbClr val="CE9178"/>
+                </a:solidFill>
+                <a:effectLst/>
+                <a:latin typeface="Consolas" panose="020B0609020204030204" pitchFamily="49" charset="0"/>
+              </a:rPr>
+              <a:t>hasRaceTypes</a:t>
+            </a:r>
+            <a:r>
+              <a:rPr lang="en-US" sz="800" b="0" dirty="0">
+                <a:solidFill>
+                  <a:srgbClr val="CE9178"/>
+                </a:solidFill>
+                <a:effectLst/>
+                <a:latin typeface="Consolas" panose="020B0609020204030204" pitchFamily="49" charset="0"/>
+              </a:rPr>
+              <a:t> </a:t>
+            </a:r>
+            <a:r>
+              <a:rPr lang="en-US" sz="800" b="0" dirty="0" err="1">
+                <a:solidFill>
+                  <a:srgbClr val="CE9178"/>
+                </a:solidFill>
+                <a:effectLst/>
+                <a:latin typeface="Consolas" panose="020B0609020204030204" pitchFamily="49" charset="0"/>
+              </a:rPr>
+              <a:t>RaceTypes</a:t>
+            </a:r>
+            <a:r>
+              <a:rPr lang="en-US" sz="800" b="0" dirty="0">
+                <a:solidFill>
+                  <a:srgbClr val="CE9178"/>
+                </a:solidFill>
+                <a:effectLst/>
+                <a:latin typeface="Consolas" panose="020B0609020204030204" pitchFamily="49" charset="0"/>
+              </a:rPr>
+              <a:t>"</a:t>
+            </a:r>
+            <a:r>
+              <a:rPr lang="en-US" sz="800" b="0" dirty="0">
+                <a:solidFill>
+                  <a:srgbClr val="CCCCCC"/>
+                </a:solidFill>
+                <a:effectLst/>
+                <a:latin typeface="Consolas" panose="020B0609020204030204" pitchFamily="49" charset="0"/>
+              </a:rPr>
+              <a:t>,</a:t>
+            </a:r>
+          </a:p>
+          <a:p>
+            <a:r>
+              <a:rPr lang="en-US" sz="800" b="0" dirty="0">
+                <a:solidFill>
+                  <a:srgbClr val="CCCCCC"/>
+                </a:solidFill>
+                <a:effectLst/>
+                <a:latin typeface="Consolas" panose="020B0609020204030204" pitchFamily="49" charset="0"/>
+              </a:rPr>
+              <a:t>    </a:t>
+            </a:r>
+            <a:r>
+              <a:rPr lang="en-US" sz="800" b="0" dirty="0">
+                <a:solidFill>
+                  <a:srgbClr val="CE9178"/>
+                </a:solidFill>
+                <a:effectLst/>
+                <a:latin typeface="Consolas" panose="020B0609020204030204" pitchFamily="49" charset="0"/>
+              </a:rPr>
+              <a:t>"Ethnicity </a:t>
+            </a:r>
+            <a:r>
+              <a:rPr lang="en-US" sz="800" b="0" dirty="0" err="1">
+                <a:solidFill>
+                  <a:srgbClr val="CE9178"/>
+                </a:solidFill>
+                <a:effectLst/>
+                <a:latin typeface="Consolas" panose="020B0609020204030204" pitchFamily="49" charset="0"/>
+              </a:rPr>
+              <a:t>hasEthnicityTypes</a:t>
+            </a:r>
+            <a:r>
+              <a:rPr lang="en-US" sz="800" b="0" dirty="0">
+                <a:solidFill>
+                  <a:srgbClr val="CE9178"/>
+                </a:solidFill>
+                <a:effectLst/>
+                <a:latin typeface="Consolas" panose="020B0609020204030204" pitchFamily="49" charset="0"/>
+              </a:rPr>
+              <a:t> </a:t>
+            </a:r>
+            <a:r>
+              <a:rPr lang="en-US" sz="800" b="0" dirty="0" err="1">
+                <a:solidFill>
+                  <a:srgbClr val="CE9178"/>
+                </a:solidFill>
+                <a:effectLst/>
+                <a:latin typeface="Consolas" panose="020B0609020204030204" pitchFamily="49" charset="0"/>
+              </a:rPr>
+              <a:t>EthnicityTypes</a:t>
+            </a:r>
+            <a:r>
+              <a:rPr lang="en-US" sz="800" b="0" dirty="0">
+                <a:solidFill>
+                  <a:srgbClr val="CE9178"/>
+                </a:solidFill>
+                <a:effectLst/>
+                <a:latin typeface="Consolas" panose="020B0609020204030204" pitchFamily="49" charset="0"/>
+              </a:rPr>
+              <a:t>"</a:t>
+            </a:r>
+            <a:r>
+              <a:rPr lang="en-US" sz="800" b="0" dirty="0">
+                <a:solidFill>
+                  <a:srgbClr val="CCCCCC"/>
+                </a:solidFill>
+                <a:effectLst/>
+                <a:latin typeface="Consolas" panose="020B0609020204030204" pitchFamily="49" charset="0"/>
+              </a:rPr>
+              <a:t>,</a:t>
+            </a:r>
+          </a:p>
+          <a:p>
+            <a:r>
+              <a:rPr lang="en-US" sz="800" b="0" dirty="0">
+                <a:solidFill>
+                  <a:srgbClr val="CCCCCC"/>
+                </a:solidFill>
+                <a:effectLst/>
+                <a:latin typeface="Consolas" panose="020B0609020204030204" pitchFamily="49" charset="0"/>
+              </a:rPr>
+              <a:t>    </a:t>
+            </a:r>
+            <a:r>
+              <a:rPr lang="en-US" sz="800" b="0" dirty="0">
+                <a:solidFill>
+                  <a:srgbClr val="CE9178"/>
+                </a:solidFill>
+                <a:effectLst/>
+                <a:latin typeface="Consolas" panose="020B0609020204030204" pitchFamily="49" charset="0"/>
+              </a:rPr>
+              <a:t>"Gender </a:t>
+            </a:r>
+            <a:r>
+              <a:rPr lang="en-US" sz="800" b="0" dirty="0" err="1">
+                <a:solidFill>
+                  <a:srgbClr val="CE9178"/>
+                </a:solidFill>
+                <a:effectLst/>
+                <a:latin typeface="Consolas" panose="020B0609020204030204" pitchFamily="49" charset="0"/>
+              </a:rPr>
+              <a:t>hasGenderTypes</a:t>
+            </a:r>
+            <a:r>
+              <a:rPr lang="en-US" sz="800" b="0" dirty="0">
+                <a:solidFill>
+                  <a:srgbClr val="CE9178"/>
+                </a:solidFill>
+                <a:effectLst/>
+                <a:latin typeface="Consolas" panose="020B0609020204030204" pitchFamily="49" charset="0"/>
+              </a:rPr>
+              <a:t> </a:t>
+            </a:r>
+            <a:r>
+              <a:rPr lang="en-US" sz="800" b="0" dirty="0" err="1">
+                <a:solidFill>
+                  <a:srgbClr val="CE9178"/>
+                </a:solidFill>
+                <a:effectLst/>
+                <a:latin typeface="Consolas" panose="020B0609020204030204" pitchFamily="49" charset="0"/>
+              </a:rPr>
+              <a:t>GenderTypes</a:t>
+            </a:r>
+            <a:r>
+              <a:rPr lang="en-US" sz="800" b="0" dirty="0">
+                <a:solidFill>
+                  <a:srgbClr val="CE9178"/>
+                </a:solidFill>
+                <a:effectLst/>
+                <a:latin typeface="Consolas" panose="020B0609020204030204" pitchFamily="49" charset="0"/>
+              </a:rPr>
+              <a:t>"</a:t>
+            </a:r>
+            <a:endParaRPr lang="en-US" sz="800" b="0" dirty="0">
+              <a:solidFill>
+                <a:srgbClr val="CCCCCC"/>
+              </a:solidFill>
+              <a:effectLst/>
+              <a:latin typeface="Consolas" panose="020B0609020204030204" pitchFamily="49" charset="0"/>
+            </a:endParaRPr>
+          </a:p>
+          <a:p>
+            <a:r>
+              <a:rPr lang="en-US" sz="800" b="0" dirty="0">
+                <a:solidFill>
+                  <a:srgbClr val="CCCCCC"/>
+                </a:solidFill>
+                <a:effectLst/>
+                <a:latin typeface="Consolas" panose="020B0609020204030204" pitchFamily="49" charset="0"/>
+              </a:rPr>
+              <a:t>]</a:t>
+            </a:r>
+          </a:p>
+          <a:p>
+            <a:br>
+              <a:rPr lang="en-US" sz="800" b="0" dirty="0">
+                <a:solidFill>
+                  <a:srgbClr val="CCCCCC"/>
+                </a:solidFill>
+                <a:effectLst/>
+                <a:latin typeface="Consolas" panose="020B0609020204030204" pitchFamily="49" charset="0"/>
+              </a:rPr>
+            </a:br>
+            <a:r>
+              <a:rPr lang="en-US" sz="800" b="0" dirty="0" err="1">
+                <a:solidFill>
+                  <a:srgbClr val="9CDCFE"/>
+                </a:solidFill>
+                <a:effectLst/>
+                <a:latin typeface="Consolas" panose="020B0609020204030204" pitchFamily="49" charset="0"/>
+              </a:rPr>
+              <a:t>sr</a:t>
+            </a:r>
+            <a:r>
+              <a:rPr lang="en-US" sz="800" b="0" dirty="0">
+                <a:solidFill>
+                  <a:srgbClr val="CCCCCC"/>
+                </a:solidFill>
+                <a:effectLst/>
+                <a:latin typeface="Consolas" panose="020B0609020204030204" pitchFamily="49" charset="0"/>
+              </a:rPr>
+              <a:t> </a:t>
+            </a:r>
+            <a:r>
+              <a:rPr lang="en-US" sz="800" b="0" dirty="0">
+                <a:solidFill>
+                  <a:srgbClr val="D4D4D4"/>
+                </a:solidFill>
+                <a:effectLst/>
+                <a:latin typeface="Consolas" panose="020B0609020204030204" pitchFamily="49" charset="0"/>
+              </a:rPr>
+              <a:t>=</a:t>
+            </a:r>
+            <a:r>
+              <a:rPr lang="en-US" sz="800" b="0" dirty="0">
+                <a:solidFill>
+                  <a:srgbClr val="CCCCCC"/>
+                </a:solidFill>
+                <a:effectLst/>
+                <a:latin typeface="Consolas" panose="020B0609020204030204" pitchFamily="49" charset="0"/>
+              </a:rPr>
+              <a:t> [</a:t>
+            </a:r>
+          </a:p>
+          <a:p>
+            <a:r>
+              <a:rPr lang="en-US" sz="800" b="0" dirty="0">
+                <a:solidFill>
+                  <a:srgbClr val="CCCCCC"/>
+                </a:solidFill>
+                <a:effectLst/>
+                <a:latin typeface="Consolas" panose="020B0609020204030204" pitchFamily="49" charset="0"/>
+              </a:rPr>
+              <a:t>    </a:t>
+            </a:r>
+            <a:r>
+              <a:rPr lang="en-US" sz="800" b="0" dirty="0">
+                <a:solidFill>
+                  <a:srgbClr val="CE9178"/>
+                </a:solidFill>
+                <a:effectLst/>
+                <a:latin typeface="Consolas" panose="020B0609020204030204" pitchFamily="49" charset="0"/>
+              </a:rPr>
+              <a:t>"Patient </a:t>
+            </a:r>
+            <a:r>
+              <a:rPr lang="en-US" sz="800" b="0" dirty="0" err="1">
+                <a:solidFill>
+                  <a:srgbClr val="CE9178"/>
+                </a:solidFill>
+                <a:effectLst/>
+                <a:latin typeface="Consolas" panose="020B0609020204030204" pitchFamily="49" charset="0"/>
+              </a:rPr>
+              <a:t>hasGender</a:t>
+            </a:r>
+            <a:r>
+              <a:rPr lang="en-US" sz="800" b="0" dirty="0">
+                <a:solidFill>
+                  <a:srgbClr val="CE9178"/>
+                </a:solidFill>
+                <a:effectLst/>
+                <a:latin typeface="Consolas" panose="020B0609020204030204" pitchFamily="49" charset="0"/>
+              </a:rPr>
+              <a:t> Gender"</a:t>
+            </a:r>
+            <a:r>
+              <a:rPr lang="en-US" sz="800" b="0" dirty="0">
+                <a:solidFill>
+                  <a:srgbClr val="CCCCCC"/>
+                </a:solidFill>
+                <a:effectLst/>
+                <a:latin typeface="Consolas" panose="020B0609020204030204" pitchFamily="49" charset="0"/>
+              </a:rPr>
+              <a:t>,</a:t>
+            </a:r>
+          </a:p>
+          <a:p>
+            <a:r>
+              <a:rPr lang="en-US" sz="800" b="0" dirty="0">
+                <a:solidFill>
+                  <a:srgbClr val="CCCCCC"/>
+                </a:solidFill>
+                <a:effectLst/>
+                <a:latin typeface="Consolas" panose="020B0609020204030204" pitchFamily="49" charset="0"/>
+              </a:rPr>
+              <a:t>    </a:t>
+            </a:r>
+            <a:r>
+              <a:rPr lang="en-US" sz="800" b="0" dirty="0">
+                <a:solidFill>
+                  <a:srgbClr val="CE9178"/>
+                </a:solidFill>
+                <a:effectLst/>
+                <a:latin typeface="Consolas" panose="020B0609020204030204" pitchFamily="49" charset="0"/>
+              </a:rPr>
+              <a:t>"Patient </a:t>
+            </a:r>
+            <a:r>
+              <a:rPr lang="en-US" sz="800" b="0" dirty="0" err="1">
+                <a:solidFill>
+                  <a:srgbClr val="CE9178"/>
+                </a:solidFill>
+                <a:effectLst/>
+                <a:latin typeface="Consolas" panose="020B0609020204030204" pitchFamily="49" charset="0"/>
+              </a:rPr>
+              <a:t>hasEthnicity</a:t>
+            </a:r>
+            <a:r>
+              <a:rPr lang="en-US" sz="800" b="0" dirty="0">
+                <a:solidFill>
+                  <a:srgbClr val="CE9178"/>
+                </a:solidFill>
+                <a:effectLst/>
+                <a:latin typeface="Consolas" panose="020B0609020204030204" pitchFamily="49" charset="0"/>
+              </a:rPr>
+              <a:t> Ethnicity"</a:t>
+            </a:r>
+            <a:r>
+              <a:rPr lang="en-US" sz="800" b="0" dirty="0">
+                <a:solidFill>
+                  <a:srgbClr val="CCCCCC"/>
+                </a:solidFill>
+                <a:effectLst/>
+                <a:latin typeface="Consolas" panose="020B0609020204030204" pitchFamily="49" charset="0"/>
+              </a:rPr>
+              <a:t>,</a:t>
+            </a:r>
+          </a:p>
+          <a:p>
+            <a:r>
+              <a:rPr lang="en-US" sz="800" b="0" dirty="0">
+                <a:solidFill>
+                  <a:srgbClr val="CCCCCC"/>
+                </a:solidFill>
+                <a:effectLst/>
+                <a:latin typeface="Consolas" panose="020B0609020204030204" pitchFamily="49" charset="0"/>
+              </a:rPr>
+              <a:t>    </a:t>
+            </a:r>
+            <a:r>
+              <a:rPr lang="en-US" sz="800" b="0" dirty="0">
+                <a:solidFill>
+                  <a:srgbClr val="CE9178"/>
+                </a:solidFill>
+                <a:effectLst/>
+                <a:latin typeface="Consolas" panose="020B0609020204030204" pitchFamily="49" charset="0"/>
+              </a:rPr>
+              <a:t>"Patient </a:t>
+            </a:r>
+            <a:r>
+              <a:rPr lang="en-US" sz="800" b="0" dirty="0" err="1">
+                <a:solidFill>
+                  <a:srgbClr val="CE9178"/>
+                </a:solidFill>
+                <a:effectLst/>
+                <a:latin typeface="Consolas" panose="020B0609020204030204" pitchFamily="49" charset="0"/>
+              </a:rPr>
+              <a:t>hasRace</a:t>
+            </a:r>
+            <a:r>
+              <a:rPr lang="en-US" sz="800" b="0" dirty="0">
+                <a:solidFill>
+                  <a:srgbClr val="CE9178"/>
+                </a:solidFill>
+                <a:effectLst/>
+                <a:latin typeface="Consolas" panose="020B0609020204030204" pitchFamily="49" charset="0"/>
+              </a:rPr>
+              <a:t> Race"</a:t>
+            </a:r>
+            <a:r>
+              <a:rPr lang="en-US" sz="800" b="0" dirty="0">
+                <a:solidFill>
+                  <a:srgbClr val="CCCCCC"/>
+                </a:solidFill>
+                <a:effectLst/>
+                <a:latin typeface="Consolas" panose="020B0609020204030204" pitchFamily="49" charset="0"/>
+              </a:rPr>
+              <a:t>,</a:t>
+            </a:r>
+          </a:p>
+          <a:p>
+            <a:r>
+              <a:rPr lang="en-US" sz="800" b="0" dirty="0">
+                <a:solidFill>
+                  <a:srgbClr val="CCCCCC"/>
+                </a:solidFill>
+                <a:effectLst/>
+                <a:latin typeface="Consolas" panose="020B0609020204030204" pitchFamily="49" charset="0"/>
+              </a:rPr>
+              <a:t>    </a:t>
+            </a:r>
+            <a:r>
+              <a:rPr lang="en-US" sz="800" b="0" dirty="0">
+                <a:solidFill>
+                  <a:srgbClr val="CE9178"/>
+                </a:solidFill>
+                <a:effectLst/>
+                <a:latin typeface="Consolas" panose="020B0609020204030204" pitchFamily="49" charset="0"/>
+              </a:rPr>
+              <a:t>"Patient </a:t>
+            </a:r>
+            <a:r>
+              <a:rPr lang="en-US" sz="800" b="0" dirty="0" err="1">
+                <a:solidFill>
+                  <a:srgbClr val="CE9178"/>
+                </a:solidFill>
+                <a:effectLst/>
+                <a:latin typeface="Consolas" panose="020B0609020204030204" pitchFamily="49" charset="0"/>
+              </a:rPr>
+              <a:t>hasAge</a:t>
+            </a:r>
+            <a:r>
+              <a:rPr lang="en-US" sz="800" b="0" dirty="0">
+                <a:solidFill>
+                  <a:srgbClr val="CE9178"/>
+                </a:solidFill>
+                <a:effectLst/>
+                <a:latin typeface="Consolas" panose="020B0609020204030204" pitchFamily="49" charset="0"/>
+              </a:rPr>
+              <a:t> Age"</a:t>
+            </a:r>
+            <a:r>
+              <a:rPr lang="en-US" sz="800" b="0" dirty="0">
+                <a:solidFill>
+                  <a:srgbClr val="CCCCCC"/>
+                </a:solidFill>
+                <a:effectLst/>
+                <a:latin typeface="Consolas" panose="020B0609020204030204" pitchFamily="49" charset="0"/>
+              </a:rPr>
+              <a:t>,</a:t>
+            </a:r>
+          </a:p>
+          <a:p>
+            <a:r>
+              <a:rPr lang="en-US" sz="800" b="0" dirty="0">
+                <a:solidFill>
+                  <a:srgbClr val="CCCCCC"/>
+                </a:solidFill>
+                <a:effectLst/>
+                <a:latin typeface="Consolas" panose="020B0609020204030204" pitchFamily="49" charset="0"/>
+              </a:rPr>
+              <a:t>    </a:t>
+            </a:r>
+            <a:r>
+              <a:rPr lang="en-US" sz="800" b="0" dirty="0">
+                <a:solidFill>
+                  <a:srgbClr val="CE9178"/>
+                </a:solidFill>
+                <a:effectLst/>
+                <a:latin typeface="Consolas" panose="020B0609020204030204" pitchFamily="49" charset="0"/>
+              </a:rPr>
+              <a:t>"Patient </a:t>
+            </a:r>
+            <a:r>
+              <a:rPr lang="en-US" sz="800" b="0" dirty="0" err="1">
+                <a:solidFill>
+                  <a:srgbClr val="CE9178"/>
+                </a:solidFill>
+                <a:effectLst/>
+                <a:latin typeface="Consolas" panose="020B0609020204030204" pitchFamily="49" charset="0"/>
+              </a:rPr>
+              <a:t>hasVisit</a:t>
+            </a:r>
+            <a:r>
+              <a:rPr lang="en-US" sz="800" b="0" dirty="0">
+                <a:solidFill>
+                  <a:srgbClr val="CE9178"/>
+                </a:solidFill>
+                <a:effectLst/>
+                <a:latin typeface="Consolas" panose="020B0609020204030204" pitchFamily="49" charset="0"/>
+              </a:rPr>
+              <a:t> Visit"</a:t>
+            </a:r>
+            <a:r>
+              <a:rPr lang="en-US" sz="800" b="0" dirty="0">
+                <a:solidFill>
+                  <a:srgbClr val="CCCCCC"/>
+                </a:solidFill>
+                <a:effectLst/>
+                <a:latin typeface="Consolas" panose="020B0609020204030204" pitchFamily="49" charset="0"/>
+              </a:rPr>
+              <a:t>,</a:t>
+            </a:r>
+          </a:p>
+          <a:p>
+            <a:r>
+              <a:rPr lang="en-US" sz="800" b="0" dirty="0">
+                <a:solidFill>
+                  <a:srgbClr val="CCCCCC"/>
+                </a:solidFill>
+                <a:effectLst/>
+                <a:latin typeface="Consolas" panose="020B0609020204030204" pitchFamily="49" charset="0"/>
+              </a:rPr>
+              <a:t>    </a:t>
+            </a:r>
+            <a:r>
+              <a:rPr lang="en-US" sz="800" b="0" dirty="0">
+                <a:solidFill>
+                  <a:srgbClr val="CE9178"/>
+                </a:solidFill>
+                <a:effectLst/>
+                <a:latin typeface="Consolas" panose="020B0609020204030204" pitchFamily="49" charset="0"/>
+              </a:rPr>
+              <a:t>"Patient </a:t>
+            </a:r>
+            <a:r>
+              <a:rPr lang="en-US" sz="800" b="0" dirty="0" err="1">
+                <a:solidFill>
+                  <a:srgbClr val="CE9178"/>
+                </a:solidFill>
+                <a:effectLst/>
+                <a:latin typeface="Consolas" panose="020B0609020204030204" pitchFamily="49" charset="0"/>
+              </a:rPr>
+              <a:t>hasPatientType</a:t>
+            </a:r>
+            <a:r>
+              <a:rPr lang="en-US" sz="800" b="0" dirty="0">
+                <a:solidFill>
+                  <a:srgbClr val="CE9178"/>
+                </a:solidFill>
+                <a:effectLst/>
+                <a:latin typeface="Consolas" panose="020B0609020204030204" pitchFamily="49" charset="0"/>
+              </a:rPr>
+              <a:t> </a:t>
+            </a:r>
+            <a:r>
+              <a:rPr lang="en-US" sz="800" b="0" dirty="0" err="1">
+                <a:solidFill>
+                  <a:srgbClr val="CE9178"/>
+                </a:solidFill>
+                <a:effectLst/>
+                <a:latin typeface="Consolas" panose="020B0609020204030204" pitchFamily="49" charset="0"/>
+              </a:rPr>
+              <a:t>PatientType</a:t>
+            </a:r>
+            <a:r>
+              <a:rPr lang="en-US" sz="800" b="0" dirty="0">
+                <a:solidFill>
+                  <a:srgbClr val="CE9178"/>
+                </a:solidFill>
+                <a:effectLst/>
+                <a:latin typeface="Consolas" panose="020B0609020204030204" pitchFamily="49" charset="0"/>
+              </a:rPr>
+              <a:t>"</a:t>
+            </a:r>
+            <a:r>
+              <a:rPr lang="en-US" sz="800" b="0" dirty="0">
+                <a:solidFill>
+                  <a:srgbClr val="CCCCCC"/>
+                </a:solidFill>
+                <a:effectLst/>
+                <a:latin typeface="Consolas" panose="020B0609020204030204" pitchFamily="49" charset="0"/>
+              </a:rPr>
+              <a:t>,</a:t>
+            </a:r>
+          </a:p>
+          <a:p>
+            <a:r>
+              <a:rPr lang="en-US" sz="800" b="0" dirty="0">
+                <a:solidFill>
+                  <a:srgbClr val="CCCCCC"/>
+                </a:solidFill>
+                <a:effectLst/>
+                <a:latin typeface="Consolas" panose="020B0609020204030204" pitchFamily="49" charset="0"/>
+              </a:rPr>
+              <a:t>    </a:t>
+            </a:r>
+            <a:r>
+              <a:rPr lang="en-US" sz="800" b="0" dirty="0">
+                <a:solidFill>
+                  <a:srgbClr val="CE9178"/>
+                </a:solidFill>
+                <a:effectLst/>
+                <a:latin typeface="Consolas" panose="020B0609020204030204" pitchFamily="49" charset="0"/>
+              </a:rPr>
+              <a:t>"Patient </a:t>
+            </a:r>
+            <a:r>
+              <a:rPr lang="en-US" sz="800" b="0" dirty="0" err="1">
+                <a:solidFill>
+                  <a:srgbClr val="CE9178"/>
+                </a:solidFill>
+                <a:effectLst/>
+                <a:latin typeface="Consolas" panose="020B0609020204030204" pitchFamily="49" charset="0"/>
+              </a:rPr>
+              <a:t>hasPriorityofAdmission</a:t>
+            </a:r>
+            <a:r>
+              <a:rPr lang="en-US" sz="800" b="0" dirty="0">
+                <a:solidFill>
+                  <a:srgbClr val="CE9178"/>
+                </a:solidFill>
+                <a:effectLst/>
+                <a:latin typeface="Consolas" panose="020B0609020204030204" pitchFamily="49" charset="0"/>
+              </a:rPr>
+              <a:t> </a:t>
+            </a:r>
+            <a:r>
+              <a:rPr lang="en-US" sz="800" b="0" dirty="0" err="1">
+                <a:solidFill>
+                  <a:srgbClr val="CE9178"/>
+                </a:solidFill>
+                <a:effectLst/>
+                <a:latin typeface="Consolas" panose="020B0609020204030204" pitchFamily="49" charset="0"/>
+              </a:rPr>
+              <a:t>PriorityofAdmission</a:t>
+            </a:r>
+            <a:r>
+              <a:rPr lang="en-US" sz="800" b="0" dirty="0">
+                <a:solidFill>
+                  <a:srgbClr val="CE9178"/>
+                </a:solidFill>
+                <a:effectLst/>
+                <a:latin typeface="Consolas" panose="020B0609020204030204" pitchFamily="49" charset="0"/>
+              </a:rPr>
+              <a:t>"</a:t>
+            </a:r>
+            <a:r>
+              <a:rPr lang="en-US" sz="800" b="0" dirty="0">
+                <a:solidFill>
+                  <a:srgbClr val="CCCCCC"/>
+                </a:solidFill>
+                <a:effectLst/>
+                <a:latin typeface="Consolas" panose="020B0609020204030204" pitchFamily="49" charset="0"/>
+              </a:rPr>
+              <a:t>,</a:t>
+            </a:r>
+          </a:p>
+          <a:p>
+            <a:r>
+              <a:rPr lang="en-US" sz="800" b="0" dirty="0">
+                <a:solidFill>
+                  <a:srgbClr val="CCCCCC"/>
+                </a:solidFill>
+                <a:effectLst/>
+                <a:latin typeface="Consolas" panose="020B0609020204030204" pitchFamily="49" charset="0"/>
+              </a:rPr>
+              <a:t>    </a:t>
+            </a:r>
+            <a:r>
+              <a:rPr lang="en-US" sz="800" b="0" dirty="0">
+                <a:solidFill>
+                  <a:srgbClr val="CE9178"/>
+                </a:solidFill>
+                <a:effectLst/>
+                <a:latin typeface="Consolas" panose="020B0609020204030204" pitchFamily="49" charset="0"/>
+              </a:rPr>
+              <a:t>"Patient </a:t>
+            </a:r>
+            <a:r>
+              <a:rPr lang="en-US" sz="800" b="0" dirty="0" err="1">
+                <a:solidFill>
+                  <a:srgbClr val="CE9178"/>
+                </a:solidFill>
+                <a:effectLst/>
+                <a:latin typeface="Consolas" panose="020B0609020204030204" pitchFamily="49" charset="0"/>
+              </a:rPr>
+              <a:t>hasMedicalRecordNumber</a:t>
+            </a:r>
+            <a:r>
+              <a:rPr lang="en-US" sz="800" b="0" dirty="0">
+                <a:solidFill>
+                  <a:srgbClr val="CE9178"/>
+                </a:solidFill>
+                <a:effectLst/>
+                <a:latin typeface="Consolas" panose="020B0609020204030204" pitchFamily="49" charset="0"/>
+              </a:rPr>
+              <a:t> </a:t>
+            </a:r>
+            <a:r>
+              <a:rPr lang="en-US" sz="800" b="0" dirty="0" err="1">
+                <a:solidFill>
+                  <a:srgbClr val="CE9178"/>
+                </a:solidFill>
+                <a:effectLst/>
+                <a:latin typeface="Consolas" panose="020B0609020204030204" pitchFamily="49" charset="0"/>
+              </a:rPr>
+              <a:t>MedicalRecordNumber</a:t>
+            </a:r>
+            <a:r>
+              <a:rPr lang="en-US" sz="800" b="0" dirty="0">
+                <a:solidFill>
+                  <a:srgbClr val="CE9178"/>
+                </a:solidFill>
+                <a:effectLst/>
+                <a:latin typeface="Consolas" panose="020B0609020204030204" pitchFamily="49" charset="0"/>
+              </a:rPr>
+              <a:t>"</a:t>
+            </a:r>
+            <a:r>
+              <a:rPr lang="en-US" sz="800" b="0" dirty="0">
+                <a:solidFill>
+                  <a:srgbClr val="CCCCCC"/>
+                </a:solidFill>
+                <a:effectLst/>
+                <a:latin typeface="Consolas" panose="020B0609020204030204" pitchFamily="49" charset="0"/>
+              </a:rPr>
+              <a:t>,</a:t>
+            </a:r>
+          </a:p>
+          <a:p>
+            <a:r>
+              <a:rPr lang="en-US" sz="800" b="0" dirty="0">
+                <a:solidFill>
+                  <a:srgbClr val="CCCCCC"/>
+                </a:solidFill>
+                <a:effectLst/>
+                <a:latin typeface="Consolas" panose="020B0609020204030204" pitchFamily="49" charset="0"/>
+              </a:rPr>
+              <a:t>    </a:t>
+            </a:r>
+            <a:r>
+              <a:rPr lang="en-US" sz="800" b="0" dirty="0">
+                <a:solidFill>
+                  <a:srgbClr val="CE9178"/>
+                </a:solidFill>
+                <a:effectLst/>
+                <a:latin typeface="Consolas" panose="020B0609020204030204" pitchFamily="49" charset="0"/>
+              </a:rPr>
+              <a:t>"Patient </a:t>
+            </a:r>
+            <a:r>
+              <a:rPr lang="en-US" sz="800" b="0" dirty="0" err="1">
+                <a:solidFill>
+                  <a:srgbClr val="CE9178"/>
+                </a:solidFill>
+                <a:effectLst/>
+                <a:latin typeface="Consolas" panose="020B0609020204030204" pitchFamily="49" charset="0"/>
+              </a:rPr>
+              <a:t>hasDiagnosis</a:t>
+            </a:r>
+            <a:r>
+              <a:rPr lang="en-US" sz="800" b="0" dirty="0">
+                <a:solidFill>
+                  <a:srgbClr val="CE9178"/>
+                </a:solidFill>
+                <a:effectLst/>
+                <a:latin typeface="Consolas" panose="020B0609020204030204" pitchFamily="49" charset="0"/>
+              </a:rPr>
+              <a:t> Diagnosis"</a:t>
+            </a:r>
+            <a:r>
+              <a:rPr lang="en-US" sz="800" b="0" dirty="0">
+                <a:solidFill>
+                  <a:srgbClr val="CCCCCC"/>
+                </a:solidFill>
+                <a:effectLst/>
+                <a:latin typeface="Consolas" panose="020B0609020204030204" pitchFamily="49" charset="0"/>
+              </a:rPr>
+              <a:t>,</a:t>
+            </a:r>
+          </a:p>
+          <a:p>
+            <a:r>
+              <a:rPr lang="en-US" sz="800" b="0" dirty="0">
+                <a:solidFill>
+                  <a:srgbClr val="CCCCCC"/>
+                </a:solidFill>
+                <a:effectLst/>
+                <a:latin typeface="Consolas" panose="020B0609020204030204" pitchFamily="49" charset="0"/>
+              </a:rPr>
+              <a:t>    </a:t>
+            </a:r>
+            <a:r>
+              <a:rPr lang="en-US" sz="800" b="0" dirty="0">
+                <a:solidFill>
+                  <a:srgbClr val="CE9178"/>
+                </a:solidFill>
+                <a:effectLst/>
+                <a:latin typeface="Consolas" panose="020B0609020204030204" pitchFamily="49" charset="0"/>
+              </a:rPr>
+              <a:t>"Patient </a:t>
+            </a:r>
+            <a:r>
+              <a:rPr lang="en-US" sz="800" b="0" dirty="0" err="1">
+                <a:solidFill>
+                  <a:srgbClr val="CE9178"/>
+                </a:solidFill>
+                <a:effectLst/>
+                <a:latin typeface="Consolas" panose="020B0609020204030204" pitchFamily="49" charset="0"/>
+              </a:rPr>
+              <a:t>isAdministeredDosage</a:t>
+            </a:r>
+            <a:r>
+              <a:rPr lang="en-US" sz="800" b="0" dirty="0">
+                <a:solidFill>
+                  <a:srgbClr val="CE9178"/>
+                </a:solidFill>
+                <a:effectLst/>
+                <a:latin typeface="Consolas" panose="020B0609020204030204" pitchFamily="49" charset="0"/>
+              </a:rPr>
+              <a:t> Dosage"</a:t>
+            </a:r>
+            <a:r>
+              <a:rPr lang="en-US" sz="800" b="0" dirty="0">
+                <a:solidFill>
+                  <a:srgbClr val="CCCCCC"/>
+                </a:solidFill>
+                <a:effectLst/>
+                <a:latin typeface="Consolas" panose="020B0609020204030204" pitchFamily="49" charset="0"/>
+              </a:rPr>
+              <a:t>,</a:t>
+            </a:r>
+          </a:p>
+          <a:p>
+            <a:r>
+              <a:rPr lang="en-US" sz="800" b="0" dirty="0">
+                <a:solidFill>
+                  <a:srgbClr val="CCCCCC"/>
+                </a:solidFill>
+                <a:effectLst/>
+                <a:latin typeface="Consolas" panose="020B0609020204030204" pitchFamily="49" charset="0"/>
+              </a:rPr>
+              <a:t>    </a:t>
+            </a:r>
+            <a:r>
+              <a:rPr lang="en-US" sz="800" b="0" dirty="0">
+                <a:solidFill>
+                  <a:srgbClr val="CE9178"/>
+                </a:solidFill>
+                <a:effectLst/>
+                <a:latin typeface="Consolas" panose="020B0609020204030204" pitchFamily="49" charset="0"/>
+              </a:rPr>
+              <a:t>"Age </a:t>
+            </a:r>
+            <a:r>
+              <a:rPr lang="en-US" sz="800" b="0" dirty="0" err="1">
+                <a:solidFill>
+                  <a:srgbClr val="CE9178"/>
+                </a:solidFill>
+                <a:effectLst/>
+                <a:latin typeface="Consolas" panose="020B0609020204030204" pitchFamily="49" charset="0"/>
+              </a:rPr>
+              <a:t>hasQuantity</a:t>
+            </a:r>
+            <a:r>
+              <a:rPr lang="en-US" sz="800" b="0" dirty="0">
+                <a:solidFill>
+                  <a:srgbClr val="CE9178"/>
+                </a:solidFill>
+                <a:effectLst/>
+                <a:latin typeface="Consolas" panose="020B0609020204030204" pitchFamily="49" charset="0"/>
+              </a:rPr>
+              <a:t> Quantity"</a:t>
+            </a:r>
+            <a:r>
+              <a:rPr lang="en-US" sz="800" b="0" dirty="0">
+                <a:solidFill>
+                  <a:srgbClr val="CCCCCC"/>
+                </a:solidFill>
+                <a:effectLst/>
+                <a:latin typeface="Consolas" panose="020B0609020204030204" pitchFamily="49" charset="0"/>
+              </a:rPr>
+              <a:t>,</a:t>
+            </a:r>
+          </a:p>
+          <a:p>
+            <a:r>
+              <a:rPr lang="en-US" sz="800" b="0" dirty="0">
+                <a:solidFill>
+                  <a:srgbClr val="CCCCCC"/>
+                </a:solidFill>
+                <a:effectLst/>
+                <a:latin typeface="Consolas" panose="020B0609020204030204" pitchFamily="49" charset="0"/>
+              </a:rPr>
+              <a:t>    </a:t>
+            </a:r>
+            <a:r>
+              <a:rPr lang="en-US" sz="800" b="0" dirty="0">
+                <a:solidFill>
+                  <a:srgbClr val="CE9178"/>
+                </a:solidFill>
+                <a:effectLst/>
+                <a:latin typeface="Consolas" panose="020B0609020204030204" pitchFamily="49" charset="0"/>
+              </a:rPr>
+              <a:t>"Race </a:t>
+            </a:r>
+            <a:r>
+              <a:rPr lang="en-US" sz="800" b="0" dirty="0" err="1">
+                <a:solidFill>
+                  <a:srgbClr val="CE9178"/>
+                </a:solidFill>
+                <a:effectLst/>
+                <a:latin typeface="Consolas" panose="020B0609020204030204" pitchFamily="49" charset="0"/>
+              </a:rPr>
+              <a:t>hasRaceTypes</a:t>
+            </a:r>
+            <a:r>
+              <a:rPr lang="en-US" sz="800" b="0" dirty="0">
+                <a:solidFill>
+                  <a:srgbClr val="CE9178"/>
+                </a:solidFill>
+                <a:effectLst/>
+                <a:latin typeface="Consolas" panose="020B0609020204030204" pitchFamily="49" charset="0"/>
+              </a:rPr>
+              <a:t> </a:t>
+            </a:r>
+            <a:r>
+              <a:rPr lang="en-US" sz="800" b="0" dirty="0" err="1">
+                <a:solidFill>
+                  <a:srgbClr val="CE9178"/>
+                </a:solidFill>
+                <a:effectLst/>
+                <a:latin typeface="Consolas" panose="020B0609020204030204" pitchFamily="49" charset="0"/>
+              </a:rPr>
+              <a:t>RaceTypes</a:t>
+            </a:r>
+            <a:r>
+              <a:rPr lang="en-US" sz="800" b="0" dirty="0">
+                <a:solidFill>
+                  <a:srgbClr val="CE9178"/>
+                </a:solidFill>
+                <a:effectLst/>
+                <a:latin typeface="Consolas" panose="020B0609020204030204" pitchFamily="49" charset="0"/>
+              </a:rPr>
+              <a:t>"</a:t>
+            </a:r>
+            <a:r>
+              <a:rPr lang="en-US" sz="800" b="0" dirty="0">
+                <a:solidFill>
+                  <a:srgbClr val="CCCCCC"/>
+                </a:solidFill>
+                <a:effectLst/>
+                <a:latin typeface="Consolas" panose="020B0609020204030204" pitchFamily="49" charset="0"/>
+              </a:rPr>
+              <a:t>,</a:t>
+            </a:r>
+          </a:p>
+          <a:p>
+            <a:r>
+              <a:rPr lang="en-US" sz="800" b="0" dirty="0">
+                <a:solidFill>
+                  <a:srgbClr val="CCCCCC"/>
+                </a:solidFill>
+                <a:effectLst/>
+                <a:latin typeface="Consolas" panose="020B0609020204030204" pitchFamily="49" charset="0"/>
+              </a:rPr>
+              <a:t>    </a:t>
+            </a:r>
+            <a:r>
+              <a:rPr lang="en-US" sz="800" b="0" dirty="0">
+                <a:solidFill>
+                  <a:srgbClr val="CE9178"/>
+                </a:solidFill>
+                <a:effectLst/>
+                <a:latin typeface="Consolas" panose="020B0609020204030204" pitchFamily="49" charset="0"/>
+              </a:rPr>
+              <a:t>"Ethnicity </a:t>
+            </a:r>
+            <a:r>
+              <a:rPr lang="en-US" sz="800" b="0" dirty="0" err="1">
+                <a:solidFill>
+                  <a:srgbClr val="CE9178"/>
+                </a:solidFill>
+                <a:effectLst/>
+                <a:latin typeface="Consolas" panose="020B0609020204030204" pitchFamily="49" charset="0"/>
+              </a:rPr>
+              <a:t>hasEthnicityTypes</a:t>
+            </a:r>
+            <a:r>
+              <a:rPr lang="en-US" sz="800" b="0" dirty="0">
+                <a:solidFill>
+                  <a:srgbClr val="CE9178"/>
+                </a:solidFill>
+                <a:effectLst/>
+                <a:latin typeface="Consolas" panose="020B0609020204030204" pitchFamily="49" charset="0"/>
+              </a:rPr>
+              <a:t> </a:t>
+            </a:r>
+            <a:r>
+              <a:rPr lang="en-US" sz="800" b="0" dirty="0" err="1">
+                <a:solidFill>
+                  <a:srgbClr val="CE9178"/>
+                </a:solidFill>
+                <a:effectLst/>
+                <a:latin typeface="Consolas" panose="020B0609020204030204" pitchFamily="49" charset="0"/>
+              </a:rPr>
+              <a:t>EthnicityTypes</a:t>
+            </a:r>
+            <a:r>
+              <a:rPr lang="en-US" sz="800" b="0" dirty="0">
+                <a:solidFill>
+                  <a:srgbClr val="CE9178"/>
+                </a:solidFill>
+                <a:effectLst/>
+                <a:latin typeface="Consolas" panose="020B0609020204030204" pitchFamily="49" charset="0"/>
+              </a:rPr>
+              <a:t>"</a:t>
+            </a:r>
+            <a:r>
+              <a:rPr lang="en-US" sz="800" b="0" dirty="0">
+                <a:solidFill>
+                  <a:srgbClr val="CCCCCC"/>
+                </a:solidFill>
+                <a:effectLst/>
+                <a:latin typeface="Consolas" panose="020B0609020204030204" pitchFamily="49" charset="0"/>
+              </a:rPr>
+              <a:t>,</a:t>
+            </a:r>
+          </a:p>
+          <a:p>
+            <a:r>
+              <a:rPr lang="en-US" sz="800" b="0" dirty="0">
+                <a:solidFill>
+                  <a:srgbClr val="CCCCCC"/>
+                </a:solidFill>
+                <a:effectLst/>
+                <a:latin typeface="Consolas" panose="020B0609020204030204" pitchFamily="49" charset="0"/>
+              </a:rPr>
+              <a:t>    </a:t>
+            </a:r>
+            <a:r>
+              <a:rPr lang="en-US" sz="800" b="0" dirty="0">
+                <a:solidFill>
+                  <a:srgbClr val="CE9178"/>
+                </a:solidFill>
+                <a:effectLst/>
+                <a:latin typeface="Consolas" panose="020B0609020204030204" pitchFamily="49" charset="0"/>
+              </a:rPr>
+              <a:t>"Gender </a:t>
+            </a:r>
+            <a:r>
+              <a:rPr lang="en-US" sz="800" b="0" dirty="0" err="1">
+                <a:solidFill>
+                  <a:srgbClr val="CE9178"/>
+                </a:solidFill>
+                <a:effectLst/>
+                <a:latin typeface="Consolas" panose="020B0609020204030204" pitchFamily="49" charset="0"/>
+              </a:rPr>
+              <a:t>hasGenderTypes</a:t>
+            </a:r>
+            <a:r>
+              <a:rPr lang="en-US" sz="800" b="0" dirty="0">
+                <a:solidFill>
+                  <a:srgbClr val="CE9178"/>
+                </a:solidFill>
+                <a:effectLst/>
+                <a:latin typeface="Consolas" panose="020B0609020204030204" pitchFamily="49" charset="0"/>
+              </a:rPr>
+              <a:t> </a:t>
+            </a:r>
+            <a:r>
+              <a:rPr lang="en-US" sz="800" b="0" dirty="0" err="1">
+                <a:solidFill>
+                  <a:srgbClr val="CE9178"/>
+                </a:solidFill>
+                <a:effectLst/>
+                <a:latin typeface="Consolas" panose="020B0609020204030204" pitchFamily="49" charset="0"/>
+              </a:rPr>
+              <a:t>GenderTypes</a:t>
+            </a:r>
+            <a:r>
+              <a:rPr lang="en-US" sz="800" b="0" dirty="0">
+                <a:solidFill>
+                  <a:srgbClr val="CE9178"/>
+                </a:solidFill>
+                <a:effectLst/>
+                <a:latin typeface="Consolas" panose="020B0609020204030204" pitchFamily="49" charset="0"/>
+              </a:rPr>
+              <a:t>"</a:t>
+            </a:r>
+            <a:endParaRPr lang="en-US" sz="800" b="0" dirty="0">
+              <a:solidFill>
+                <a:srgbClr val="CCCCCC"/>
+              </a:solidFill>
+              <a:effectLst/>
+              <a:latin typeface="Consolas" panose="020B0609020204030204" pitchFamily="49" charset="0"/>
+            </a:endParaRPr>
+          </a:p>
+          <a:p>
+            <a:r>
+              <a:rPr lang="en-US" sz="800" b="0" dirty="0">
+                <a:solidFill>
+                  <a:srgbClr val="CCCCCC"/>
+                </a:solidFill>
+                <a:effectLst/>
+                <a:latin typeface="Consolas" panose="020B0609020204030204" pitchFamily="49" charset="0"/>
+              </a:rPr>
+              <a:t>]</a:t>
+            </a:r>
+          </a:p>
+        </p:txBody>
+      </p:sp>
     </p:spTree>
     <p:extLst>
       <p:ext uri="{BB962C8B-B14F-4D97-AF65-F5344CB8AC3E}">
